--- a/ppt/第5章-系统分析概述.pptx
+++ b/ppt/第5章-系统分析概述.pptx
@@ -5,10 +5,10 @@
     <p:sldMasterId id="2147483923" r:id="rId1"/>
   </p:sldMasterIdLst>
   <p:notesMasterIdLst>
-    <p:notesMasterId r:id="rId34"/>
+    <p:notesMasterId r:id="rId33"/>
   </p:notesMasterIdLst>
   <p:handoutMasterIdLst>
-    <p:handoutMasterId r:id="rId35"/>
+    <p:handoutMasterId r:id="rId34"/>
   </p:handoutMasterIdLst>
   <p:sldIdLst>
     <p:sldId id="256" r:id="rId2"/>
@@ -17,32 +17,31 @@
     <p:sldId id="329" r:id="rId5"/>
     <p:sldId id="330" r:id="rId6"/>
     <p:sldId id="331" r:id="rId7"/>
-    <p:sldId id="332" r:id="rId8"/>
-    <p:sldId id="333" r:id="rId9"/>
-    <p:sldId id="334" r:id="rId10"/>
-    <p:sldId id="335" r:id="rId11"/>
-    <p:sldId id="336" r:id="rId12"/>
-    <p:sldId id="337" r:id="rId13"/>
-    <p:sldId id="338" r:id="rId14"/>
-    <p:sldId id="339" r:id="rId15"/>
-    <p:sldId id="341" r:id="rId16"/>
-    <p:sldId id="340" r:id="rId17"/>
-    <p:sldId id="342" r:id="rId18"/>
-    <p:sldId id="343" r:id="rId19"/>
-    <p:sldId id="344" r:id="rId20"/>
-    <p:sldId id="345" r:id="rId21"/>
-    <p:sldId id="346" r:id="rId22"/>
-    <p:sldId id="347" r:id="rId23"/>
-    <p:sldId id="348" r:id="rId24"/>
-    <p:sldId id="349" r:id="rId25"/>
-    <p:sldId id="350" r:id="rId26"/>
-    <p:sldId id="351" r:id="rId27"/>
-    <p:sldId id="352" r:id="rId28"/>
-    <p:sldId id="354" r:id="rId29"/>
-    <p:sldId id="353" r:id="rId30"/>
-    <p:sldId id="355" r:id="rId31"/>
-    <p:sldId id="356" r:id="rId32"/>
-    <p:sldId id="357" r:id="rId33"/>
+    <p:sldId id="333" r:id="rId8"/>
+    <p:sldId id="334" r:id="rId9"/>
+    <p:sldId id="335" r:id="rId10"/>
+    <p:sldId id="336" r:id="rId11"/>
+    <p:sldId id="337" r:id="rId12"/>
+    <p:sldId id="338" r:id="rId13"/>
+    <p:sldId id="339" r:id="rId14"/>
+    <p:sldId id="341" r:id="rId15"/>
+    <p:sldId id="340" r:id="rId16"/>
+    <p:sldId id="342" r:id="rId17"/>
+    <p:sldId id="343" r:id="rId18"/>
+    <p:sldId id="344" r:id="rId19"/>
+    <p:sldId id="345" r:id="rId20"/>
+    <p:sldId id="346" r:id="rId21"/>
+    <p:sldId id="347" r:id="rId22"/>
+    <p:sldId id="348" r:id="rId23"/>
+    <p:sldId id="349" r:id="rId24"/>
+    <p:sldId id="350" r:id="rId25"/>
+    <p:sldId id="351" r:id="rId26"/>
+    <p:sldId id="352" r:id="rId27"/>
+    <p:sldId id="354" r:id="rId28"/>
+    <p:sldId id="353" r:id="rId29"/>
+    <p:sldId id="355" r:id="rId30"/>
+    <p:sldId id="356" r:id="rId31"/>
+    <p:sldId id="357" r:id="rId32"/>
   </p:sldIdLst>
   <p:sldSz cx="9144000" cy="6858000" type="screen4x3"/>
   <p:notesSz cx="6858000" cy="9144000"/>
@@ -257,7 +256,7 @@
           <a:p>
             <a:fld id="{1422F3CC-357D-493A-AC3A-D56FADEA6296}" type="datetimeFigureOut">
               <a:rPr lang="zh-CN" altLang="en-US" smtClean="0"/>
-              <a:t>2018-03-25</a:t>
+              <a:t>2020-03-16</a:t>
             </a:fld>
             <a:endParaRPr lang="zh-CN" altLang="en-US"/>
           </a:p>
@@ -1114,15 +1113,15 @@
           <a:lstStyle/>
           <a:p>
             <a:r>
-              <a:rPr lang="en-US" altLang="zh-CN" dirty="0" smtClean="0"/>
+              <a:rPr lang="en-US" altLang="zh-CN" dirty="0"/>
               <a:t>Page98 </a:t>
             </a:r>
             <a:r>
-              <a:rPr lang="zh-CN" altLang="en-US" dirty="0" smtClean="0"/>
+              <a:rPr lang="zh-CN" altLang="en-US" dirty="0"/>
               <a:t>图</a:t>
             </a:r>
             <a:r>
-              <a:rPr lang="en-US" altLang="zh-CN" dirty="0" smtClean="0"/>
+              <a:rPr lang="en-US" altLang="zh-CN" dirty="0"/>
               <a:t>5.1</a:t>
             </a:r>
             <a:endParaRPr lang="zh-CN" altLang="en-US" dirty="0"/>
@@ -1152,7 +1151,7 @@
               <a:pPr>
                 <a:defRPr/>
               </a:pPr>
-              <a:t>11</a:t>
+              <a:t>10</a:t>
             </a:fld>
             <a:endParaRPr lang="en-US" altLang="zh-CN"/>
           </a:p>
@@ -1216,15 +1215,15 @@
           <a:lstStyle/>
           <a:p>
             <a:r>
-              <a:rPr lang="en-US" altLang="zh-CN" dirty="0" smtClean="0"/>
+              <a:rPr lang="en-US" altLang="zh-CN" dirty="0"/>
               <a:t>Page99 </a:t>
             </a:r>
             <a:r>
-              <a:rPr lang="zh-CN" altLang="en-US" dirty="0" smtClean="0"/>
+              <a:rPr lang="zh-CN" altLang="en-US" dirty="0"/>
               <a:t>表</a:t>
             </a:r>
             <a:r>
-              <a:rPr lang="en-US" altLang="zh-CN" dirty="0" smtClean="0"/>
+              <a:rPr lang="en-US" altLang="zh-CN" dirty="0"/>
               <a:t>5.1</a:t>
             </a:r>
             <a:endParaRPr lang="zh-CN" altLang="en-US" dirty="0"/>
@@ -1254,7 +1253,7 @@
               <a:pPr>
                 <a:defRPr/>
               </a:pPr>
-              <a:t>13</a:t>
+              <a:t>12</a:t>
             </a:fld>
             <a:endParaRPr lang="en-US" altLang="zh-CN"/>
           </a:p>
@@ -1344,7 +1343,7 @@
               <a:pPr>
                 <a:defRPr/>
               </a:pPr>
-              <a:t>18</a:t>
+              <a:t>17</a:t>
             </a:fld>
             <a:endParaRPr lang="en-US" altLang="zh-CN"/>
           </a:p>
@@ -1408,15 +1407,15 @@
           <a:lstStyle/>
           <a:p>
             <a:r>
-              <a:rPr lang="en-US" altLang="zh-CN" dirty="0" smtClean="0"/>
+              <a:rPr lang="en-US" altLang="zh-CN" dirty="0"/>
               <a:t>Page101 </a:t>
             </a:r>
             <a:r>
-              <a:rPr lang="zh-CN" altLang="en-US" dirty="0" smtClean="0"/>
+              <a:rPr lang="zh-CN" altLang="en-US" dirty="0"/>
               <a:t>图</a:t>
             </a:r>
             <a:r>
-              <a:rPr lang="en-US" altLang="zh-CN" dirty="0" smtClean="0"/>
+              <a:rPr lang="en-US" altLang="zh-CN" dirty="0"/>
               <a:t>5.2</a:t>
             </a:r>
             <a:endParaRPr lang="zh-CN" altLang="en-US" dirty="0"/>
@@ -1446,7 +1445,7 @@
               <a:pPr>
                 <a:defRPr/>
               </a:pPr>
-              <a:t>26</a:t>
+              <a:t>25</a:t>
             </a:fld>
             <a:endParaRPr lang="en-US" altLang="zh-CN"/>
           </a:p>
@@ -7729,22 +7728,17 @@
           <a:lstStyle/>
           <a:p>
             <a:r>
-              <a:rPr lang="zh-CN" altLang="en-US" sz="4400" dirty="0" smtClean="0"/>
+              <a:rPr lang="zh-CN" altLang="en-US" sz="4400" dirty="0"/>
               <a:t>第</a:t>
             </a:r>
             <a:r>
-              <a:rPr lang="en-US" altLang="zh-CN" sz="4400" dirty="0" smtClean="0"/>
+              <a:rPr lang="en-US" altLang="zh-CN" sz="4400" dirty="0"/>
               <a:t>5</a:t>
             </a:r>
             <a:r>
-              <a:rPr lang="zh-CN" altLang="en-US" sz="4400" dirty="0" smtClean="0"/>
-              <a:t>章  系统</a:t>
-            </a:r>
-            <a:r>
-              <a:rPr lang="zh-CN" altLang="en-US" sz="4400" dirty="0" smtClean="0"/>
-              <a:t>分析概述</a:t>
-            </a:r>
-            <a:endParaRPr lang="zh-CN" altLang="en-US" sz="4400" dirty="0"/>
+              <a:rPr lang="zh-CN" altLang="en-US" sz="4400" dirty="0"/>
+              <a:t>章  系统分析概述</a:t>
+            </a:r>
           </a:p>
         </p:txBody>
       </p:sp>
@@ -7795,191 +7789,9 @@
           <a:lstStyle/>
           <a:p>
             <a:r>
-              <a:rPr lang="en-US" altLang="zh-CN" dirty="0"/>
-              <a:t>5.2 </a:t>
-            </a:r>
-            <a:r>
               <a:rPr lang="zh-CN" altLang="en-US" dirty="0"/>
-              <a:t>系统分析的过程和方法</a:t>
-            </a:r>
-            <a:endParaRPr lang="zh-CN" altLang="en-US" dirty="0"/>
-          </a:p>
-        </p:txBody>
-      </p:sp>
-      <p:sp>
-        <p:nvSpPr>
-          <p:cNvPr id="4099" name="Rectangle 3">
-            <a:extLst>
-              <a:ext uri="{FF2B5EF4-FFF2-40B4-BE49-F238E27FC236}">
-                <a16:creationId xmlns:a16="http://schemas.microsoft.com/office/drawing/2014/main" id="{2FB248A4-1002-4AAA-9CA9-E4E3A79A9CA3}"/>
-              </a:ext>
-            </a:extLst>
-          </p:cNvPr>
-          <p:cNvSpPr>
-            <a:spLocks noGrp="1" noChangeArrowheads="1"/>
-          </p:cNvSpPr>
-          <p:nvPr>
-            <p:ph idx="1"/>
-          </p:nvPr>
-        </p:nvSpPr>
-        <p:spPr>
-          <a:xfrm>
-            <a:off x="958713" y="1628800"/>
-            <a:ext cx="7272808" cy="5040560"/>
-          </a:xfrm>
-        </p:spPr>
-        <p:txBody>
-          <a:bodyPr>
-            <a:noAutofit/>
-          </a:bodyPr>
-          <a:lstStyle/>
-          <a:p>
-            <a:pPr>
-              <a:spcBef>
-                <a:spcPts val="0"/>
-              </a:spcBef>
-            </a:pPr>
-            <a:r>
-              <a:rPr lang="zh-CN" altLang="en-US" dirty="0">
-                <a:solidFill>
-                  <a:schemeClr val="tx1"/>
-                </a:solidFill>
-              </a:rPr>
-              <a:t>分析的重要任务是识别和表达需求，建立系统的逻辑模型。</a:t>
-            </a:r>
-          </a:p>
-          <a:p>
-            <a:pPr>
-              <a:spcBef>
-                <a:spcPts val="0"/>
-              </a:spcBef>
-            </a:pPr>
-            <a:r>
-              <a:rPr lang="zh-CN" altLang="en-US" dirty="0">
-                <a:solidFill>
-                  <a:schemeClr val="tx1"/>
-                </a:solidFill>
-              </a:rPr>
-              <a:t>要解决以下问题：</a:t>
-            </a:r>
-          </a:p>
-          <a:p>
-            <a:pPr lvl="1">
-              <a:spcBef>
-                <a:spcPts val="0"/>
-              </a:spcBef>
-            </a:pPr>
-            <a:r>
-              <a:rPr lang="zh-CN" altLang="en-US" dirty="0">
-                <a:solidFill>
-                  <a:schemeClr val="tx1"/>
-                </a:solidFill>
-                <a:latin typeface="楷体" panose="02010609060101010101" pitchFamily="49" charset="-122"/>
-                <a:ea typeface="楷体" panose="02010609060101010101" pitchFamily="49" charset="-122"/>
-              </a:rPr>
-              <a:t>如何采集信息、理解和分析问题？</a:t>
-            </a:r>
-          </a:p>
-          <a:p>
-            <a:pPr lvl="1">
-              <a:spcBef>
-                <a:spcPts val="0"/>
-              </a:spcBef>
-            </a:pPr>
-            <a:r>
-              <a:rPr lang="zh-CN" altLang="en-US" dirty="0">
-                <a:solidFill>
-                  <a:schemeClr val="tx1"/>
-                </a:solidFill>
-                <a:latin typeface="楷体" panose="02010609060101010101" pitchFamily="49" charset="-122"/>
-                <a:ea typeface="楷体" panose="02010609060101010101" pitchFamily="49" charset="-122"/>
-              </a:rPr>
-              <a:t>如何进行需求分析、确定需求？</a:t>
-            </a:r>
-          </a:p>
-          <a:p>
-            <a:pPr lvl="1">
-              <a:spcBef>
-                <a:spcPts val="0"/>
-              </a:spcBef>
-            </a:pPr>
-            <a:r>
-              <a:rPr lang="zh-CN" altLang="en-US" dirty="0">
-                <a:solidFill>
-                  <a:schemeClr val="tx1"/>
-                </a:solidFill>
-                <a:latin typeface="楷体" panose="02010609060101010101" pitchFamily="49" charset="-122"/>
-                <a:ea typeface="楷体" panose="02010609060101010101" pitchFamily="49" charset="-122"/>
-              </a:rPr>
-              <a:t>如何表述需求？</a:t>
-            </a:r>
-          </a:p>
-        </p:txBody>
-      </p:sp>
-    </p:spTree>
-    <p:extLst>
-      <p:ext uri="{BB962C8B-B14F-4D97-AF65-F5344CB8AC3E}">
-        <p14:creationId xmlns:p14="http://schemas.microsoft.com/office/powerpoint/2010/main" val="4258049671"/>
-      </p:ext>
-    </p:extLst>
-  </p:cSld>
-  <p:clrMapOvr>
-    <a:masterClrMapping/>
-  </p:clrMapOvr>
-</p:sld>
-</file>
-
-<file path=ppt/slides/slide11.xml><?xml version="1.0" encoding="utf-8"?>
-<p:sld xmlns:a="http://schemas.openxmlformats.org/drawingml/2006/main" xmlns:r="http://schemas.openxmlformats.org/officeDocument/2006/relationships" xmlns:p="http://schemas.openxmlformats.org/presentationml/2006/main">
-  <p:cSld>
-    <p:spTree>
-      <p:nvGrpSpPr>
-        <p:cNvPr id="1" name=""/>
-        <p:cNvGrpSpPr/>
-        <p:nvPr/>
-      </p:nvGrpSpPr>
-      <p:grpSpPr>
-        <a:xfrm>
-          <a:off x="0" y="0"/>
-          <a:ext cx="0" cy="0"/>
-          <a:chOff x="0" y="0"/>
-          <a:chExt cx="0" cy="0"/>
-        </a:xfrm>
-      </p:grpSpPr>
-      <p:sp>
-        <p:nvSpPr>
-          <p:cNvPr id="4098" name="Rectangle 2">
-            <a:extLst>
-              <a:ext uri="{FF2B5EF4-FFF2-40B4-BE49-F238E27FC236}">
-                <a16:creationId xmlns:a16="http://schemas.microsoft.com/office/drawing/2014/main" id="{F11018BA-5434-4561-B412-293389E04FD0}"/>
-              </a:ext>
-            </a:extLst>
-          </p:cNvPr>
-          <p:cNvSpPr>
-            <a:spLocks noGrp="1" noChangeArrowheads="1"/>
-          </p:cNvSpPr>
-          <p:nvPr>
-            <p:ph type="title"/>
-          </p:nvPr>
-        </p:nvSpPr>
-        <p:spPr/>
-        <p:txBody>
-          <a:bodyPr/>
-          <a:lstStyle/>
-          <a:p>
-            <a:r>
-              <a:rPr lang="zh-CN" altLang="en-US" dirty="0" smtClean="0"/>
-              <a:t>系统分析</a:t>
-            </a:r>
-            <a:r>
-              <a:rPr lang="zh-CN" altLang="en-US" dirty="0"/>
-              <a:t>的</a:t>
-            </a:r>
-            <a:r>
-              <a:rPr lang="zh-CN" altLang="en-US" dirty="0" smtClean="0"/>
-              <a:t>过程</a:t>
-            </a:r>
-            <a:endParaRPr lang="zh-CN" altLang="en-US" dirty="0"/>
+              <a:t>系统分析的过程</a:t>
+            </a:r>
           </a:p>
         </p:txBody>
       </p:sp>
@@ -8104,6 +7916,200 @@
 </p:sld>
 </file>
 
+<file path=ppt/slides/slide11.xml><?xml version="1.0" encoding="utf-8"?>
+<p:sld xmlns:a="http://schemas.openxmlformats.org/drawingml/2006/main" xmlns:r="http://schemas.openxmlformats.org/officeDocument/2006/relationships" xmlns:p="http://schemas.openxmlformats.org/presentationml/2006/main">
+  <p:cSld>
+    <p:spTree>
+      <p:nvGrpSpPr>
+        <p:cNvPr id="1" name=""/>
+        <p:cNvGrpSpPr/>
+        <p:nvPr/>
+      </p:nvGrpSpPr>
+      <p:grpSpPr>
+        <a:xfrm>
+          <a:off x="0" y="0"/>
+          <a:ext cx="0" cy="0"/>
+          <a:chOff x="0" y="0"/>
+          <a:chExt cx="0" cy="0"/>
+        </a:xfrm>
+      </p:grpSpPr>
+      <p:sp>
+        <p:nvSpPr>
+          <p:cNvPr id="4098" name="Rectangle 2">
+            <a:extLst>
+              <a:ext uri="{FF2B5EF4-FFF2-40B4-BE49-F238E27FC236}">
+                <a16:creationId xmlns:a16="http://schemas.microsoft.com/office/drawing/2014/main" id="{F11018BA-5434-4561-B412-293389E04FD0}"/>
+              </a:ext>
+            </a:extLst>
+          </p:cNvPr>
+          <p:cNvSpPr>
+            <a:spLocks noGrp="1" noChangeArrowheads="1"/>
+          </p:cNvSpPr>
+          <p:nvPr>
+            <p:ph type="title"/>
+          </p:nvPr>
+        </p:nvSpPr>
+        <p:spPr/>
+        <p:txBody>
+          <a:bodyPr/>
+          <a:lstStyle/>
+          <a:p>
+            <a:r>
+              <a:rPr lang="en-US" altLang="zh-CN" dirty="0"/>
+              <a:t>5.2.1 </a:t>
+            </a:r>
+            <a:r>
+              <a:rPr lang="zh-CN" altLang="en-US" dirty="0"/>
+              <a:t>问题分析</a:t>
+            </a:r>
+          </a:p>
+        </p:txBody>
+      </p:sp>
+      <p:sp>
+        <p:nvSpPr>
+          <p:cNvPr id="4099" name="Rectangle 3">
+            <a:extLst>
+              <a:ext uri="{FF2B5EF4-FFF2-40B4-BE49-F238E27FC236}">
+                <a16:creationId xmlns:a16="http://schemas.microsoft.com/office/drawing/2014/main" id="{2FB248A4-1002-4AAA-9CA9-E4E3A79A9CA3}"/>
+              </a:ext>
+            </a:extLst>
+          </p:cNvPr>
+          <p:cNvSpPr>
+            <a:spLocks noGrp="1" noChangeArrowheads="1"/>
+          </p:cNvSpPr>
+          <p:nvPr>
+            <p:ph idx="1"/>
+          </p:nvPr>
+        </p:nvSpPr>
+        <p:spPr>
+          <a:xfrm>
+            <a:off x="958713" y="1628800"/>
+            <a:ext cx="7272808" cy="5040560"/>
+          </a:xfrm>
+        </p:spPr>
+        <p:txBody>
+          <a:bodyPr>
+            <a:noAutofit/>
+          </a:bodyPr>
+          <a:lstStyle/>
+          <a:p>
+            <a:pPr>
+              <a:spcBef>
+                <a:spcPts val="0"/>
+              </a:spcBef>
+            </a:pPr>
+            <a:r>
+              <a:rPr lang="zh-CN" altLang="en-US" sz="2400" dirty="0">
+                <a:solidFill>
+                  <a:schemeClr val="tx1"/>
+                </a:solidFill>
+              </a:rPr>
+              <a:t>通过详细调查全面深入理解用户的业务，找出用户所面临的问题，准确把握用户真正的需要，为最终整理出符合用户需要的需求做准备。分析过程如下：</a:t>
+            </a:r>
+          </a:p>
+          <a:p>
+            <a:pPr lvl="1">
+              <a:spcBef>
+                <a:spcPts val="0"/>
+              </a:spcBef>
+            </a:pPr>
+            <a:r>
+              <a:rPr lang="zh-CN" altLang="en-US" sz="2400" dirty="0">
+                <a:solidFill>
+                  <a:schemeClr val="tx1"/>
+                </a:solidFill>
+                <a:latin typeface="楷体" panose="02010609060101010101" pitchFamily="49" charset="-122"/>
+                <a:ea typeface="楷体" panose="02010609060101010101" pitchFamily="49" charset="-122"/>
+              </a:rPr>
+              <a:t>明确项目的背景</a:t>
+            </a:r>
+          </a:p>
+          <a:p>
+            <a:pPr lvl="1">
+              <a:spcBef>
+                <a:spcPts val="0"/>
+              </a:spcBef>
+            </a:pPr>
+            <a:r>
+              <a:rPr lang="zh-CN" altLang="en-US" sz="2400" dirty="0">
+                <a:solidFill>
+                  <a:schemeClr val="tx1"/>
+                </a:solidFill>
+                <a:latin typeface="楷体" panose="02010609060101010101" pitchFamily="49" charset="-122"/>
+                <a:ea typeface="楷体" panose="02010609060101010101" pitchFamily="49" charset="-122"/>
+              </a:rPr>
+              <a:t>明确项目目标、范围、相关部门和人员</a:t>
+            </a:r>
+          </a:p>
+          <a:p>
+            <a:pPr lvl="1">
+              <a:spcBef>
+                <a:spcPts val="0"/>
+              </a:spcBef>
+            </a:pPr>
+            <a:r>
+              <a:rPr lang="zh-CN" altLang="en-US" sz="2400" dirty="0">
+                <a:solidFill>
+                  <a:schemeClr val="tx1"/>
+                </a:solidFill>
+                <a:latin typeface="楷体" panose="02010609060101010101" pitchFamily="49" charset="-122"/>
+                <a:ea typeface="楷体" panose="02010609060101010101" pitchFamily="49" charset="-122"/>
+              </a:rPr>
+              <a:t>找出关键涉众（</a:t>
+            </a:r>
+            <a:r>
+              <a:rPr lang="en-US" altLang="zh-CN" sz="2400" dirty="0">
+                <a:solidFill>
+                  <a:schemeClr val="tx1"/>
+                </a:solidFill>
+                <a:latin typeface="楷体" panose="02010609060101010101" pitchFamily="49" charset="-122"/>
+                <a:ea typeface="楷体" panose="02010609060101010101" pitchFamily="49" charset="-122"/>
+              </a:rPr>
+              <a:t>stakeholder</a:t>
+            </a:r>
+            <a:r>
+              <a:rPr lang="zh-CN" altLang="en-US" sz="2400" dirty="0">
+                <a:solidFill>
+                  <a:schemeClr val="tx1"/>
+                </a:solidFill>
+                <a:latin typeface="楷体" panose="02010609060101010101" pitchFamily="49" charset="-122"/>
+                <a:ea typeface="楷体" panose="02010609060101010101" pitchFamily="49" charset="-122"/>
+              </a:rPr>
+              <a:t>，也称利益相关人员）及待解决的问题。涉众包括系统的用户、项目决策者、受项目影响的第三方等。</a:t>
+            </a:r>
+          </a:p>
+          <a:p>
+            <a:pPr lvl="1">
+              <a:spcBef>
+                <a:spcPts val="0"/>
+              </a:spcBef>
+            </a:pPr>
+            <a:r>
+              <a:rPr lang="zh-CN" altLang="en-US" sz="2400" dirty="0">
+                <a:solidFill>
+                  <a:schemeClr val="tx1"/>
+                </a:solidFill>
+                <a:latin typeface="楷体" panose="02010609060101010101" pitchFamily="49" charset="-122"/>
+                <a:ea typeface="楷体" panose="02010609060101010101" pitchFamily="49" charset="-122"/>
+              </a:rPr>
+              <a:t>调查和分析业务流程，建立业务流程模型以描述用户处理业务的过程及过程中数据的流转。</a:t>
+            </a:r>
+          </a:p>
+        </p:txBody>
+      </p:sp>
+    </p:spTree>
+    <p:extLst>
+      <p:ext uri="{BB962C8B-B14F-4D97-AF65-F5344CB8AC3E}">
+        <p14:creationId xmlns:p14="http://schemas.microsoft.com/office/powerpoint/2010/main" val="931927964"/>
+      </p:ext>
+    </p:extLst>
+  </p:cSld>
+  <p:clrMapOvr>
+    <a:masterClrMapping/>
+  </p:clrMapOvr>
+</p:sld>
+</file>
+
 <file path=ppt/slides/slide12.xml><?xml version="1.0" encoding="utf-8"?>
 <p:sld xmlns:a="http://schemas.openxmlformats.org/drawingml/2006/main" xmlns:r="http://schemas.openxmlformats.org/officeDocument/2006/relationships" xmlns:p="http://schemas.openxmlformats.org/presentationml/2006/main">
   <p:cSld>
@@ -8143,242 +8149,9 @@
           <a:lstStyle/>
           <a:p>
             <a:r>
-              <a:rPr lang="en-US" altLang="zh-CN" dirty="0" smtClean="0"/>
-              <a:t>5.2.1 </a:t>
-            </a:r>
-            <a:r>
-              <a:rPr lang="zh-CN" altLang="en-US" dirty="0"/>
-              <a:t>问题</a:t>
-            </a:r>
-            <a:r>
-              <a:rPr lang="zh-CN" altLang="en-US" dirty="0" smtClean="0"/>
-              <a:t>分析</a:t>
-            </a:r>
-            <a:endParaRPr lang="zh-CN" altLang="en-US" dirty="0"/>
-          </a:p>
-        </p:txBody>
-      </p:sp>
-      <p:sp>
-        <p:nvSpPr>
-          <p:cNvPr id="4099" name="Rectangle 3">
-            <a:extLst>
-              <a:ext uri="{FF2B5EF4-FFF2-40B4-BE49-F238E27FC236}">
-                <a16:creationId xmlns:a16="http://schemas.microsoft.com/office/drawing/2014/main" id="{2FB248A4-1002-4AAA-9CA9-E4E3A79A9CA3}"/>
-              </a:ext>
-            </a:extLst>
-          </p:cNvPr>
-          <p:cNvSpPr>
-            <a:spLocks noGrp="1" noChangeArrowheads="1"/>
-          </p:cNvSpPr>
-          <p:nvPr>
-            <p:ph idx="1"/>
-          </p:nvPr>
-        </p:nvSpPr>
-        <p:spPr>
-          <a:xfrm>
-            <a:off x="958713" y="1628800"/>
-            <a:ext cx="7272808" cy="5040560"/>
-          </a:xfrm>
-        </p:spPr>
-        <p:txBody>
-          <a:bodyPr>
-            <a:noAutofit/>
-          </a:bodyPr>
-          <a:lstStyle/>
-          <a:p>
-            <a:pPr>
-              <a:spcBef>
-                <a:spcPts val="0"/>
-              </a:spcBef>
-            </a:pPr>
-            <a:r>
-              <a:rPr lang="zh-CN" altLang="en-US" sz="2400" dirty="0">
-                <a:solidFill>
-                  <a:schemeClr val="tx1"/>
-                </a:solidFill>
-              </a:rPr>
-              <a:t>通过详细调查全面深入理解用户的业务，找出用户所面临的问题，准确把握用户真正的需要，为最终整理出符合用户需要的需求做准备</a:t>
-            </a:r>
-            <a:r>
-              <a:rPr lang="zh-CN" altLang="en-US" sz="2400" dirty="0" smtClean="0">
-                <a:solidFill>
-                  <a:schemeClr val="tx1"/>
-                </a:solidFill>
-              </a:rPr>
-              <a:t>。分析</a:t>
-            </a:r>
-            <a:r>
-              <a:rPr lang="zh-CN" altLang="en-US" sz="2400" dirty="0">
-                <a:solidFill>
-                  <a:schemeClr val="tx1"/>
-                </a:solidFill>
-              </a:rPr>
-              <a:t>过程如下：</a:t>
-            </a:r>
-          </a:p>
-          <a:p>
-            <a:pPr lvl="1">
-              <a:spcBef>
-                <a:spcPts val="0"/>
-              </a:spcBef>
-            </a:pPr>
-            <a:r>
-              <a:rPr lang="zh-CN" altLang="en-US" sz="2400" dirty="0">
-                <a:solidFill>
-                  <a:schemeClr val="tx1"/>
-                </a:solidFill>
-                <a:latin typeface="楷体" panose="02010609060101010101" pitchFamily="49" charset="-122"/>
-                <a:ea typeface="楷体" panose="02010609060101010101" pitchFamily="49" charset="-122"/>
-              </a:rPr>
-              <a:t>明确项目的背景</a:t>
-            </a:r>
-          </a:p>
-          <a:p>
-            <a:pPr lvl="1">
-              <a:spcBef>
-                <a:spcPts val="0"/>
-              </a:spcBef>
-            </a:pPr>
-            <a:r>
-              <a:rPr lang="zh-CN" altLang="en-US" sz="2400" dirty="0">
-                <a:solidFill>
-                  <a:schemeClr val="tx1"/>
-                </a:solidFill>
-                <a:latin typeface="楷体" panose="02010609060101010101" pitchFamily="49" charset="-122"/>
-                <a:ea typeface="楷体" panose="02010609060101010101" pitchFamily="49" charset="-122"/>
-              </a:rPr>
-              <a:t>明确项目目标、范围、相关部门和人员</a:t>
-            </a:r>
-          </a:p>
-          <a:p>
-            <a:pPr lvl="1">
-              <a:spcBef>
-                <a:spcPts val="0"/>
-              </a:spcBef>
-            </a:pPr>
-            <a:r>
-              <a:rPr lang="zh-CN" altLang="en-US" sz="2400" dirty="0">
-                <a:solidFill>
-                  <a:schemeClr val="tx1"/>
-                </a:solidFill>
-                <a:latin typeface="楷体" panose="02010609060101010101" pitchFamily="49" charset="-122"/>
-                <a:ea typeface="楷体" panose="02010609060101010101" pitchFamily="49" charset="-122"/>
-              </a:rPr>
-              <a:t>找出关键涉众（</a:t>
-            </a:r>
-            <a:r>
-              <a:rPr lang="en-US" altLang="zh-CN" sz="2400" dirty="0">
-                <a:solidFill>
-                  <a:schemeClr val="tx1"/>
-                </a:solidFill>
-                <a:latin typeface="楷体" panose="02010609060101010101" pitchFamily="49" charset="-122"/>
-                <a:ea typeface="楷体" panose="02010609060101010101" pitchFamily="49" charset="-122"/>
-              </a:rPr>
-              <a:t>stakeholder</a:t>
-            </a:r>
-            <a:r>
-              <a:rPr lang="zh-CN" altLang="en-US" sz="2400" dirty="0">
-                <a:solidFill>
-                  <a:schemeClr val="tx1"/>
-                </a:solidFill>
-                <a:latin typeface="楷体" panose="02010609060101010101" pitchFamily="49" charset="-122"/>
-                <a:ea typeface="楷体" panose="02010609060101010101" pitchFamily="49" charset="-122"/>
-              </a:rPr>
-              <a:t>，也称利益相关人员）及待解决的问题。涉众包括系统的用户、项目决策者、受项目影响的第三方等。</a:t>
-            </a:r>
-          </a:p>
-          <a:p>
-            <a:pPr lvl="1">
-              <a:spcBef>
-                <a:spcPts val="0"/>
-              </a:spcBef>
-            </a:pPr>
-            <a:r>
-              <a:rPr lang="zh-CN" altLang="en-US" sz="2400" dirty="0">
-                <a:solidFill>
-                  <a:schemeClr val="tx1"/>
-                </a:solidFill>
-                <a:latin typeface="楷体" panose="02010609060101010101" pitchFamily="49" charset="-122"/>
-                <a:ea typeface="楷体" panose="02010609060101010101" pitchFamily="49" charset="-122"/>
-              </a:rPr>
-              <a:t>调查和分析业务流程，建立业务流程模型以描述用户处理业务的过程及过程中数据的流转</a:t>
-            </a:r>
-            <a:r>
-              <a:rPr lang="zh-CN" altLang="en-US" sz="2400" dirty="0" smtClean="0">
-                <a:solidFill>
-                  <a:schemeClr val="tx1"/>
-                </a:solidFill>
-                <a:latin typeface="楷体" panose="02010609060101010101" pitchFamily="49" charset="-122"/>
-                <a:ea typeface="楷体" panose="02010609060101010101" pitchFamily="49" charset="-122"/>
-              </a:rPr>
-              <a:t>。</a:t>
-            </a:r>
-            <a:endParaRPr lang="zh-CN" altLang="en-US" sz="2400" dirty="0">
-              <a:solidFill>
-                <a:schemeClr val="tx1"/>
-              </a:solidFill>
-              <a:latin typeface="楷体" panose="02010609060101010101" pitchFamily="49" charset="-122"/>
-              <a:ea typeface="楷体" panose="02010609060101010101" pitchFamily="49" charset="-122"/>
-            </a:endParaRPr>
-          </a:p>
-        </p:txBody>
-      </p:sp>
-    </p:spTree>
-    <p:extLst>
-      <p:ext uri="{BB962C8B-B14F-4D97-AF65-F5344CB8AC3E}">
-        <p14:creationId xmlns:p14="http://schemas.microsoft.com/office/powerpoint/2010/main" val="931927964"/>
-      </p:ext>
-    </p:extLst>
-  </p:cSld>
-  <p:clrMapOvr>
-    <a:masterClrMapping/>
-  </p:clrMapOvr>
-</p:sld>
-</file>
-
-<file path=ppt/slides/slide13.xml><?xml version="1.0" encoding="utf-8"?>
-<p:sld xmlns:a="http://schemas.openxmlformats.org/drawingml/2006/main" xmlns:r="http://schemas.openxmlformats.org/officeDocument/2006/relationships" xmlns:p="http://schemas.openxmlformats.org/presentationml/2006/main">
-  <p:cSld>
-    <p:spTree>
-      <p:nvGrpSpPr>
-        <p:cNvPr id="1" name=""/>
-        <p:cNvGrpSpPr/>
-        <p:nvPr/>
-      </p:nvGrpSpPr>
-      <p:grpSpPr>
-        <a:xfrm>
-          <a:off x="0" y="0"/>
-          <a:ext cx="0" cy="0"/>
-          <a:chOff x="0" y="0"/>
-          <a:chExt cx="0" cy="0"/>
-        </a:xfrm>
-      </p:grpSpPr>
-      <p:sp>
-        <p:nvSpPr>
-          <p:cNvPr id="4098" name="Rectangle 2">
-            <a:extLst>
-              <a:ext uri="{FF2B5EF4-FFF2-40B4-BE49-F238E27FC236}">
-                <a16:creationId xmlns:a16="http://schemas.microsoft.com/office/drawing/2014/main" id="{F11018BA-5434-4561-B412-293389E04FD0}"/>
-              </a:ext>
-            </a:extLst>
-          </p:cNvPr>
-          <p:cNvSpPr>
-            <a:spLocks noGrp="1" noChangeArrowheads="1"/>
-          </p:cNvSpPr>
-          <p:nvPr>
-            <p:ph type="title"/>
-          </p:nvPr>
-        </p:nvSpPr>
-        <p:spPr/>
-        <p:txBody>
-          <a:bodyPr/>
-          <a:lstStyle/>
-          <a:p>
-            <a:r>
               <a:rPr lang="zh-CN" altLang="en-US" dirty="0"/>
               <a:t>涉众分析</a:t>
             </a:r>
-            <a:endParaRPr lang="zh-CN" altLang="en-US" dirty="0"/>
           </a:p>
         </p:txBody>
       </p:sp>
@@ -9556,30 +9329,18 @@
                         <a:buNone/>
                       </a:pPr>
                       <a:r>
-                        <a:rPr lang="en-US" altLang="zh-CN" sz="1400" kern="100" dirty="0" smtClean="0">
+                        <a:rPr lang="en-US" altLang="zh-CN" sz="1400" kern="100" dirty="0">
                           <a:effectLst/>
                         </a:rPr>
                         <a:t>1. </a:t>
                       </a:r>
                       <a:r>
-                        <a:rPr lang="zh-CN" sz="1400" kern="100" dirty="0" smtClean="0">
-                          <a:effectLst/>
-                        </a:rPr>
-                        <a:t>信息</a:t>
-                      </a:r>
-                      <a:r>
                         <a:rPr lang="zh-CN" sz="1400" kern="100" dirty="0">
                           <a:effectLst/>
                         </a:rPr>
-                        <a:t>不准确，经常发生到现场后发现维修部件、材料、工具与空调故障不匹配的</a:t>
+                        <a:t>信息不准确，经常发生到现场后发现维修部件、材料、工具与空调故障不匹配的问题</a:t>
                       </a:r>
-                      <a:r>
-                        <a:rPr lang="zh-CN" sz="1400" kern="100" dirty="0" smtClean="0">
-                          <a:effectLst/>
-                        </a:rPr>
-                        <a:t>问题</a:t>
-                      </a:r>
-                      <a:endParaRPr lang="en-US" altLang="zh-CN" sz="1400" kern="100" dirty="0" smtClean="0">
+                      <a:endParaRPr lang="en-US" altLang="zh-CN" sz="1400" kern="100" dirty="0">
                         <a:effectLst/>
                       </a:endParaRPr>
                     </a:p>
@@ -9591,22 +9352,16 @@
                         <a:buNone/>
                       </a:pPr>
                       <a:r>
-                        <a:rPr lang="en-US" altLang="zh-CN" sz="1400" kern="100" dirty="0" smtClean="0">
+                        <a:rPr lang="en-US" altLang="zh-CN" sz="1400" kern="100" dirty="0">
                           <a:effectLst/>
                         </a:rPr>
                         <a:t>2. </a:t>
                       </a:r>
                       <a:r>
-                        <a:rPr lang="zh-CN" sz="1400" kern="100" dirty="0" smtClean="0">
-                          <a:effectLst/>
-                        </a:rPr>
-                        <a:t>客户</a:t>
-                      </a:r>
-                      <a:r>
                         <a:rPr lang="zh-CN" sz="1400" kern="100" dirty="0">
                           <a:effectLst/>
                         </a:rPr>
-                        <a:t>档案及空调维修历史信息缺失，不能迅速判定故障的原因</a:t>
+                        <a:t>客户档案及空调维修历史信息缺失，不能迅速判定故障的原因</a:t>
                       </a:r>
                       <a:endParaRPr lang="zh-CN" sz="1400" kern="100" dirty="0">
                         <a:solidFill>
@@ -10255,6 +10010,302 @@
 </p:sld>
 </file>
 
+<file path=ppt/slides/slide13.xml><?xml version="1.0" encoding="utf-8"?>
+<p:sld xmlns:a="http://schemas.openxmlformats.org/drawingml/2006/main" xmlns:r="http://schemas.openxmlformats.org/officeDocument/2006/relationships" xmlns:p="http://schemas.openxmlformats.org/presentationml/2006/main">
+  <p:cSld>
+    <p:spTree>
+      <p:nvGrpSpPr>
+        <p:cNvPr id="1" name=""/>
+        <p:cNvGrpSpPr/>
+        <p:nvPr/>
+      </p:nvGrpSpPr>
+      <p:grpSpPr>
+        <a:xfrm>
+          <a:off x="0" y="0"/>
+          <a:ext cx="0" cy="0"/>
+          <a:chOff x="0" y="0"/>
+          <a:chExt cx="0" cy="0"/>
+        </a:xfrm>
+      </p:grpSpPr>
+      <p:sp>
+        <p:nvSpPr>
+          <p:cNvPr id="4098" name="Rectangle 2">
+            <a:extLst>
+              <a:ext uri="{FF2B5EF4-FFF2-40B4-BE49-F238E27FC236}">
+                <a16:creationId xmlns:a16="http://schemas.microsoft.com/office/drawing/2014/main" id="{F11018BA-5434-4561-B412-293389E04FD0}"/>
+              </a:ext>
+            </a:extLst>
+          </p:cNvPr>
+          <p:cNvSpPr>
+            <a:spLocks noGrp="1" noChangeArrowheads="1"/>
+          </p:cNvSpPr>
+          <p:nvPr>
+            <p:ph type="title"/>
+          </p:nvPr>
+        </p:nvSpPr>
+        <p:spPr/>
+        <p:txBody>
+          <a:bodyPr/>
+          <a:lstStyle/>
+          <a:p>
+            <a:r>
+              <a:rPr lang="zh-CN" altLang="en-US" dirty="0"/>
+              <a:t>系统调查方法</a:t>
+            </a:r>
+          </a:p>
+        </p:txBody>
+      </p:sp>
+      <p:sp>
+        <p:nvSpPr>
+          <p:cNvPr id="4099" name="Rectangle 3">
+            <a:extLst>
+              <a:ext uri="{FF2B5EF4-FFF2-40B4-BE49-F238E27FC236}">
+                <a16:creationId xmlns:a16="http://schemas.microsoft.com/office/drawing/2014/main" id="{2FB248A4-1002-4AAA-9CA9-E4E3A79A9CA3}"/>
+              </a:ext>
+            </a:extLst>
+          </p:cNvPr>
+          <p:cNvSpPr>
+            <a:spLocks noGrp="1" noChangeArrowheads="1"/>
+          </p:cNvSpPr>
+          <p:nvPr>
+            <p:ph idx="1"/>
+          </p:nvPr>
+        </p:nvSpPr>
+        <p:spPr>
+          <a:xfrm>
+            <a:off x="958713" y="1628800"/>
+            <a:ext cx="7272808" cy="5040560"/>
+          </a:xfrm>
+        </p:spPr>
+        <p:txBody>
+          <a:bodyPr>
+            <a:noAutofit/>
+          </a:bodyPr>
+          <a:lstStyle/>
+          <a:p>
+            <a:pPr>
+              <a:spcBef>
+                <a:spcPts val="0"/>
+              </a:spcBef>
+            </a:pPr>
+            <a:r>
+              <a:rPr lang="zh-CN" altLang="en-US" sz="2400" dirty="0">
+                <a:solidFill>
+                  <a:schemeClr val="tx1"/>
+                </a:solidFill>
+              </a:rPr>
+              <a:t>调查是识别需求的基础，是建立系统逻辑模型的基础。调查包括：</a:t>
+            </a:r>
+          </a:p>
+          <a:p>
+            <a:pPr lvl="1">
+              <a:spcBef>
+                <a:spcPts val="0"/>
+              </a:spcBef>
+            </a:pPr>
+            <a:r>
+              <a:rPr lang="zh-CN" altLang="en-US" sz="2400" dirty="0">
+                <a:solidFill>
+                  <a:schemeClr val="tx1"/>
+                </a:solidFill>
+                <a:latin typeface="楷体" panose="02010609060101010101" pitchFamily="49" charset="-122"/>
+                <a:ea typeface="楷体" panose="02010609060101010101" pitchFamily="49" charset="-122"/>
+              </a:rPr>
+              <a:t>业务处理过程是什么样的？</a:t>
+            </a:r>
+            <a:r>
+              <a:rPr lang="en-US" altLang="zh-CN" sz="2400" dirty="0">
+                <a:solidFill>
+                  <a:schemeClr val="tx1"/>
+                </a:solidFill>
+                <a:latin typeface="楷体" panose="02010609060101010101" pitchFamily="49" charset="-122"/>
+                <a:ea typeface="楷体" panose="02010609060101010101" pitchFamily="49" charset="-122"/>
+              </a:rPr>
+              <a:t>(</a:t>
+            </a:r>
+            <a:r>
+              <a:rPr lang="zh-CN" altLang="en-US" sz="2400" dirty="0">
+                <a:solidFill>
+                  <a:schemeClr val="tx1"/>
+                </a:solidFill>
+                <a:latin typeface="楷体" panose="02010609060101010101" pitchFamily="49" charset="-122"/>
+                <a:ea typeface="楷体" panose="02010609060101010101" pitchFamily="49" charset="-122"/>
+              </a:rPr>
+              <a:t>干什么？</a:t>
+            </a:r>
+            <a:r>
+              <a:rPr lang="en-US" altLang="zh-CN" sz="2400" dirty="0">
+                <a:solidFill>
+                  <a:schemeClr val="tx1"/>
+                </a:solidFill>
+                <a:latin typeface="楷体" panose="02010609060101010101" pitchFamily="49" charset="-122"/>
+                <a:ea typeface="楷体" panose="02010609060101010101" pitchFamily="49" charset="-122"/>
+              </a:rPr>
+              <a:t>)</a:t>
+            </a:r>
+          </a:p>
+          <a:p>
+            <a:pPr lvl="1">
+              <a:spcBef>
+                <a:spcPts val="0"/>
+              </a:spcBef>
+            </a:pPr>
+            <a:r>
+              <a:rPr lang="zh-CN" altLang="en-US" sz="2400" dirty="0">
+                <a:solidFill>
+                  <a:schemeClr val="tx1"/>
+                </a:solidFill>
+                <a:latin typeface="楷体" panose="02010609060101010101" pitchFamily="49" charset="-122"/>
+                <a:ea typeface="楷体" panose="02010609060101010101" pitchFamily="49" charset="-122"/>
+              </a:rPr>
+              <a:t>业务过程应该怎样完成？</a:t>
+            </a:r>
+            <a:r>
+              <a:rPr lang="en-US" altLang="zh-CN" sz="2400" dirty="0">
+                <a:solidFill>
+                  <a:schemeClr val="tx1"/>
+                </a:solidFill>
+                <a:latin typeface="楷体" panose="02010609060101010101" pitchFamily="49" charset="-122"/>
+                <a:ea typeface="楷体" panose="02010609060101010101" pitchFamily="49" charset="-122"/>
+              </a:rPr>
+              <a:t>(</a:t>
+            </a:r>
+            <a:r>
+              <a:rPr lang="zh-CN" altLang="en-US" sz="2400" dirty="0">
+                <a:solidFill>
+                  <a:schemeClr val="tx1"/>
+                </a:solidFill>
+                <a:latin typeface="楷体" panose="02010609060101010101" pitchFamily="49" charset="-122"/>
+                <a:ea typeface="楷体" panose="02010609060101010101" pitchFamily="49" charset="-122"/>
+              </a:rPr>
+              <a:t>怎么干？</a:t>
+            </a:r>
+            <a:r>
+              <a:rPr lang="en-US" altLang="zh-CN" sz="2400" dirty="0">
+                <a:solidFill>
+                  <a:schemeClr val="tx1"/>
+                </a:solidFill>
+                <a:latin typeface="楷体" panose="02010609060101010101" pitchFamily="49" charset="-122"/>
+                <a:ea typeface="楷体" panose="02010609060101010101" pitchFamily="49" charset="-122"/>
+              </a:rPr>
+              <a:t>)</a:t>
+            </a:r>
+          </a:p>
+          <a:p>
+            <a:pPr lvl="1">
+              <a:spcBef>
+                <a:spcPts val="0"/>
+              </a:spcBef>
+            </a:pPr>
+            <a:r>
+              <a:rPr lang="zh-CN" altLang="en-US" sz="2400" dirty="0">
+                <a:solidFill>
+                  <a:schemeClr val="tx1"/>
+                </a:solidFill>
+                <a:latin typeface="楷体" panose="02010609060101010101" pitchFamily="49" charset="-122"/>
+                <a:ea typeface="楷体" panose="02010609060101010101" pitchFamily="49" charset="-122"/>
+              </a:rPr>
+              <a:t>业务谁负责，完成业务需要什么输入，能输出什么？</a:t>
+            </a:r>
+          </a:p>
+          <a:p>
+            <a:pPr>
+              <a:spcBef>
+                <a:spcPts val="0"/>
+              </a:spcBef>
+            </a:pPr>
+            <a:r>
+              <a:rPr lang="zh-CN" altLang="en-US" sz="2400" dirty="0">
+                <a:solidFill>
+                  <a:schemeClr val="tx1"/>
+                </a:solidFill>
+              </a:rPr>
+              <a:t>传统的系统调查方法有：</a:t>
+            </a:r>
+          </a:p>
+          <a:p>
+            <a:pPr lvl="1">
+              <a:spcBef>
+                <a:spcPts val="0"/>
+              </a:spcBef>
+            </a:pPr>
+            <a:r>
+              <a:rPr lang="zh-CN" altLang="en-US" sz="2400" dirty="0">
+                <a:solidFill>
+                  <a:schemeClr val="tx1"/>
+                </a:solidFill>
+                <a:latin typeface="楷体" panose="02010609060101010101" pitchFamily="49" charset="-122"/>
+                <a:ea typeface="楷体" panose="02010609060101010101" pitchFamily="49" charset="-122"/>
+              </a:rPr>
+              <a:t>资料收集</a:t>
+            </a:r>
+          </a:p>
+          <a:p>
+            <a:pPr lvl="1">
+              <a:spcBef>
+                <a:spcPts val="0"/>
+              </a:spcBef>
+            </a:pPr>
+            <a:r>
+              <a:rPr lang="zh-CN" altLang="en-US" sz="2400" dirty="0">
+                <a:solidFill>
+                  <a:schemeClr val="tx1"/>
+                </a:solidFill>
+                <a:latin typeface="楷体" panose="02010609060101010101" pitchFamily="49" charset="-122"/>
+                <a:ea typeface="楷体" panose="02010609060101010101" pitchFamily="49" charset="-122"/>
+              </a:rPr>
+              <a:t>访谈</a:t>
+            </a:r>
+          </a:p>
+          <a:p>
+            <a:pPr lvl="1">
+              <a:spcBef>
+                <a:spcPts val="0"/>
+              </a:spcBef>
+            </a:pPr>
+            <a:r>
+              <a:rPr lang="zh-CN" altLang="en-US" sz="2400" dirty="0">
+                <a:solidFill>
+                  <a:schemeClr val="tx1"/>
+                </a:solidFill>
+                <a:latin typeface="楷体" panose="02010609060101010101" pitchFamily="49" charset="-122"/>
+                <a:ea typeface="楷体" panose="02010609060101010101" pitchFamily="49" charset="-122"/>
+              </a:rPr>
+              <a:t>实地观察</a:t>
+            </a:r>
+          </a:p>
+          <a:p>
+            <a:pPr lvl="1">
+              <a:spcBef>
+                <a:spcPts val="0"/>
+              </a:spcBef>
+            </a:pPr>
+            <a:r>
+              <a:rPr lang="zh-CN" altLang="en-US" sz="2400" dirty="0">
+                <a:solidFill>
+                  <a:schemeClr val="tx1"/>
+                </a:solidFill>
+                <a:latin typeface="楷体" panose="02010609060101010101" pitchFamily="49" charset="-122"/>
+                <a:ea typeface="楷体" panose="02010609060101010101" pitchFamily="49" charset="-122"/>
+              </a:rPr>
+              <a:t>问卷调查</a:t>
+            </a:r>
+          </a:p>
+        </p:txBody>
+      </p:sp>
+    </p:spTree>
+    <p:extLst>
+      <p:ext uri="{BB962C8B-B14F-4D97-AF65-F5344CB8AC3E}">
+        <p14:creationId xmlns:p14="http://schemas.microsoft.com/office/powerpoint/2010/main" val="4244074408"/>
+      </p:ext>
+    </p:extLst>
+  </p:cSld>
+  <p:clrMapOvr>
+    <a:masterClrMapping/>
+  </p:clrMapOvr>
+</p:sld>
+</file>
+
 <file path=ppt/slides/slide14.xml><?xml version="1.0" encoding="utf-8"?>
 <p:sld xmlns:a="http://schemas.openxmlformats.org/drawingml/2006/main" xmlns:r="http://schemas.openxmlformats.org/officeDocument/2006/relationships" xmlns:p="http://schemas.openxmlformats.org/presentationml/2006/main">
   <p:cSld>
@@ -10274,13 +10325,7 @@
       </p:grpSpPr>
       <p:sp>
         <p:nvSpPr>
-          <p:cNvPr id="4098" name="Rectangle 2">
-            <a:extLst>
-              <a:ext uri="{FF2B5EF4-FFF2-40B4-BE49-F238E27FC236}">
-                <a16:creationId xmlns:a16="http://schemas.microsoft.com/office/drawing/2014/main" id="{F11018BA-5434-4561-B412-293389E04FD0}"/>
-              </a:ext>
-            </a:extLst>
-          </p:cNvPr>
+          <p:cNvPr id="17410" name="Rectangle 2"/>
           <p:cNvSpPr>
             <a:spLocks noGrp="1" noChangeArrowheads="1"/>
           </p:cNvSpPr>
@@ -10293,262 +10338,127 @@
           <a:bodyPr/>
           <a:lstStyle/>
           <a:p>
+            <a:pPr eaLnBrk="1" hangingPunct="1"/>
             <a:r>
               <a:rPr lang="zh-CN" altLang="en-US" dirty="0"/>
-              <a:t>系统调查方法</a:t>
-            </a:r>
-            <a:endParaRPr lang="zh-CN" altLang="en-US" dirty="0"/>
-          </a:p>
-        </p:txBody>
-      </p:sp>
-      <p:sp>
-        <p:nvSpPr>
-          <p:cNvPr id="4099" name="Rectangle 3">
-            <a:extLst>
-              <a:ext uri="{FF2B5EF4-FFF2-40B4-BE49-F238E27FC236}">
-                <a16:creationId xmlns:a16="http://schemas.microsoft.com/office/drawing/2014/main" id="{2FB248A4-1002-4AAA-9CA9-E4E3A79A9CA3}"/>
-              </a:ext>
-            </a:extLst>
-          </p:cNvPr>
+              <a:t>调查方法</a:t>
+            </a:r>
+            <a:r>
+              <a:rPr lang="en-US" altLang="zh-CN" dirty="0"/>
+              <a:t>1—</a:t>
+            </a:r>
+            <a:r>
+              <a:rPr lang="zh-CN" altLang="en-US" dirty="0"/>
+              <a:t>资料收集</a:t>
+            </a:r>
+          </a:p>
+        </p:txBody>
+      </p:sp>
+      <p:sp>
+        <p:nvSpPr>
+          <p:cNvPr id="17411" name="Rectangle 3"/>
           <p:cNvSpPr>
             <a:spLocks noGrp="1" noChangeArrowheads="1"/>
           </p:cNvSpPr>
           <p:nvPr>
-            <p:ph idx="1"/>
+            <p:ph type="body" idx="1"/>
           </p:nvPr>
         </p:nvSpPr>
         <p:spPr>
           <a:xfrm>
-            <a:off x="958713" y="1628800"/>
-            <a:ext cx="7272808" cy="5040560"/>
+            <a:off x="827584" y="1700808"/>
+            <a:ext cx="8132762" cy="4968875"/>
           </a:xfrm>
         </p:spPr>
         <p:txBody>
-          <a:bodyPr>
-            <a:noAutofit/>
-          </a:bodyPr>
+          <a:bodyPr/>
           <a:lstStyle/>
           <a:p>
-            <a:pPr>
-              <a:spcBef>
-                <a:spcPts val="0"/>
-              </a:spcBef>
-            </a:pPr>
-            <a:r>
-              <a:rPr lang="zh-CN" altLang="en-US" sz="2400" dirty="0">
-                <a:solidFill>
-                  <a:schemeClr val="tx1"/>
-                </a:solidFill>
-              </a:rPr>
-              <a:t>调查是识别需求的基础，是建立系统逻辑模型的基础。调查包括：</a:t>
-            </a:r>
-          </a:p>
-          <a:p>
-            <a:pPr lvl="1">
-              <a:spcBef>
-                <a:spcPts val="0"/>
-              </a:spcBef>
-            </a:pPr>
-            <a:r>
-              <a:rPr lang="zh-CN" altLang="en-US" sz="2400" dirty="0">
-                <a:solidFill>
-                  <a:schemeClr val="tx1"/>
-                </a:solidFill>
+            <a:pPr eaLnBrk="1" hangingPunct="1"/>
+            <a:r>
+              <a:rPr lang="zh-CN" altLang="en-US" dirty="0"/>
+              <a:t>可以收集以下资料：</a:t>
+            </a:r>
+          </a:p>
+          <a:p>
+            <a:pPr lvl="1" eaLnBrk="1" hangingPunct="1"/>
+            <a:r>
+              <a:rPr lang="zh-CN" altLang="en-US" dirty="0">
                 <a:latin typeface="楷体" panose="02010609060101010101" pitchFamily="49" charset="-122"/>
                 <a:ea typeface="楷体" panose="02010609060101010101" pitchFamily="49" charset="-122"/>
               </a:rPr>
-              <a:t>业务处理过程是什么样的？</a:t>
-            </a:r>
-            <a:r>
-              <a:rPr lang="en-US" altLang="zh-CN" sz="2400" dirty="0">
-                <a:solidFill>
-                  <a:schemeClr val="tx1"/>
-                </a:solidFill>
+              <a:t>组织机构、部门职能、岗位职责说明</a:t>
+            </a:r>
+          </a:p>
+          <a:p>
+            <a:pPr lvl="1" eaLnBrk="1" hangingPunct="1"/>
+            <a:r>
+              <a:rPr lang="zh-CN" altLang="en-US" dirty="0">
                 <a:latin typeface="楷体" panose="02010609060101010101" pitchFamily="49" charset="-122"/>
                 <a:ea typeface="楷体" panose="02010609060101010101" pitchFamily="49" charset="-122"/>
               </a:rPr>
-              <a:t>(</a:t>
-            </a:r>
-            <a:r>
-              <a:rPr lang="zh-CN" altLang="en-US" sz="2400" dirty="0">
-                <a:solidFill>
-                  <a:schemeClr val="tx1"/>
-                </a:solidFill>
+              <a:t>业务流程说明、操作规程</a:t>
+            </a:r>
+          </a:p>
+          <a:p>
+            <a:pPr lvl="1" eaLnBrk="1" hangingPunct="1"/>
+            <a:r>
+              <a:rPr lang="zh-CN" altLang="en-US" dirty="0">
                 <a:latin typeface="楷体" panose="02010609060101010101" pitchFamily="49" charset="-122"/>
                 <a:ea typeface="楷体" panose="02010609060101010101" pitchFamily="49" charset="-122"/>
               </a:rPr>
-              <a:t>干什么？</a:t>
-            </a:r>
-            <a:r>
-              <a:rPr lang="en-US" altLang="zh-CN" sz="2400" dirty="0">
-                <a:solidFill>
-                  <a:schemeClr val="tx1"/>
-                </a:solidFill>
+              <a:t>管理工作标准和人员配备</a:t>
+            </a:r>
+          </a:p>
+          <a:p>
+            <a:pPr lvl="1" eaLnBrk="1" hangingPunct="1"/>
+            <a:r>
+              <a:rPr lang="zh-CN" altLang="en-US" dirty="0">
                 <a:latin typeface="楷体" panose="02010609060101010101" pitchFamily="49" charset="-122"/>
                 <a:ea typeface="楷体" panose="02010609060101010101" pitchFamily="49" charset="-122"/>
               </a:rPr>
-              <a:t>)</a:t>
-            </a:r>
-          </a:p>
-          <a:p>
-            <a:pPr lvl="1">
-              <a:spcBef>
-                <a:spcPts val="0"/>
-              </a:spcBef>
-            </a:pPr>
-            <a:r>
-              <a:rPr lang="zh-CN" altLang="en-US" sz="2400" dirty="0">
-                <a:solidFill>
-                  <a:schemeClr val="tx1"/>
-                </a:solidFill>
+              <a:t>单位内部管理用的各种单据、报表、报告</a:t>
+            </a:r>
+          </a:p>
+          <a:p>
+            <a:pPr lvl="1" eaLnBrk="1" hangingPunct="1"/>
+            <a:r>
+              <a:rPr lang="zh-CN" altLang="en-US" dirty="0">
                 <a:latin typeface="楷体" panose="02010609060101010101" pitchFamily="49" charset="-122"/>
                 <a:ea typeface="楷体" panose="02010609060101010101" pitchFamily="49" charset="-122"/>
               </a:rPr>
-              <a:t>业务过程应该怎样完成？</a:t>
-            </a:r>
-            <a:r>
-              <a:rPr lang="en-US" altLang="zh-CN" sz="2400" dirty="0">
-                <a:solidFill>
-                  <a:schemeClr val="tx1"/>
-                </a:solidFill>
-                <a:latin typeface="楷体" panose="02010609060101010101" pitchFamily="49" charset="-122"/>
-                <a:ea typeface="楷体" panose="02010609060101010101" pitchFamily="49" charset="-122"/>
-              </a:rPr>
-              <a:t>(</a:t>
-            </a:r>
-            <a:r>
-              <a:rPr lang="zh-CN" altLang="en-US" sz="2400" dirty="0">
-                <a:solidFill>
-                  <a:schemeClr val="tx1"/>
-                </a:solidFill>
-                <a:latin typeface="楷体" panose="02010609060101010101" pitchFamily="49" charset="-122"/>
-                <a:ea typeface="楷体" panose="02010609060101010101" pitchFamily="49" charset="-122"/>
-              </a:rPr>
-              <a:t>怎么干？</a:t>
-            </a:r>
-            <a:r>
-              <a:rPr lang="en-US" altLang="zh-CN" sz="2400" dirty="0">
-                <a:solidFill>
-                  <a:schemeClr val="tx1"/>
-                </a:solidFill>
-                <a:latin typeface="楷体" panose="02010609060101010101" pitchFamily="49" charset="-122"/>
-                <a:ea typeface="楷体" panose="02010609060101010101" pitchFamily="49" charset="-122"/>
-              </a:rPr>
-              <a:t>)</a:t>
-            </a:r>
-          </a:p>
-          <a:p>
-            <a:pPr lvl="1">
-              <a:spcBef>
-                <a:spcPts val="0"/>
-              </a:spcBef>
-            </a:pPr>
-            <a:r>
-              <a:rPr lang="zh-CN" altLang="en-US" sz="2400" dirty="0">
-                <a:solidFill>
-                  <a:schemeClr val="tx1"/>
-                </a:solidFill>
-                <a:latin typeface="楷体" panose="02010609060101010101" pitchFamily="49" charset="-122"/>
-                <a:ea typeface="楷体" panose="02010609060101010101" pitchFamily="49" charset="-122"/>
-              </a:rPr>
-              <a:t>业务谁负责，完成业务需要什么输入，能输出什么？</a:t>
-            </a:r>
-          </a:p>
-          <a:p>
-            <a:pPr>
-              <a:spcBef>
-                <a:spcPts val="0"/>
-              </a:spcBef>
-            </a:pPr>
-            <a:r>
-              <a:rPr lang="zh-CN" altLang="en-US" sz="2400" dirty="0">
-                <a:solidFill>
-                  <a:schemeClr val="tx1"/>
-                </a:solidFill>
-              </a:rPr>
-              <a:t>传统的系统调查方法有：</a:t>
-            </a:r>
-          </a:p>
-          <a:p>
-            <a:pPr lvl="1">
-              <a:spcBef>
-                <a:spcPts val="0"/>
-              </a:spcBef>
-            </a:pPr>
-            <a:r>
-              <a:rPr lang="zh-CN" altLang="en-US" sz="2400" dirty="0">
-                <a:solidFill>
-                  <a:schemeClr val="tx1"/>
-                </a:solidFill>
-                <a:latin typeface="楷体" panose="02010609060101010101" pitchFamily="49" charset="-122"/>
-                <a:ea typeface="楷体" panose="02010609060101010101" pitchFamily="49" charset="-122"/>
-              </a:rPr>
-              <a:t>资料收集</a:t>
-            </a:r>
-          </a:p>
-          <a:p>
-            <a:pPr lvl="1">
-              <a:spcBef>
-                <a:spcPts val="0"/>
-              </a:spcBef>
-            </a:pPr>
-            <a:r>
-              <a:rPr lang="zh-CN" altLang="en-US" sz="2400" dirty="0">
-                <a:solidFill>
-                  <a:schemeClr val="tx1"/>
-                </a:solidFill>
-                <a:latin typeface="楷体" panose="02010609060101010101" pitchFamily="49" charset="-122"/>
-                <a:ea typeface="楷体" panose="02010609060101010101" pitchFamily="49" charset="-122"/>
-              </a:rPr>
-              <a:t>访谈</a:t>
-            </a:r>
-          </a:p>
-          <a:p>
-            <a:pPr lvl="1">
-              <a:spcBef>
-                <a:spcPts val="0"/>
-              </a:spcBef>
-            </a:pPr>
-            <a:r>
-              <a:rPr lang="zh-CN" altLang="en-US" sz="2400" dirty="0">
-                <a:solidFill>
-                  <a:schemeClr val="tx1"/>
-                </a:solidFill>
-                <a:latin typeface="楷体" panose="02010609060101010101" pitchFamily="49" charset="-122"/>
-                <a:ea typeface="楷体" panose="02010609060101010101" pitchFamily="49" charset="-122"/>
-              </a:rPr>
-              <a:t>实地观察</a:t>
-            </a:r>
-          </a:p>
-          <a:p>
-            <a:pPr lvl="1">
-              <a:spcBef>
-                <a:spcPts val="0"/>
-              </a:spcBef>
-            </a:pPr>
-            <a:r>
-              <a:rPr lang="zh-CN" altLang="en-US" sz="2400" dirty="0">
-                <a:solidFill>
-                  <a:schemeClr val="tx1"/>
-                </a:solidFill>
-                <a:latin typeface="楷体" panose="02010609060101010101" pitchFamily="49" charset="-122"/>
-                <a:ea typeface="楷体" panose="02010609060101010101" pitchFamily="49" charset="-122"/>
-              </a:rPr>
-              <a:t>问卷调查</a:t>
-            </a:r>
+              <a:t>历史的系统分析文档</a:t>
+            </a:r>
+          </a:p>
+          <a:p>
+            <a:pPr eaLnBrk="1" hangingPunct="1"/>
+            <a:r>
+              <a:rPr lang="zh-CN" altLang="en-US" dirty="0"/>
+              <a:t>从现有文档中获取客观事实</a:t>
+            </a:r>
+          </a:p>
+          <a:p>
+            <a:pPr eaLnBrk="1" hangingPunct="1">
+              <a:buFontTx/>
+              <a:buNone/>
+            </a:pPr>
+            <a:endParaRPr lang="en-US" altLang="zh-CN" dirty="0"/>
           </a:p>
         </p:txBody>
       </p:sp>
     </p:spTree>
     <p:extLst>
       <p:ext uri="{BB962C8B-B14F-4D97-AF65-F5344CB8AC3E}">
-        <p14:creationId xmlns:p14="http://schemas.microsoft.com/office/powerpoint/2010/main" val="4244074408"/>
+        <p14:creationId xmlns:p14="http://schemas.microsoft.com/office/powerpoint/2010/main" val="268457746"/>
       </p:ext>
     </p:extLst>
   </p:cSld>
   <p:clrMapOvr>
     <a:masterClrMapping/>
   </p:clrMapOvr>
+  <p:transition>
+    <p:blinds/>
+  </p:transition>
 </p:sld>
 </file>
 
@@ -10571,7 +10481,7 @@
       </p:grpSpPr>
       <p:sp>
         <p:nvSpPr>
-          <p:cNvPr id="17410" name="Rectangle 2"/>
+          <p:cNvPr id="18434" name="Rectangle 2"/>
           <p:cNvSpPr>
             <a:spLocks noGrp="1" noChangeArrowheads="1"/>
           </p:cNvSpPr>
@@ -10581,36 +10491,38 @@
         </p:nvSpPr>
         <p:spPr/>
         <p:txBody>
-          <a:bodyPr/>
+          <a:bodyPr>
+            <a:normAutofit/>
+          </a:bodyPr>
           <a:lstStyle/>
           <a:p>
             <a:pPr eaLnBrk="1" hangingPunct="1"/>
             <a:r>
-              <a:rPr lang="zh-CN" altLang="en-US" dirty="0" smtClean="0"/>
+              <a:rPr lang="zh-CN" altLang="en-US" sz="4000" dirty="0"/>
               <a:t>调查方法</a:t>
             </a:r>
             <a:r>
-              <a:rPr lang="en-US" altLang="zh-CN" dirty="0" smtClean="0"/>
-              <a:t>1</a:t>
-            </a:r>
-            <a:r>
-              <a:rPr lang="en-US" altLang="zh-CN" dirty="0" smtClean="0"/>
-              <a:t>—</a:t>
-            </a:r>
-            <a:r>
-              <a:rPr lang="zh-CN" altLang="en-US" dirty="0" smtClean="0"/>
-              <a:t>资料</a:t>
-            </a:r>
-            <a:r>
-              <a:rPr lang="zh-CN" altLang="en-US" dirty="0" smtClean="0"/>
-              <a:t>收集</a:t>
-            </a:r>
-          </a:p>
-        </p:txBody>
-      </p:sp>
-      <p:sp>
-        <p:nvSpPr>
-          <p:cNvPr id="17411" name="Rectangle 3"/>
+              <a:rPr lang="en-US" altLang="zh-CN" sz="4000" dirty="0"/>
+              <a:t>2—</a:t>
+            </a:r>
+            <a:r>
+              <a:rPr lang="zh-CN" altLang="en-US" sz="4000" dirty="0"/>
+              <a:t>访谈（</a:t>
+            </a:r>
+            <a:r>
+              <a:rPr lang="en-US" altLang="zh-CN" sz="4000" dirty="0"/>
+              <a:t>interview</a:t>
+            </a:r>
+            <a:r>
+              <a:rPr lang="zh-CN" altLang="en-US" sz="4000" dirty="0"/>
+              <a:t>）</a:t>
+            </a:r>
+          </a:p>
+        </p:txBody>
+      </p:sp>
+      <p:sp>
+        <p:nvSpPr>
+          <p:cNvPr id="18435" name="Rectangle 3"/>
           <p:cNvSpPr>
             <a:spLocks noGrp="1" noChangeArrowheads="1"/>
           </p:cNvSpPr>
@@ -10618,108 +10530,92 @@
             <p:ph type="body" idx="1"/>
           </p:nvPr>
         </p:nvSpPr>
-        <p:spPr>
-          <a:xfrm>
-            <a:off x="827584" y="1700808"/>
-            <a:ext cx="8132762" cy="4968875"/>
-          </a:xfrm>
-        </p:spPr>
-        <p:txBody>
-          <a:bodyPr/>
+        <p:spPr/>
+        <p:txBody>
+          <a:bodyPr>
+            <a:normAutofit fontScale="77500" lnSpcReduction="20000"/>
+          </a:bodyPr>
           <a:lstStyle/>
           <a:p>
             <a:pPr eaLnBrk="1" hangingPunct="1"/>
             <a:r>
-              <a:rPr lang="zh-CN" altLang="en-US" dirty="0" smtClean="0"/>
-              <a:t>可以收集以下资料：</a:t>
+              <a:rPr lang="zh-CN" altLang="en-US" dirty="0"/>
+              <a:t>与领域专家的面谈是获取需求的基本技术。</a:t>
+            </a:r>
+          </a:p>
+          <a:p>
+            <a:pPr eaLnBrk="1" hangingPunct="1"/>
+            <a:r>
+              <a:rPr lang="zh-CN" altLang="en-US" dirty="0"/>
+              <a:t>面谈类型：</a:t>
             </a:r>
           </a:p>
           <a:p>
             <a:pPr lvl="1" eaLnBrk="1" hangingPunct="1"/>
             <a:r>
-              <a:rPr lang="zh-CN" altLang="en-US" dirty="0" smtClean="0">
+              <a:rPr lang="zh-CN" altLang="en-US" dirty="0">
                 <a:latin typeface="楷体" panose="02010609060101010101" pitchFamily="49" charset="-122"/>
                 <a:ea typeface="楷体" panose="02010609060101010101" pitchFamily="49" charset="-122"/>
               </a:rPr>
-              <a:t>组织机构、部门职能、岗位职责说明</a:t>
+              <a:t>结构化面谈：有为面谈专门设计的问题</a:t>
             </a:r>
           </a:p>
           <a:p>
             <a:pPr lvl="1" eaLnBrk="1" hangingPunct="1"/>
             <a:r>
-              <a:rPr lang="zh-CN" altLang="en-US" dirty="0" smtClean="0">
+              <a:rPr lang="zh-CN" altLang="en-US" dirty="0">
                 <a:latin typeface="楷体" panose="02010609060101010101" pitchFamily="49" charset="-122"/>
                 <a:ea typeface="楷体" panose="02010609060101010101" pitchFamily="49" charset="-122"/>
               </a:rPr>
-              <a:t>业务流程说明、操作规程</a:t>
+              <a:t>非结构化面谈：通常为开放式问题</a:t>
+            </a:r>
+          </a:p>
+          <a:p>
+            <a:pPr eaLnBrk="1" hangingPunct="1"/>
+            <a:r>
+              <a:rPr lang="zh-CN" altLang="en-US" dirty="0"/>
+              <a:t>优点：</a:t>
             </a:r>
           </a:p>
           <a:p>
             <a:pPr lvl="1" eaLnBrk="1" hangingPunct="1"/>
             <a:r>
-              <a:rPr lang="zh-CN" altLang="en-US" dirty="0" smtClean="0">
+              <a:rPr lang="zh-CN" altLang="en-US" dirty="0">
                 <a:latin typeface="楷体" panose="02010609060101010101" pitchFamily="49" charset="-122"/>
                 <a:ea typeface="楷体" panose="02010609060101010101" pitchFamily="49" charset="-122"/>
               </a:rPr>
-              <a:t>管理工作标准和人员配备</a:t>
+              <a:t>激发面谈对象主动贡献、自由表达的机会，可以得到更多反馈，近距离接触还能获得隐性信息</a:t>
+            </a:r>
+          </a:p>
+          <a:p>
+            <a:pPr eaLnBrk="1" hangingPunct="1"/>
+            <a:r>
+              <a:rPr lang="zh-CN" altLang="en-US" dirty="0"/>
+              <a:t>缺点：</a:t>
             </a:r>
           </a:p>
           <a:p>
             <a:pPr lvl="1" eaLnBrk="1" hangingPunct="1"/>
             <a:r>
-              <a:rPr lang="zh-CN" altLang="en-US" dirty="0" smtClean="0">
+              <a:rPr lang="zh-CN" altLang="en-US" dirty="0">
                 <a:latin typeface="楷体" panose="02010609060101010101" pitchFamily="49" charset="-122"/>
                 <a:ea typeface="楷体" panose="02010609060101010101" pitchFamily="49" charset="-122"/>
               </a:rPr>
-              <a:t>单位内部管理用的各种单据、报表、报告</a:t>
-            </a:r>
-          </a:p>
-          <a:p>
-            <a:pPr lvl="1" eaLnBrk="1" hangingPunct="1"/>
-            <a:r>
-              <a:rPr lang="zh-CN" altLang="en-US" dirty="0" smtClean="0">
-                <a:latin typeface="楷体" panose="02010609060101010101" pitchFamily="49" charset="-122"/>
-                <a:ea typeface="楷体" panose="02010609060101010101" pitchFamily="49" charset="-122"/>
-              </a:rPr>
-              <a:t>历史的系统分析文档</a:t>
-            </a:r>
-          </a:p>
-          <a:p>
-            <a:pPr eaLnBrk="1" hangingPunct="1"/>
-            <a:r>
-              <a:rPr lang="zh-CN" altLang="en-US" dirty="0" smtClean="0"/>
-              <a:t>从现有文档中获取客观事实</a:t>
-            </a:r>
-          </a:p>
-          <a:p>
-            <a:pPr eaLnBrk="1" hangingPunct="1">
-              <a:buFontTx/>
-              <a:buNone/>
-            </a:pPr>
-            <a:endParaRPr lang="en-US" altLang="zh-CN" dirty="0" smtClean="0"/>
+              <a:t>耗时、成本高，取决于分析员的人际交往能力，受制于地理位置</a:t>
+            </a:r>
           </a:p>
         </p:txBody>
       </p:sp>
     </p:spTree>
     <p:extLst>
       <p:ext uri="{BB962C8B-B14F-4D97-AF65-F5344CB8AC3E}">
-        <p14:creationId xmlns:p14="http://schemas.microsoft.com/office/powerpoint/2010/main" val="268457746"/>
+        <p14:creationId xmlns:p14="http://schemas.microsoft.com/office/powerpoint/2010/main" val="2431781296"/>
       </p:ext>
     </p:extLst>
   </p:cSld>
   <p:clrMapOvr>
     <a:masterClrMapping/>
   </p:clrMapOvr>
-  <p:transition>
-    <p:blinds/>
-  </p:transition>
-  <p:timing>
-    <p:tnLst>
-      <p:par>
-        <p:cTn id="1" dur="indefinite" restart="never" nodeType="tmRoot"/>
-      </p:par>
-    </p:tnLst>
-  </p:timing>
 </p:sld>
 </file>
 
@@ -10742,7 +10638,7 @@
       </p:grpSpPr>
       <p:sp>
         <p:nvSpPr>
-          <p:cNvPr id="18434" name="Rectangle 2"/>
+          <p:cNvPr id="19458" name="Rectangle 2"/>
           <p:cNvSpPr>
             <a:spLocks noGrp="1" noChangeArrowheads="1"/>
           </p:cNvSpPr>
@@ -10753,37 +10649,29 @@
         <p:spPr/>
         <p:txBody>
           <a:bodyPr>
-            <a:normAutofit/>
+            <a:normAutofit fontScale="90000"/>
           </a:bodyPr>
           <a:lstStyle/>
           <a:p>
             <a:pPr eaLnBrk="1" hangingPunct="1"/>
             <a:r>
-              <a:rPr lang="zh-CN" altLang="en-US" sz="4000" dirty="0" smtClean="0"/>
+              <a:rPr lang="zh-CN" altLang="en-US" sz="3600" dirty="0"/>
               <a:t>调查方法</a:t>
             </a:r>
             <a:r>
-              <a:rPr lang="en-US" altLang="zh-CN" sz="4000" dirty="0" smtClean="0"/>
-              <a:t>2</a:t>
-            </a:r>
-            <a:r>
-              <a:rPr lang="en-US" altLang="zh-CN" sz="4000" dirty="0" smtClean="0"/>
-              <a:t>—</a:t>
-            </a:r>
-            <a:r>
-              <a:rPr lang="zh-CN" altLang="en-US" sz="4000" dirty="0" smtClean="0"/>
-              <a:t>访谈</a:t>
-            </a:r>
-            <a:r>
-              <a:rPr lang="zh-CN" altLang="en-US" sz="4000" dirty="0" smtClean="0"/>
-              <a:t>（</a:t>
-            </a:r>
-            <a:r>
-              <a:rPr lang="en-US" altLang="zh-CN" sz="4000" dirty="0" smtClean="0"/>
-              <a:t>interview</a:t>
-            </a:r>
-            <a:r>
-              <a:rPr lang="zh-CN" altLang="en-US" sz="4000" dirty="0" smtClean="0"/>
+              <a:rPr lang="en-US" altLang="zh-CN" sz="3600" dirty="0"/>
+              <a:t>3—</a:t>
+            </a:r>
+            <a:r>
+              <a:rPr lang="zh-CN" altLang="en-US" sz="3600" dirty="0"/>
+              <a:t>实地观察（</a:t>
+            </a:r>
+            <a:r>
+              <a:rPr lang="en-US" altLang="zh-CN" sz="3600" dirty="0"/>
+              <a:t>observation</a:t>
+            </a:r>
+            <a:r>
+              <a:rPr lang="zh-CN" altLang="en-US" sz="3600" dirty="0"/>
               <a:t>）</a:t>
             </a:r>
           </a:p>
@@ -10791,7 +10679,7 @@
       </p:sp>
       <p:sp>
         <p:nvSpPr>
-          <p:cNvPr id="18435" name="Rectangle 3"/>
+          <p:cNvPr id="19459" name="Rectangle 3"/>
           <p:cNvSpPr>
             <a:spLocks noGrp="1" noChangeArrowheads="1"/>
           </p:cNvSpPr>
@@ -10799,99 +10687,95 @@
             <p:ph type="body" idx="1"/>
           </p:nvPr>
         </p:nvSpPr>
-        <p:spPr/>
-        <p:txBody>
-          <a:bodyPr>
-            <a:normAutofit fontScale="77500" lnSpcReduction="20000"/>
-          </a:bodyPr>
+        <p:spPr>
+          <a:xfrm>
+            <a:off x="611560" y="1700808"/>
+            <a:ext cx="8353425" cy="4968875"/>
+          </a:xfrm>
+        </p:spPr>
+        <p:txBody>
+          <a:bodyPr/>
           <a:lstStyle/>
           <a:p>
             <a:pPr eaLnBrk="1" hangingPunct="1"/>
             <a:r>
-              <a:rPr lang="zh-CN" altLang="en-US" dirty="0" smtClean="0"/>
-              <a:t>与领域专家的面谈是获取需求的基本技术。</a:t>
+              <a:rPr lang="zh-CN" altLang="en-US" dirty="0"/>
+              <a:t>直接参与到企业活动中，或观察他人执行活动来了解系统，</a:t>
+            </a:r>
+            <a:r>
+              <a:rPr lang="zh-CN" altLang="en-US" dirty="0">
+                <a:latin typeface="华文中宋" panose="02010600040101010101" pitchFamily="2" charset="-122"/>
+              </a:rPr>
+              <a:t>“</a:t>
+            </a:r>
+            <a:r>
+              <a:rPr lang="zh-CN" altLang="en-US" dirty="0"/>
+              <a:t>耳听为虚，眼见为实</a:t>
+            </a:r>
+            <a:r>
+              <a:rPr lang="zh-CN" altLang="en-US" dirty="0">
+                <a:latin typeface="华文中宋" panose="02010600040101010101" pitchFamily="2" charset="-122"/>
+              </a:rPr>
+              <a:t>”</a:t>
+            </a:r>
+            <a:r>
+              <a:rPr lang="zh-CN" altLang="en-US" dirty="0"/>
+              <a:t>。</a:t>
             </a:r>
           </a:p>
           <a:p>
             <a:pPr eaLnBrk="1" hangingPunct="1"/>
             <a:r>
-              <a:rPr lang="zh-CN" altLang="en-US" dirty="0" smtClean="0"/>
-              <a:t>面谈类型：</a:t>
+              <a:rPr lang="zh-CN" altLang="en-US" dirty="0"/>
+              <a:t>优点：</a:t>
             </a:r>
           </a:p>
           <a:p>
             <a:pPr lvl="1" eaLnBrk="1" hangingPunct="1"/>
             <a:r>
-              <a:rPr lang="zh-CN" altLang="en-US" dirty="0" smtClean="0">
+              <a:rPr lang="zh-CN" altLang="en-US" dirty="0">
                 <a:latin typeface="楷体" panose="02010609060101010101" pitchFamily="49" charset="-122"/>
                 <a:ea typeface="楷体" panose="02010609060101010101" pitchFamily="49" charset="-122"/>
               </a:rPr>
-              <a:t>结构化面谈：有为面谈专门设计的问题</a:t>
+              <a:t>收集到的信息可靠，获得确切的感性认识，了解物理环境和事务背景</a:t>
+            </a:r>
+          </a:p>
+          <a:p>
+            <a:pPr eaLnBrk="1" hangingPunct="1"/>
+            <a:r>
+              <a:rPr lang="zh-CN" altLang="en-US" dirty="0"/>
+              <a:t>缺点：</a:t>
             </a:r>
           </a:p>
           <a:p>
             <a:pPr lvl="1" eaLnBrk="1" hangingPunct="1"/>
             <a:r>
-              <a:rPr lang="zh-CN" altLang="en-US" dirty="0" smtClean="0">
+              <a:rPr lang="zh-CN" altLang="en-US" dirty="0">
                 <a:latin typeface="楷体" panose="02010609060101010101" pitchFamily="49" charset="-122"/>
                 <a:ea typeface="楷体" panose="02010609060101010101" pitchFamily="49" charset="-122"/>
               </a:rPr>
-              <a:t>非结构化面谈：通常为开放式问题</a:t>
+              <a:t>被观察者因为不自然可能与常规表现有差异，可能会漏掉特殊情形下的任务，观察会被打断</a:t>
             </a:r>
           </a:p>
           <a:p>
             <a:pPr eaLnBrk="1" hangingPunct="1"/>
-            <a:r>
-              <a:rPr lang="zh-CN" altLang="en-US" dirty="0" smtClean="0"/>
-              <a:t>优点：</a:t>
-            </a:r>
-          </a:p>
-          <a:p>
-            <a:pPr lvl="1" eaLnBrk="1" hangingPunct="1"/>
-            <a:r>
-              <a:rPr lang="zh-CN" altLang="en-US" dirty="0" smtClean="0">
-                <a:latin typeface="楷体" panose="02010609060101010101" pitchFamily="49" charset="-122"/>
-                <a:ea typeface="楷体" panose="02010609060101010101" pitchFamily="49" charset="-122"/>
-              </a:rPr>
-              <a:t>激发面谈对象主动贡献、自由表达的机会，可以得到更多反馈，近距离接触还能获得隐性信息</a:t>
-            </a:r>
-          </a:p>
-          <a:p>
-            <a:pPr eaLnBrk="1" hangingPunct="1"/>
-            <a:r>
-              <a:rPr lang="zh-CN" altLang="en-US" dirty="0" smtClean="0"/>
-              <a:t>缺点：</a:t>
-            </a:r>
-          </a:p>
-          <a:p>
-            <a:pPr lvl="1" eaLnBrk="1" hangingPunct="1"/>
-            <a:r>
-              <a:rPr lang="zh-CN" altLang="en-US" dirty="0" smtClean="0">
-                <a:latin typeface="楷体" panose="02010609060101010101" pitchFamily="49" charset="-122"/>
-                <a:ea typeface="楷体" panose="02010609060101010101" pitchFamily="49" charset="-122"/>
-              </a:rPr>
-              <a:t>耗时、成本高，取决于分析员的人际交往能力，受制于地理位置</a:t>
-            </a:r>
+            <a:endParaRPr lang="en-US" altLang="zh-CN" dirty="0"/>
           </a:p>
         </p:txBody>
       </p:sp>
     </p:spTree>
     <p:extLst>
       <p:ext uri="{BB962C8B-B14F-4D97-AF65-F5344CB8AC3E}">
-        <p14:creationId xmlns:p14="http://schemas.microsoft.com/office/powerpoint/2010/main" val="2431781296"/>
+        <p14:creationId xmlns:p14="http://schemas.microsoft.com/office/powerpoint/2010/main" val="3014814855"/>
       </p:ext>
     </p:extLst>
   </p:cSld>
   <p:clrMapOvr>
     <a:masterClrMapping/>
   </p:clrMapOvr>
-  <p:timing>
-    <p:tnLst>
-      <p:par>
-        <p:cTn id="1" dur="indefinite" restart="never" nodeType="tmRoot"/>
-      </p:par>
-    </p:tnLst>
-  </p:timing>
+  <p:transition>
+    <p:blinds/>
+  </p:transition>
 </p:sld>
 </file>
 
@@ -10914,7 +10798,7 @@
       </p:grpSpPr>
       <p:sp>
         <p:nvSpPr>
-          <p:cNvPr id="19458" name="Rectangle 2"/>
+          <p:cNvPr id="20482" name="Rectangle 2"/>
           <p:cNvSpPr>
             <a:spLocks noGrp="1" noChangeArrowheads="1"/>
           </p:cNvSpPr>
@@ -10922,7 +10806,12 @@
             <p:ph type="title"/>
           </p:nvPr>
         </p:nvSpPr>
-        <p:spPr/>
+        <p:spPr>
+          <a:xfrm>
+            <a:off x="1043608" y="620688"/>
+            <a:ext cx="7166900" cy="785470"/>
+          </a:xfrm>
+        </p:spPr>
         <p:txBody>
           <a:bodyPr>
             <a:normAutofit fontScale="90000"/>
@@ -10931,31 +10820,23 @@
           <a:p>
             <a:pPr eaLnBrk="1" hangingPunct="1"/>
             <a:r>
-              <a:rPr lang="zh-CN" altLang="en-US" sz="3600" dirty="0" smtClean="0"/>
+              <a:rPr lang="zh-CN" altLang="en-US" sz="3600" dirty="0"/>
               <a:t>调查方法</a:t>
             </a:r>
             <a:r>
-              <a:rPr lang="en-US" altLang="zh-CN" sz="3600" dirty="0" smtClean="0"/>
-              <a:t>3</a:t>
-            </a:r>
-            <a:r>
-              <a:rPr lang="en-US" altLang="zh-CN" sz="3600" dirty="0" smtClean="0"/>
-              <a:t>—</a:t>
-            </a:r>
-            <a:r>
-              <a:rPr lang="zh-CN" altLang="en-US" sz="3600" dirty="0" smtClean="0"/>
-              <a:t>实地</a:t>
-            </a:r>
-            <a:r>
-              <a:rPr lang="zh-CN" altLang="en-US" sz="3600" dirty="0" smtClean="0"/>
-              <a:t>观察（</a:t>
-            </a:r>
-            <a:r>
-              <a:rPr lang="en-US" altLang="zh-CN" sz="3600" dirty="0" smtClean="0"/>
-              <a:t>observation</a:t>
-            </a:r>
-            <a:r>
-              <a:rPr lang="zh-CN" altLang="en-US" sz="3600" dirty="0" smtClean="0"/>
+              <a:rPr lang="en-US" altLang="zh-CN" sz="3600" dirty="0"/>
+              <a:t>4—</a:t>
+            </a:r>
+            <a:r>
+              <a:rPr lang="zh-CN" altLang="en-US" sz="3600" dirty="0"/>
+              <a:t>调查问卷（</a:t>
+            </a:r>
+            <a:r>
+              <a:rPr lang="en-US" altLang="zh-CN" sz="3600" dirty="0"/>
+              <a:t>questionnaire</a:t>
+            </a:r>
+            <a:r>
+              <a:rPr lang="zh-CN" altLang="en-US" sz="3600" dirty="0"/>
               <a:t>）</a:t>
             </a:r>
           </a:p>
@@ -10963,7 +10844,7 @@
       </p:sp>
       <p:sp>
         <p:nvSpPr>
-          <p:cNvPr id="19459" name="Rectangle 3"/>
+          <p:cNvPr id="20483" name="Rectangle 3"/>
           <p:cNvSpPr>
             <a:spLocks noGrp="1" noChangeArrowheads="1"/>
           </p:cNvSpPr>
@@ -10973,84 +10854,121 @@
         </p:nvSpPr>
         <p:spPr>
           <a:xfrm>
-            <a:off x="611560" y="1700808"/>
-            <a:ext cx="8353425" cy="4968875"/>
+            <a:off x="827584" y="1700808"/>
+            <a:ext cx="7700466" cy="4607917"/>
           </a:xfrm>
         </p:spPr>
         <p:txBody>
-          <a:bodyPr/>
+          <a:bodyPr>
+            <a:normAutofit fontScale="92500" lnSpcReduction="10000"/>
+          </a:bodyPr>
           <a:lstStyle/>
           <a:p>
-            <a:pPr eaLnBrk="1" hangingPunct="1"/>
-            <a:r>
-              <a:rPr lang="zh-CN" altLang="en-US" dirty="0" smtClean="0"/>
-              <a:t>直接参与到企业活动中，或观察他人执行活动来了解系统，</a:t>
-            </a:r>
-            <a:r>
-              <a:rPr lang="zh-CN" altLang="en-US" dirty="0" smtClean="0">
-                <a:latin typeface="华文中宋" panose="02010600040101010101" pitchFamily="2" charset="-122"/>
-              </a:rPr>
-              <a:t>“</a:t>
-            </a:r>
-            <a:r>
-              <a:rPr lang="zh-CN" altLang="en-US" dirty="0" smtClean="0"/>
-              <a:t>耳听为虚，眼见为实</a:t>
-            </a:r>
-            <a:r>
-              <a:rPr lang="zh-CN" altLang="en-US" dirty="0" smtClean="0">
-                <a:latin typeface="华文中宋" panose="02010600040101010101" pitchFamily="2" charset="-122"/>
-              </a:rPr>
-              <a:t>”</a:t>
-            </a:r>
-            <a:r>
-              <a:rPr lang="zh-CN" altLang="en-US" dirty="0" smtClean="0"/>
-              <a:t>。</a:t>
-            </a:r>
-          </a:p>
-          <a:p>
-            <a:pPr eaLnBrk="1" hangingPunct="1"/>
-            <a:r>
-              <a:rPr lang="zh-CN" altLang="en-US" dirty="0" smtClean="0"/>
-              <a:t>优点：</a:t>
-            </a:r>
-          </a:p>
-          <a:p>
-            <a:pPr lvl="1" eaLnBrk="1" hangingPunct="1"/>
-            <a:r>
-              <a:rPr lang="zh-CN" altLang="en-US" dirty="0" smtClean="0">
+            <a:pPr eaLnBrk="1" hangingPunct="1">
+              <a:lnSpc>
+                <a:spcPct val="90000"/>
+              </a:lnSpc>
+            </a:pPr>
+            <a:r>
+              <a:rPr lang="zh-CN" altLang="en-US" dirty="0"/>
+              <a:t>调查表可以收集大规模的事实表格。</a:t>
+            </a:r>
+          </a:p>
+          <a:p>
+            <a:pPr eaLnBrk="1" hangingPunct="1">
+              <a:lnSpc>
+                <a:spcPct val="90000"/>
+              </a:lnSpc>
+            </a:pPr>
+            <a:r>
+              <a:rPr lang="zh-CN" altLang="en-US" dirty="0"/>
+              <a:t>调查表类型：</a:t>
+            </a:r>
+          </a:p>
+          <a:p>
+            <a:pPr lvl="1" eaLnBrk="1" hangingPunct="1">
+              <a:lnSpc>
+                <a:spcPct val="90000"/>
+              </a:lnSpc>
+            </a:pPr>
+            <a:r>
+              <a:rPr lang="zh-CN" altLang="en-US" dirty="0">
                 <a:latin typeface="楷体" panose="02010609060101010101" pitchFamily="49" charset="-122"/>
                 <a:ea typeface="楷体" panose="02010609060101010101" pitchFamily="49" charset="-122"/>
               </a:rPr>
-              <a:t>收集到的信息可靠，获得确切的感性认识，了解物理环境和事务背景</a:t>
-            </a:r>
-          </a:p>
-          <a:p>
-            <a:pPr eaLnBrk="1" hangingPunct="1"/>
-            <a:r>
-              <a:rPr lang="zh-CN" altLang="en-US" dirty="0" smtClean="0"/>
-              <a:t>缺点：</a:t>
-            </a:r>
-          </a:p>
-          <a:p>
-            <a:pPr lvl="1" eaLnBrk="1" hangingPunct="1"/>
-            <a:r>
-              <a:rPr lang="zh-CN" altLang="en-US" dirty="0" smtClean="0">
+              <a:t>固定格式调查表：只能选择问题答案</a:t>
+            </a:r>
+          </a:p>
+          <a:p>
+            <a:pPr lvl="1" eaLnBrk="1" hangingPunct="1">
+              <a:lnSpc>
+                <a:spcPct val="90000"/>
+              </a:lnSpc>
+            </a:pPr>
+            <a:r>
+              <a:rPr lang="zh-CN" altLang="en-US" dirty="0">
                 <a:latin typeface="楷体" panose="02010609060101010101" pitchFamily="49" charset="-122"/>
                 <a:ea typeface="楷体" panose="02010609060101010101" pitchFamily="49" charset="-122"/>
               </a:rPr>
-              <a:t>被观察者因为不自然可能与常规表现有差异，可能会漏掉特殊情形下的任务，观察会被打断</a:t>
-            </a:r>
-          </a:p>
-          <a:p>
-            <a:pPr eaLnBrk="1" hangingPunct="1"/>
-            <a:endParaRPr lang="en-US" altLang="zh-CN" dirty="0" smtClean="0"/>
+              <a:t>自由格式调查表：允许自由填写文字</a:t>
+            </a:r>
+          </a:p>
+          <a:p>
+            <a:pPr eaLnBrk="1" hangingPunct="1">
+              <a:lnSpc>
+                <a:spcPct val="90000"/>
+              </a:lnSpc>
+            </a:pPr>
+            <a:r>
+              <a:rPr lang="zh-CN" altLang="en-US" dirty="0"/>
+              <a:t>优点：</a:t>
+            </a:r>
+          </a:p>
+          <a:p>
+            <a:pPr lvl="1" eaLnBrk="1" hangingPunct="1">
+              <a:lnSpc>
+                <a:spcPct val="90000"/>
+              </a:lnSpc>
+            </a:pPr>
+            <a:r>
+              <a:rPr lang="zh-CN" altLang="en-US" dirty="0">
+                <a:latin typeface="楷体" panose="02010609060101010101" pitchFamily="49" charset="-122"/>
+                <a:ea typeface="楷体" panose="02010609060101010101" pitchFamily="49" charset="-122"/>
+              </a:rPr>
+              <a:t>方便填写，廉价，允许匿名，可以进行快速表格分析</a:t>
+            </a:r>
+          </a:p>
+          <a:p>
+            <a:pPr eaLnBrk="1" hangingPunct="1">
+              <a:lnSpc>
+                <a:spcPct val="90000"/>
+              </a:lnSpc>
+            </a:pPr>
+            <a:r>
+              <a:rPr lang="zh-CN" altLang="en-US" dirty="0"/>
+              <a:t>缺点：</a:t>
+            </a:r>
+          </a:p>
+          <a:p>
+            <a:pPr lvl="1" eaLnBrk="1" hangingPunct="1">
+              <a:lnSpc>
+                <a:spcPct val="90000"/>
+              </a:lnSpc>
+            </a:pPr>
+            <a:r>
+              <a:rPr lang="zh-CN" altLang="en-US" dirty="0">
+                <a:latin typeface="楷体" panose="02010609060101010101" pitchFamily="49" charset="-122"/>
+                <a:ea typeface="楷体" panose="02010609060101010101" pitchFamily="49" charset="-122"/>
+              </a:rPr>
+              <a:t>不够灵活，无法保证能深入回答问题，无法保证问卷回收数量，设计好的调查表十分困难</a:t>
+            </a:r>
           </a:p>
         </p:txBody>
       </p:sp>
     </p:spTree>
     <p:extLst>
       <p:ext uri="{BB962C8B-B14F-4D97-AF65-F5344CB8AC3E}">
-        <p14:creationId xmlns:p14="http://schemas.microsoft.com/office/powerpoint/2010/main" val="3014814855"/>
+        <p14:creationId xmlns:p14="http://schemas.microsoft.com/office/powerpoint/2010/main" val="1439057000"/>
       </p:ext>
     </p:extLst>
   </p:cSld>
@@ -11060,13 +10978,6 @@
   <p:transition>
     <p:blinds/>
   </p:transition>
-  <p:timing>
-    <p:tnLst>
-      <p:par>
-        <p:cTn id="1" dur="indefinite" restart="never" nodeType="tmRoot"/>
-      </p:par>
-    </p:tnLst>
-  </p:timing>
 </p:sld>
 </file>
 
@@ -11089,7 +11000,7 @@
       </p:grpSpPr>
       <p:sp>
         <p:nvSpPr>
-          <p:cNvPr id="20482" name="Rectangle 2"/>
+          <p:cNvPr id="21506" name="Rectangle 2"/>
           <p:cNvSpPr>
             <a:spLocks noGrp="1" noChangeArrowheads="1"/>
           </p:cNvSpPr>
@@ -11097,161 +11008,122 @@
             <p:ph type="title"/>
           </p:nvPr>
         </p:nvSpPr>
-        <p:spPr>
-          <a:xfrm>
-            <a:off x="1043608" y="620688"/>
-            <a:ext cx="7166900" cy="785470"/>
-          </a:xfrm>
-        </p:spPr>
+        <p:spPr/>
+        <p:txBody>
+          <a:bodyPr/>
+          <a:lstStyle/>
+          <a:p>
+            <a:pPr eaLnBrk="1" hangingPunct="1"/>
+            <a:r>
+              <a:rPr lang="zh-CN" altLang="en-US"/>
+              <a:t>需求引导方法</a:t>
+            </a:r>
+          </a:p>
+        </p:txBody>
+      </p:sp>
+      <p:sp>
+        <p:nvSpPr>
+          <p:cNvPr id="21507" name="Rectangle 3"/>
+          <p:cNvSpPr>
+            <a:spLocks noGrp="1" noChangeArrowheads="1"/>
+          </p:cNvSpPr>
+          <p:nvPr>
+            <p:ph type="body" idx="1"/>
+          </p:nvPr>
+        </p:nvSpPr>
+        <p:spPr/>
         <p:txBody>
           <a:bodyPr>
-            <a:normAutofit fontScale="90000"/>
+            <a:normAutofit fontScale="70000" lnSpcReduction="20000"/>
           </a:bodyPr>
           <a:lstStyle/>
           <a:p>
-            <a:pPr eaLnBrk="1" hangingPunct="1"/>
-            <a:r>
-              <a:rPr lang="zh-CN" altLang="en-US" sz="3600" dirty="0" smtClean="0"/>
-              <a:t>调查方法</a:t>
-            </a:r>
-            <a:r>
-              <a:rPr lang="en-US" altLang="zh-CN" sz="3600" dirty="0" smtClean="0"/>
-              <a:t>4—</a:t>
-            </a:r>
-            <a:r>
-              <a:rPr lang="zh-CN" altLang="en-US" sz="3600" dirty="0" smtClean="0"/>
-              <a:t>调查问卷（</a:t>
-            </a:r>
-            <a:r>
-              <a:rPr lang="en-US" altLang="zh-CN" sz="3600" dirty="0" smtClean="0"/>
-              <a:t>questionnaire</a:t>
-            </a:r>
-            <a:r>
-              <a:rPr lang="zh-CN" altLang="en-US" sz="3600" dirty="0" smtClean="0"/>
-              <a:t>）</a:t>
-            </a:r>
-          </a:p>
-        </p:txBody>
-      </p:sp>
-      <p:sp>
-        <p:nvSpPr>
-          <p:cNvPr id="20483" name="Rectangle 3"/>
-          <p:cNvSpPr>
-            <a:spLocks noGrp="1" noChangeArrowheads="1"/>
-          </p:cNvSpPr>
-          <p:nvPr>
-            <p:ph type="body" idx="1"/>
-          </p:nvPr>
-        </p:nvSpPr>
-        <p:spPr>
-          <a:xfrm>
-            <a:off x="827584" y="1700808"/>
-            <a:ext cx="7700466" cy="4607917"/>
-          </a:xfrm>
-        </p:spPr>
-        <p:txBody>
-          <a:bodyPr>
-            <a:normAutofit fontScale="92500" lnSpcReduction="10000"/>
-          </a:bodyPr>
-          <a:lstStyle/>
-          <a:p>
             <a:pPr eaLnBrk="1" hangingPunct="1">
               <a:lnSpc>
-                <a:spcPct val="90000"/>
+                <a:spcPct val="120000"/>
               </a:lnSpc>
             </a:pPr>
             <a:r>
-              <a:rPr lang="zh-CN" altLang="en-US" dirty="0" smtClean="0"/>
-              <a:t>调查表可以收集大规模的事实表格。</a:t>
+              <a:rPr lang="zh-CN" altLang="en-US" dirty="0"/>
+              <a:t>一般用户在开发之初，对所要开发的信息系统应该具有的功能和所能达到的结果并没有清楚的认识，因此，需求调查比现行组织系统调查难度更大。</a:t>
             </a:r>
           </a:p>
           <a:p>
             <a:pPr eaLnBrk="1" hangingPunct="1">
               <a:lnSpc>
-                <a:spcPct val="90000"/>
+                <a:spcPct val="120000"/>
               </a:lnSpc>
             </a:pPr>
             <a:r>
-              <a:rPr lang="zh-CN" altLang="en-US" dirty="0" smtClean="0"/>
-              <a:t>调查表类型：</a:t>
+              <a:rPr lang="zh-CN" altLang="en-US" dirty="0"/>
+              <a:t>对用户进行引导和启发，让用户获得信息系统的感性认识，引导他们发现现行组织管理和业务处理中所存在的问题，从而发掘需求和找到解决方案。</a:t>
+            </a:r>
+          </a:p>
+          <a:p>
+            <a:pPr eaLnBrk="1" hangingPunct="1">
+              <a:lnSpc>
+                <a:spcPct val="120000"/>
+              </a:lnSpc>
+            </a:pPr>
+            <a:r>
+              <a:rPr lang="zh-CN" altLang="en-US" dirty="0"/>
+              <a:t>采用以下需求引导方法：</a:t>
             </a:r>
           </a:p>
           <a:p>
             <a:pPr lvl="1" eaLnBrk="1" hangingPunct="1">
               <a:lnSpc>
-                <a:spcPct val="90000"/>
+                <a:spcPct val="120000"/>
               </a:lnSpc>
             </a:pPr>
             <a:r>
-              <a:rPr lang="zh-CN" altLang="en-US" dirty="0" smtClean="0">
+              <a:rPr lang="zh-CN" altLang="en-US" dirty="0">
                 <a:latin typeface="楷体" panose="02010609060101010101" pitchFamily="49" charset="-122"/>
                 <a:ea typeface="楷体" panose="02010609060101010101" pitchFamily="49" charset="-122"/>
               </a:rPr>
-              <a:t>固定格式调查表：只能选择问题答案</a:t>
+              <a:t>原型法</a:t>
             </a:r>
           </a:p>
           <a:p>
             <a:pPr lvl="1" eaLnBrk="1" hangingPunct="1">
               <a:lnSpc>
-                <a:spcPct val="90000"/>
+                <a:spcPct val="120000"/>
               </a:lnSpc>
             </a:pPr>
             <a:r>
-              <a:rPr lang="zh-CN" altLang="en-US" dirty="0" smtClean="0">
+              <a:rPr lang="zh-CN" altLang="en-US" dirty="0">
                 <a:latin typeface="楷体" panose="02010609060101010101" pitchFamily="49" charset="-122"/>
                 <a:ea typeface="楷体" panose="02010609060101010101" pitchFamily="49" charset="-122"/>
               </a:rPr>
-              <a:t>自由格式调查表：允许自由填写文字</a:t>
-            </a:r>
-          </a:p>
-          <a:p>
-            <a:pPr eaLnBrk="1" hangingPunct="1">
-              <a:lnSpc>
-                <a:spcPct val="90000"/>
-              </a:lnSpc>
-            </a:pPr>
-            <a:r>
-              <a:rPr lang="zh-CN" altLang="en-US" dirty="0" smtClean="0"/>
-              <a:t>优点：</a:t>
+              <a:t>联合应用开发（</a:t>
+            </a:r>
+            <a:r>
+              <a:rPr lang="en-US" altLang="zh-CN" dirty="0">
+                <a:latin typeface="楷体" panose="02010609060101010101" pitchFamily="49" charset="-122"/>
+                <a:ea typeface="楷体" panose="02010609060101010101" pitchFamily="49" charset="-122"/>
+              </a:rPr>
+              <a:t>JAD</a:t>
+            </a:r>
+            <a:r>
+              <a:rPr lang="zh-CN" altLang="en-US" dirty="0">
+                <a:latin typeface="楷体" panose="02010609060101010101" pitchFamily="49" charset="-122"/>
+                <a:ea typeface="楷体" panose="02010609060101010101" pitchFamily="49" charset="-122"/>
+              </a:rPr>
+              <a:t>）会议</a:t>
             </a:r>
           </a:p>
           <a:p>
             <a:pPr lvl="1" eaLnBrk="1" hangingPunct="1">
               <a:lnSpc>
-                <a:spcPct val="90000"/>
+                <a:spcPct val="120000"/>
               </a:lnSpc>
             </a:pPr>
             <a:r>
-              <a:rPr lang="zh-CN" altLang="en-US" dirty="0" smtClean="0">
+              <a:rPr lang="zh-CN" altLang="en-US" dirty="0">
                 <a:latin typeface="楷体" panose="02010609060101010101" pitchFamily="49" charset="-122"/>
                 <a:ea typeface="楷体" panose="02010609060101010101" pitchFamily="49" charset="-122"/>
               </a:rPr>
-              <a:t>方便填写，廉价，允许匿名，可以进行快速表格分析</a:t>
-            </a:r>
-          </a:p>
-          <a:p>
-            <a:pPr eaLnBrk="1" hangingPunct="1">
-              <a:lnSpc>
-                <a:spcPct val="90000"/>
-              </a:lnSpc>
-            </a:pPr>
-            <a:r>
-              <a:rPr lang="zh-CN" altLang="en-US" dirty="0" smtClean="0"/>
-              <a:t>缺点：</a:t>
-            </a:r>
-          </a:p>
-          <a:p>
-            <a:pPr lvl="1" eaLnBrk="1" hangingPunct="1">
-              <a:lnSpc>
-                <a:spcPct val="90000"/>
-              </a:lnSpc>
-            </a:pPr>
-            <a:r>
-              <a:rPr lang="zh-CN" altLang="en-US" dirty="0" smtClean="0">
-                <a:latin typeface="楷体" panose="02010609060101010101" pitchFamily="49" charset="-122"/>
-                <a:ea typeface="楷体" panose="02010609060101010101" pitchFamily="49" charset="-122"/>
-              </a:rPr>
-              <a:t>不够灵活，无法保证能深入回答问题，无法保证问卷回收数量，设计好的调查表十分困难</a:t>
+              <a:t>观摩法</a:t>
             </a:r>
           </a:p>
         </p:txBody>
@@ -11259,23 +11131,13 @@
     </p:spTree>
     <p:extLst>
       <p:ext uri="{BB962C8B-B14F-4D97-AF65-F5344CB8AC3E}">
-        <p14:creationId xmlns:p14="http://schemas.microsoft.com/office/powerpoint/2010/main" val="1439057000"/>
+        <p14:creationId xmlns:p14="http://schemas.microsoft.com/office/powerpoint/2010/main" val="2492552905"/>
       </p:ext>
     </p:extLst>
   </p:cSld>
   <p:clrMapOvr>
     <a:masterClrMapping/>
   </p:clrMapOvr>
-  <p:transition>
-    <p:blinds/>
-  </p:transition>
-  <p:timing>
-    <p:tnLst>
-      <p:par>
-        <p:cTn id="1" dur="indefinite" restart="never" nodeType="tmRoot"/>
-      </p:par>
-    </p:tnLst>
-  </p:timing>
 </p:sld>
 </file>
 
@@ -11298,7 +11160,7 @@
       </p:grpSpPr>
       <p:sp>
         <p:nvSpPr>
-          <p:cNvPr id="21506" name="Rectangle 2"/>
+          <p:cNvPr id="22530" name="Rectangle 2"/>
           <p:cNvSpPr>
             <a:spLocks noGrp="1" noChangeArrowheads="1"/>
           </p:cNvSpPr>
@@ -11313,15 +11175,23 @@
           <a:p>
             <a:pPr eaLnBrk="1" hangingPunct="1"/>
             <a:r>
-              <a:rPr lang="zh-CN" altLang="en-US" smtClean="0"/>
+              <a:rPr lang="zh-CN" altLang="en-US" dirty="0"/>
               <a:t>需求引导方法</a:t>
             </a:r>
-          </a:p>
-        </p:txBody>
-      </p:sp>
-      <p:sp>
-        <p:nvSpPr>
-          <p:cNvPr id="21507" name="Rectangle 3"/>
+            <a:r>
+              <a:rPr lang="en-US" altLang="zh-CN" dirty="0"/>
+              <a:t>1—</a:t>
+            </a:r>
+            <a:r>
+              <a:rPr lang="zh-CN" altLang="en-US" dirty="0"/>
+              <a:t>原型法</a:t>
+            </a:r>
+          </a:p>
+        </p:txBody>
+      </p:sp>
+      <p:sp>
+        <p:nvSpPr>
+          <p:cNvPr id="22531" name="Rectangle 3"/>
           <p:cNvSpPr>
             <a:spLocks noGrp="1" noChangeArrowheads="1"/>
           </p:cNvSpPr>
@@ -11332,96 +11202,48 @@
         <p:spPr/>
         <p:txBody>
           <a:bodyPr>
-            <a:normAutofit fontScale="70000" lnSpcReduction="20000"/>
+            <a:normAutofit lnSpcReduction="10000"/>
           </a:bodyPr>
           <a:lstStyle/>
           <a:p>
-            <a:pPr eaLnBrk="1" hangingPunct="1">
-              <a:lnSpc>
-                <a:spcPct val="120000"/>
-              </a:lnSpc>
-            </a:pPr>
-            <a:r>
-              <a:rPr lang="zh-CN" altLang="en-US" dirty="0" smtClean="0"/>
-              <a:t>一般用户在开发之初，对所要开发的信息系统应该具有的功能和所能达到的结果并没有清楚的认识，因此，需求调查比现行组织系统调查难度更大。</a:t>
-            </a:r>
-          </a:p>
-          <a:p>
-            <a:pPr eaLnBrk="1" hangingPunct="1">
-              <a:lnSpc>
-                <a:spcPct val="120000"/>
-              </a:lnSpc>
-            </a:pPr>
-            <a:r>
-              <a:rPr lang="zh-CN" altLang="en-US" dirty="0" smtClean="0"/>
-              <a:t>对用户进行引导和启发，让用户获得信息系统的感性认识，引导他们发现现行组织管理和业务处理中所存在的问题，从而发掘需求和找到解决方案。</a:t>
-            </a:r>
-          </a:p>
-          <a:p>
-            <a:pPr eaLnBrk="1" hangingPunct="1">
-              <a:lnSpc>
-                <a:spcPct val="120000"/>
-              </a:lnSpc>
-            </a:pPr>
-            <a:r>
-              <a:rPr lang="zh-CN" altLang="en-US" dirty="0" smtClean="0"/>
-              <a:t>采用以下需求引导方法：</a:t>
-            </a:r>
-          </a:p>
-          <a:p>
-            <a:pPr lvl="1" eaLnBrk="1" hangingPunct="1">
-              <a:lnSpc>
-                <a:spcPct val="120000"/>
-              </a:lnSpc>
-            </a:pPr>
-            <a:r>
-              <a:rPr lang="zh-CN" altLang="en-US" dirty="0" smtClean="0">
+            <a:pPr eaLnBrk="1" hangingPunct="1"/>
+            <a:r>
+              <a:rPr lang="zh-CN" altLang="en-US" dirty="0"/>
+              <a:t>利用快速开发工具，根据用户的初步需求，构造出信息系统的初步原型。</a:t>
+            </a:r>
+          </a:p>
+          <a:p>
+            <a:pPr eaLnBrk="1" hangingPunct="1"/>
+            <a:r>
+              <a:rPr lang="zh-CN" altLang="en-US" dirty="0"/>
+              <a:t>优点：</a:t>
+            </a:r>
+          </a:p>
+          <a:p>
+            <a:pPr lvl="1" eaLnBrk="1" hangingPunct="1"/>
+            <a:r>
+              <a:rPr lang="zh-CN" altLang="en-US" dirty="0">
                 <a:latin typeface="楷体" panose="02010609060101010101" pitchFamily="49" charset="-122"/>
                 <a:ea typeface="楷体" panose="02010609060101010101" pitchFamily="49" charset="-122"/>
               </a:rPr>
-              <a:t>原型法</a:t>
-            </a:r>
-          </a:p>
-          <a:p>
-            <a:pPr lvl="1" eaLnBrk="1" hangingPunct="1">
-              <a:lnSpc>
-                <a:spcPct val="120000"/>
-              </a:lnSpc>
-            </a:pPr>
-            <a:r>
-              <a:rPr lang="zh-CN" altLang="en-US" dirty="0" smtClean="0">
+              <a:t>用户和调查人员深度沟通，能准确地反映了用户需求，澄清和纠正模糊和矛盾的问题。</a:t>
+            </a:r>
+          </a:p>
+          <a:p>
+            <a:pPr eaLnBrk="1" hangingPunct="1"/>
+            <a:r>
+              <a:rPr lang="zh-CN" altLang="en-US" dirty="0"/>
+              <a:t>缺点：</a:t>
+            </a:r>
+          </a:p>
+          <a:p>
+            <a:pPr lvl="1" eaLnBrk="1" hangingPunct="1"/>
+            <a:r>
+              <a:rPr lang="zh-CN" altLang="en-US" dirty="0">
                 <a:latin typeface="楷体" panose="02010609060101010101" pitchFamily="49" charset="-122"/>
                 <a:ea typeface="楷体" panose="02010609060101010101" pitchFamily="49" charset="-122"/>
               </a:rPr>
-              <a:t>联合应用开发（</a:t>
-            </a:r>
-            <a:r>
-              <a:rPr lang="en-US" altLang="zh-CN" dirty="0" smtClean="0">
-                <a:latin typeface="楷体" panose="02010609060101010101" pitchFamily="49" charset="-122"/>
-                <a:ea typeface="楷体" panose="02010609060101010101" pitchFamily="49" charset="-122"/>
-              </a:rPr>
-              <a:t>JAD</a:t>
-            </a:r>
-            <a:r>
-              <a:rPr lang="zh-CN" altLang="en-US" dirty="0" smtClean="0">
-                <a:latin typeface="楷体" panose="02010609060101010101" pitchFamily="49" charset="-122"/>
-                <a:ea typeface="楷体" panose="02010609060101010101" pitchFamily="49" charset="-122"/>
-              </a:rPr>
-              <a:t>）会议</a:t>
-            </a:r>
-          </a:p>
-          <a:p>
-            <a:pPr lvl="1" eaLnBrk="1" hangingPunct="1">
-              <a:lnSpc>
-                <a:spcPct val="120000"/>
-              </a:lnSpc>
-            </a:pPr>
-            <a:r>
-              <a:rPr lang="zh-CN" altLang="en-US" dirty="0" smtClean="0">
-                <a:latin typeface="楷体" panose="02010609060101010101" pitchFamily="49" charset="-122"/>
-                <a:ea typeface="楷体" panose="02010609060101010101" pitchFamily="49" charset="-122"/>
-              </a:rPr>
-              <a:t>观摩法</a:t>
+              <a:t>额外工作量，原型开发工具购买成本</a:t>
             </a:r>
           </a:p>
         </p:txBody>
@@ -11429,20 +11251,13 @@
     </p:spTree>
     <p:extLst>
       <p:ext uri="{BB962C8B-B14F-4D97-AF65-F5344CB8AC3E}">
-        <p14:creationId xmlns:p14="http://schemas.microsoft.com/office/powerpoint/2010/main" val="2492552905"/>
+        <p14:creationId xmlns:p14="http://schemas.microsoft.com/office/powerpoint/2010/main" val="839258446"/>
       </p:ext>
     </p:extLst>
   </p:cSld>
   <p:clrMapOvr>
     <a:masterClrMapping/>
   </p:clrMapOvr>
-  <p:timing>
-    <p:tnLst>
-      <p:par>
-        <p:cTn id="1" dur="indefinite" restart="never" nodeType="tmRoot"/>
-      </p:par>
-    </p:tnLst>
-  </p:timing>
 </p:sld>
 </file>
 
@@ -11590,11 +11405,6 @@
               </a:rPr>
               <a:t>系统说明书</a:t>
             </a:r>
-            <a:endParaRPr lang="zh-CN" altLang="en-US" sz="2000" b="1" dirty="0">
-              <a:solidFill>
-                <a:schemeClr val="tx1"/>
-              </a:solidFill>
-            </a:endParaRPr>
           </a:p>
         </p:txBody>
       </p:sp>
@@ -11625,7 +11435,7 @@
       </p:grpSpPr>
       <p:sp>
         <p:nvSpPr>
-          <p:cNvPr id="22530" name="Rectangle 2"/>
+          <p:cNvPr id="23554" name="Rectangle 2"/>
           <p:cNvSpPr>
             <a:spLocks noGrp="1" noChangeArrowheads="1"/>
           </p:cNvSpPr>
@@ -11640,28 +11450,23 @@
           <a:p>
             <a:pPr eaLnBrk="1" hangingPunct="1"/>
             <a:r>
-              <a:rPr lang="zh-CN" altLang="en-US" dirty="0" smtClean="0"/>
+              <a:rPr lang="zh-CN" altLang="en-US" dirty="0"/>
               <a:t>需求引导方法</a:t>
             </a:r>
             <a:r>
-              <a:rPr lang="en-US" altLang="zh-CN" dirty="0" smtClean="0"/>
-              <a:t>1</a:t>
-            </a:r>
-            <a:r>
-              <a:rPr lang="en-US" altLang="zh-CN" dirty="0" smtClean="0"/>
-              <a:t>—</a:t>
-            </a:r>
-            <a:r>
-              <a:rPr lang="zh-CN" altLang="en-US" dirty="0" smtClean="0"/>
-              <a:t>原型法</a:t>
-            </a:r>
-            <a:endParaRPr lang="zh-CN" altLang="en-US" dirty="0" smtClean="0"/>
-          </a:p>
-        </p:txBody>
-      </p:sp>
-      <p:sp>
-        <p:nvSpPr>
-          <p:cNvPr id="22531" name="Rectangle 3"/>
+              <a:rPr lang="en-US" altLang="zh-CN" dirty="0"/>
+              <a:t>2— JAD</a:t>
+            </a:r>
+            <a:r>
+              <a:rPr lang="zh-CN" altLang="en-US" dirty="0"/>
+              <a:t>会议</a:t>
+            </a:r>
+          </a:p>
+        </p:txBody>
+      </p:sp>
+      <p:sp>
+        <p:nvSpPr>
+          <p:cNvPr id="23555" name="Rectangle 3"/>
           <p:cNvSpPr>
             <a:spLocks noGrp="1" noChangeArrowheads="1"/>
           </p:cNvSpPr>
@@ -11672,48 +11477,147 @@
         <p:spPr/>
         <p:txBody>
           <a:bodyPr>
-            <a:normAutofit lnSpcReduction="10000"/>
+            <a:normAutofit fontScale="70000" lnSpcReduction="20000"/>
           </a:bodyPr>
           <a:lstStyle/>
           <a:p>
-            <a:pPr eaLnBrk="1" hangingPunct="1"/>
-            <a:r>
-              <a:rPr lang="zh-CN" altLang="en-US" dirty="0" smtClean="0"/>
-              <a:t>利用快速开发工具，根据用户的初步需求，构造出信息系统的初步原型。</a:t>
-            </a:r>
-          </a:p>
-          <a:p>
-            <a:pPr eaLnBrk="1" hangingPunct="1"/>
-            <a:r>
-              <a:rPr lang="zh-CN" altLang="en-US" dirty="0" smtClean="0"/>
-              <a:t>优点：</a:t>
-            </a:r>
-          </a:p>
-          <a:p>
-            <a:pPr lvl="1" eaLnBrk="1" hangingPunct="1"/>
-            <a:r>
-              <a:rPr lang="zh-CN" altLang="en-US" dirty="0" smtClean="0">
+            <a:pPr eaLnBrk="1" hangingPunct="1">
+              <a:lnSpc>
+                <a:spcPct val="120000"/>
+              </a:lnSpc>
+              <a:spcBef>
+                <a:spcPts val="0"/>
+              </a:spcBef>
+            </a:pPr>
+            <a:r>
+              <a:rPr lang="en-US" altLang="zh-CN" dirty="0"/>
+              <a:t>JAD</a:t>
+            </a:r>
+            <a:r>
+              <a:rPr lang="zh-CN" altLang="en-US" dirty="0"/>
+              <a:t>，</a:t>
+            </a:r>
+            <a:r>
+              <a:rPr lang="en-US" altLang="zh-CN" dirty="0"/>
+              <a:t>joint application development(</a:t>
+            </a:r>
+            <a:r>
+              <a:rPr lang="zh-CN" altLang="en-US" dirty="0"/>
+              <a:t>联合会议</a:t>
+            </a:r>
+            <a:r>
+              <a:rPr lang="en-US" altLang="zh-CN" dirty="0"/>
+              <a:t>)</a:t>
+            </a:r>
+          </a:p>
+          <a:p>
+            <a:pPr lvl="1" eaLnBrk="1" hangingPunct="1">
+              <a:lnSpc>
+                <a:spcPct val="120000"/>
+              </a:lnSpc>
+              <a:spcBef>
+                <a:spcPts val="0"/>
+              </a:spcBef>
+            </a:pPr>
+            <a:r>
+              <a:rPr lang="zh-CN" altLang="en-US" dirty="0">
                 <a:latin typeface="楷体" panose="02010609060101010101" pitchFamily="49" charset="-122"/>
                 <a:ea typeface="楷体" panose="02010609060101010101" pitchFamily="49" charset="-122"/>
               </a:rPr>
-              <a:t>用户和调查人员深度沟通，能准确地反映了用户需求，澄清和纠正模糊和矛盾的问题。</a:t>
-            </a:r>
-          </a:p>
-          <a:p>
-            <a:pPr eaLnBrk="1" hangingPunct="1"/>
-            <a:r>
-              <a:rPr lang="zh-CN" altLang="en-US" dirty="0" smtClean="0"/>
-              <a:t>缺点：</a:t>
-            </a:r>
-          </a:p>
-          <a:p>
-            <a:pPr lvl="1" eaLnBrk="1" hangingPunct="1"/>
-            <a:r>
-              <a:rPr lang="zh-CN" altLang="en-US" dirty="0" smtClean="0">
+              <a:t>是一种类似于头脑风暴的技术，在一个或多个工作会议中将所有利益相关者带到一起，集中讨论和解决最重要的问题。</a:t>
+            </a:r>
+          </a:p>
+          <a:p>
+            <a:pPr eaLnBrk="1" hangingPunct="1">
+              <a:lnSpc>
+                <a:spcPct val="120000"/>
+              </a:lnSpc>
+              <a:spcBef>
+                <a:spcPts val="0"/>
+              </a:spcBef>
+            </a:pPr>
+            <a:r>
+              <a:rPr lang="zh-CN" altLang="en-US" dirty="0"/>
+              <a:t>参加人员：</a:t>
+            </a:r>
+          </a:p>
+          <a:p>
+            <a:pPr lvl="1">
+              <a:lnSpc>
+                <a:spcPct val="120000"/>
+              </a:lnSpc>
+              <a:spcBef>
+                <a:spcPts val="0"/>
+              </a:spcBef>
+            </a:pPr>
+            <a:r>
+              <a:rPr lang="zh-CN" altLang="en-US" dirty="0">
                 <a:latin typeface="楷体" panose="02010609060101010101" pitchFamily="49" charset="-122"/>
                 <a:ea typeface="楷体" panose="02010609060101010101" pitchFamily="49" charset="-122"/>
               </a:rPr>
-              <a:t>额外工作量，原型开发工具购买成本</a:t>
+              <a:t>领导（主持人）、记录员、客户、开发人员</a:t>
+            </a:r>
+          </a:p>
+          <a:p>
+            <a:pPr eaLnBrk="1" hangingPunct="1">
+              <a:lnSpc>
+                <a:spcPct val="120000"/>
+              </a:lnSpc>
+              <a:spcBef>
+                <a:spcPts val="0"/>
+              </a:spcBef>
+            </a:pPr>
+            <a:r>
+              <a:rPr lang="zh-CN" altLang="en-US" dirty="0"/>
+              <a:t>优点：</a:t>
+            </a:r>
+          </a:p>
+          <a:p>
+            <a:pPr lvl="1">
+              <a:lnSpc>
+                <a:spcPct val="120000"/>
+              </a:lnSpc>
+              <a:spcBef>
+                <a:spcPts val="0"/>
+              </a:spcBef>
+            </a:pPr>
+            <a:r>
+              <a:rPr lang="zh-CN" altLang="en-US" dirty="0">
+                <a:latin typeface="楷体" panose="02010609060101010101" pitchFamily="49" charset="-122"/>
+                <a:ea typeface="楷体" panose="02010609060101010101" pitchFamily="49" charset="-122"/>
+              </a:rPr>
+              <a:t>群体智慧，提高生产力，更理智的判断，降低犯错</a:t>
+            </a:r>
+          </a:p>
+          <a:p>
+            <a:pPr eaLnBrk="1" hangingPunct="1">
+              <a:lnSpc>
+                <a:spcPct val="120000"/>
+              </a:lnSpc>
+              <a:spcBef>
+                <a:spcPts val="0"/>
+              </a:spcBef>
+            </a:pPr>
+            <a:r>
+              <a:rPr lang="zh-CN" altLang="en-US" dirty="0"/>
+              <a:t>缺点：</a:t>
+            </a:r>
+          </a:p>
+          <a:p>
+            <a:pPr lvl="1">
+              <a:lnSpc>
+                <a:spcPct val="120000"/>
+              </a:lnSpc>
+              <a:spcBef>
+                <a:spcPts val="0"/>
+              </a:spcBef>
+            </a:pPr>
+            <a:r>
+              <a:rPr lang="zh-CN" altLang="en-US" dirty="0">
+                <a:latin typeface="楷体" panose="02010609060101010101" pitchFamily="49" charset="-122"/>
+                <a:ea typeface="楷体" panose="02010609060101010101" pitchFamily="49" charset="-122"/>
+              </a:rPr>
+              <a:t>会议长度难以控制，人员之间容易受干扰和影响</a:t>
             </a:r>
           </a:p>
         </p:txBody>
@@ -11721,20 +11625,13 @@
     </p:spTree>
     <p:extLst>
       <p:ext uri="{BB962C8B-B14F-4D97-AF65-F5344CB8AC3E}">
-        <p14:creationId xmlns:p14="http://schemas.microsoft.com/office/powerpoint/2010/main" val="839258446"/>
+        <p14:creationId xmlns:p14="http://schemas.microsoft.com/office/powerpoint/2010/main" val="602321575"/>
       </p:ext>
     </p:extLst>
   </p:cSld>
   <p:clrMapOvr>
     <a:masterClrMapping/>
   </p:clrMapOvr>
-  <p:timing>
-    <p:tnLst>
-      <p:par>
-        <p:cTn id="1" dur="indefinite" restart="never" nodeType="tmRoot"/>
-      </p:par>
-    </p:tnLst>
-  </p:timing>
 </p:sld>
 </file>
 
@@ -11757,7 +11654,7 @@
       </p:grpSpPr>
       <p:sp>
         <p:nvSpPr>
-          <p:cNvPr id="23554" name="Rectangle 2"/>
+          <p:cNvPr id="24578" name="Rectangle 2"/>
           <p:cNvSpPr>
             <a:spLocks noGrp="1" noChangeArrowheads="1"/>
           </p:cNvSpPr>
@@ -11772,31 +11669,23 @@
           <a:p>
             <a:pPr eaLnBrk="1" hangingPunct="1"/>
             <a:r>
-              <a:rPr lang="zh-CN" altLang="en-US" dirty="0" smtClean="0"/>
-              <a:t>需求引导</a:t>
-            </a:r>
-            <a:r>
-              <a:rPr lang="zh-CN" altLang="en-US" dirty="0" smtClean="0"/>
-              <a:t>方法</a:t>
-            </a:r>
-            <a:r>
-              <a:rPr lang="en-US" altLang="zh-CN" dirty="0" smtClean="0"/>
-              <a:t>2— </a:t>
-            </a:r>
-            <a:r>
-              <a:rPr lang="en-US" altLang="zh-CN" dirty="0" smtClean="0"/>
-              <a:t>JAD</a:t>
-            </a:r>
-            <a:r>
-              <a:rPr lang="zh-CN" altLang="en-US" dirty="0" smtClean="0"/>
-              <a:t>会议</a:t>
-            </a:r>
-          </a:p>
-        </p:txBody>
-      </p:sp>
-      <p:sp>
-        <p:nvSpPr>
-          <p:cNvPr id="23555" name="Rectangle 3"/>
+              <a:rPr lang="zh-CN" altLang="en-US" dirty="0"/>
+              <a:t>需求引导方法</a:t>
+            </a:r>
+            <a:r>
+              <a:rPr lang="en-US" altLang="zh-CN" dirty="0"/>
+              <a:t>3—</a:t>
+            </a:r>
+            <a:r>
+              <a:rPr lang="zh-CN" altLang="en-US" dirty="0"/>
+              <a:t>观摩法</a:t>
+            </a:r>
+          </a:p>
+        </p:txBody>
+      </p:sp>
+      <p:sp>
+        <p:nvSpPr>
+          <p:cNvPr id="24579" name="Rectangle 3"/>
           <p:cNvSpPr>
             <a:spLocks noGrp="1" noChangeArrowheads="1"/>
           </p:cNvSpPr>
@@ -11807,152 +11696,28 @@
         <p:spPr/>
         <p:txBody>
           <a:bodyPr>
-            <a:normAutofit fontScale="70000" lnSpcReduction="20000"/>
+            <a:normAutofit lnSpcReduction="10000"/>
           </a:bodyPr>
           <a:lstStyle/>
           <a:p>
-            <a:pPr eaLnBrk="1" hangingPunct="1">
-              <a:lnSpc>
-                <a:spcPct val="120000"/>
-              </a:lnSpc>
-              <a:spcBef>
-                <a:spcPts val="0"/>
-              </a:spcBef>
-            </a:pPr>
-            <a:r>
-              <a:rPr lang="en-US" altLang="zh-CN" dirty="0" smtClean="0"/>
-              <a:t>JAD</a:t>
-            </a:r>
-            <a:r>
-              <a:rPr lang="zh-CN" altLang="en-US" dirty="0" smtClean="0"/>
-              <a:t>，</a:t>
-            </a:r>
-            <a:r>
-              <a:rPr lang="en-US" altLang="zh-CN" dirty="0" smtClean="0"/>
-              <a:t>joint application </a:t>
-            </a:r>
-            <a:r>
-              <a:rPr lang="en-US" altLang="zh-CN" dirty="0" smtClean="0"/>
-              <a:t>development(</a:t>
-            </a:r>
-            <a:r>
-              <a:rPr lang="zh-CN" altLang="en-US" dirty="0" smtClean="0"/>
-              <a:t>联合会议</a:t>
-            </a:r>
-            <a:r>
-              <a:rPr lang="en-US" altLang="zh-CN" dirty="0" smtClean="0"/>
-              <a:t>)</a:t>
-            </a:r>
-            <a:endParaRPr lang="en-US" altLang="zh-CN" dirty="0" smtClean="0"/>
-          </a:p>
-          <a:p>
-            <a:pPr lvl="1" eaLnBrk="1" hangingPunct="1">
-              <a:lnSpc>
-                <a:spcPct val="120000"/>
-              </a:lnSpc>
-              <a:spcBef>
-                <a:spcPts val="0"/>
-              </a:spcBef>
-            </a:pPr>
-            <a:r>
-              <a:rPr lang="zh-CN" altLang="en-US" dirty="0" smtClean="0">
-                <a:latin typeface="楷体" panose="02010609060101010101" pitchFamily="49" charset="-122"/>
-                <a:ea typeface="楷体" panose="02010609060101010101" pitchFamily="49" charset="-122"/>
-              </a:rPr>
-              <a:t>是一种类似于头脑风暴的技术，在一个或多个工作会议中将所有利益相关者带到一起，集中讨论和解决最重要的问题。</a:t>
-            </a:r>
-          </a:p>
-          <a:p>
-            <a:pPr eaLnBrk="1" hangingPunct="1">
-              <a:lnSpc>
-                <a:spcPct val="120000"/>
-              </a:lnSpc>
-              <a:spcBef>
-                <a:spcPts val="0"/>
-              </a:spcBef>
-            </a:pPr>
-            <a:r>
-              <a:rPr lang="zh-CN" altLang="en-US" dirty="0" smtClean="0"/>
-              <a:t>参加人员：</a:t>
-            </a:r>
-          </a:p>
-          <a:p>
-            <a:pPr lvl="1">
-              <a:lnSpc>
-                <a:spcPct val="120000"/>
-              </a:lnSpc>
-              <a:spcBef>
-                <a:spcPts val="0"/>
-              </a:spcBef>
-            </a:pPr>
-            <a:r>
-              <a:rPr lang="zh-CN" altLang="en-US" dirty="0">
-                <a:latin typeface="楷体" panose="02010609060101010101" pitchFamily="49" charset="-122"/>
-                <a:ea typeface="楷体" panose="02010609060101010101" pitchFamily="49" charset="-122"/>
-              </a:rPr>
-              <a:t>领导（主持人）、记录员、客户、开发人员</a:t>
-            </a:r>
-          </a:p>
-          <a:p>
-            <a:pPr eaLnBrk="1" hangingPunct="1">
-              <a:lnSpc>
-                <a:spcPct val="120000"/>
-              </a:lnSpc>
-              <a:spcBef>
-                <a:spcPts val="0"/>
-              </a:spcBef>
-            </a:pPr>
-            <a:r>
-              <a:rPr lang="zh-CN" altLang="en-US" dirty="0" smtClean="0"/>
-              <a:t>优点：</a:t>
-            </a:r>
-          </a:p>
-          <a:p>
-            <a:pPr lvl="1">
-              <a:lnSpc>
-                <a:spcPct val="120000"/>
-              </a:lnSpc>
-              <a:spcBef>
-                <a:spcPts val="0"/>
-              </a:spcBef>
-            </a:pPr>
-            <a:r>
-              <a:rPr lang="zh-CN" altLang="en-US" dirty="0">
-                <a:latin typeface="楷体" panose="02010609060101010101" pitchFamily="49" charset="-122"/>
-                <a:ea typeface="楷体" panose="02010609060101010101" pitchFamily="49" charset="-122"/>
-              </a:rPr>
-              <a:t>群体智慧，提高生产力，更理智的判断，降低犯错</a:t>
-            </a:r>
-          </a:p>
-          <a:p>
-            <a:pPr eaLnBrk="1" hangingPunct="1">
-              <a:lnSpc>
-                <a:spcPct val="120000"/>
-              </a:lnSpc>
-              <a:spcBef>
-                <a:spcPts val="0"/>
-              </a:spcBef>
-            </a:pPr>
-            <a:r>
-              <a:rPr lang="zh-CN" altLang="en-US" dirty="0" smtClean="0"/>
-              <a:t>缺点：</a:t>
-            </a:r>
-          </a:p>
-          <a:p>
-            <a:pPr lvl="1">
-              <a:lnSpc>
-                <a:spcPct val="120000"/>
-              </a:lnSpc>
-              <a:spcBef>
-                <a:spcPts val="0"/>
-              </a:spcBef>
-            </a:pPr>
-            <a:r>
-              <a:rPr lang="zh-CN" altLang="en-US" dirty="0">
-                <a:latin typeface="楷体" panose="02010609060101010101" pitchFamily="49" charset="-122"/>
-                <a:ea typeface="楷体" panose="02010609060101010101" pitchFamily="49" charset="-122"/>
-              </a:rPr>
-              <a:t>会议长度难以控制，人员之间容易受干扰和影响</a:t>
+            <a:pPr eaLnBrk="1" hangingPunct="1"/>
+            <a:r>
+              <a:rPr lang="zh-CN" altLang="en-US" dirty="0"/>
+              <a:t>在系统开发之初，可以让用户参观同行业或同类型成功的信息系统。</a:t>
+            </a:r>
+          </a:p>
+          <a:p>
+            <a:pPr eaLnBrk="1" hangingPunct="1"/>
+            <a:r>
+              <a:rPr lang="zh-CN" altLang="en-US" dirty="0"/>
+              <a:t>用户看到这些具体系统，将会对信息系统的功能、作用、外在效果、人机交互方式等产生直观印象，这样就会引导和启发用户，通过类比思维，提出自己信息系统的需求。</a:t>
+            </a:r>
+          </a:p>
+          <a:p>
+            <a:pPr eaLnBrk="1" hangingPunct="1"/>
+            <a:r>
+              <a:rPr lang="zh-CN" altLang="en-US" dirty="0"/>
+              <a:t>可采用研究类似产品或解决方案来替代观摩。</a:t>
             </a:r>
           </a:p>
         </p:txBody>
@@ -11960,20 +11725,13 @@
     </p:spTree>
     <p:extLst>
       <p:ext uri="{BB962C8B-B14F-4D97-AF65-F5344CB8AC3E}">
-        <p14:creationId xmlns:p14="http://schemas.microsoft.com/office/powerpoint/2010/main" val="602321575"/>
+        <p14:creationId xmlns:p14="http://schemas.microsoft.com/office/powerpoint/2010/main" val="1490351569"/>
       </p:ext>
     </p:extLst>
   </p:cSld>
   <p:clrMapOvr>
     <a:masterClrMapping/>
   </p:clrMapOvr>
-  <p:timing>
-    <p:tnLst>
-      <p:par>
-        <p:cTn id="1" dur="indefinite" restart="never" nodeType="tmRoot"/>
-      </p:par>
-    </p:tnLst>
-  </p:timing>
 </p:sld>
 </file>
 
@@ -11996,7 +11754,7 @@
       </p:grpSpPr>
       <p:sp>
         <p:nvSpPr>
-          <p:cNvPr id="24578" name="Rectangle 2"/>
+          <p:cNvPr id="25602" name="Rectangle 2"/>
           <p:cNvSpPr>
             <a:spLocks noGrp="1" noChangeArrowheads="1"/>
           </p:cNvSpPr>
@@ -12011,28 +11769,19 @@
           <a:p>
             <a:pPr eaLnBrk="1" hangingPunct="1"/>
             <a:r>
-              <a:rPr lang="zh-CN" altLang="en-US" dirty="0" smtClean="0"/>
-              <a:t>需求引导</a:t>
-            </a:r>
-            <a:r>
-              <a:rPr lang="zh-CN" altLang="en-US" dirty="0" smtClean="0"/>
-              <a:t>方法</a:t>
-            </a:r>
-            <a:r>
-              <a:rPr lang="en-US" altLang="zh-CN" dirty="0" smtClean="0"/>
-              <a:t>3—</a:t>
-            </a:r>
-            <a:r>
-              <a:rPr lang="zh-CN" altLang="en-US" dirty="0" smtClean="0"/>
-              <a:t>观摩法</a:t>
-            </a:r>
-            <a:endParaRPr lang="zh-CN" altLang="en-US" dirty="0" smtClean="0"/>
-          </a:p>
-        </p:txBody>
-      </p:sp>
-      <p:sp>
-        <p:nvSpPr>
-          <p:cNvPr id="24579" name="Rectangle 3"/>
+              <a:rPr lang="en-US" altLang="zh-CN"/>
+              <a:t>5.2.2 </a:t>
+            </a:r>
+            <a:r>
+              <a:rPr lang="zh-CN" altLang="en-US"/>
+              <a:t>需求分析</a:t>
+            </a:r>
+          </a:p>
+        </p:txBody>
+      </p:sp>
+      <p:sp>
+        <p:nvSpPr>
+          <p:cNvPr id="25603" name="Rectangle 3"/>
           <p:cNvSpPr>
             <a:spLocks noGrp="1" noChangeArrowheads="1"/>
           </p:cNvSpPr>
@@ -12042,50 +11791,56 @@
         </p:nvSpPr>
         <p:spPr/>
         <p:txBody>
-          <a:bodyPr>
-            <a:normAutofit lnSpcReduction="10000"/>
-          </a:bodyPr>
+          <a:bodyPr/>
           <a:lstStyle/>
           <a:p>
+            <a:pPr eaLnBrk="1" hangingPunct="1">
+              <a:lnSpc>
+                <a:spcPct val="130000"/>
+              </a:lnSpc>
+            </a:pPr>
+            <a:r>
+              <a:rPr lang="zh-CN" altLang="en-US">
+                <a:latin typeface="宋体" panose="02010600030101010101" pitchFamily="2" charset="-122"/>
+              </a:rPr>
+              <a:t>系统需求是新系统必须完成的功能或其局限性。</a:t>
+            </a:r>
+          </a:p>
+          <a:p>
+            <a:pPr eaLnBrk="1" hangingPunct="1">
+              <a:lnSpc>
+                <a:spcPct val="130000"/>
+              </a:lnSpc>
+            </a:pPr>
+            <a:r>
+              <a:rPr lang="zh-CN" altLang="en-US"/>
+              <a:t>需求分析就是识别需求的过程。</a:t>
+            </a:r>
+          </a:p>
+          <a:p>
+            <a:pPr eaLnBrk="1" hangingPunct="1">
+              <a:lnSpc>
+                <a:spcPct val="130000"/>
+              </a:lnSpc>
+            </a:pPr>
+            <a:endParaRPr lang="zh-CN" altLang="en-US"/>
+          </a:p>
+          <a:p>
             <a:pPr eaLnBrk="1" hangingPunct="1"/>
-            <a:r>
-              <a:rPr lang="zh-CN" altLang="en-US" dirty="0" smtClean="0"/>
-              <a:t>在系统开发之初，可以让用户参观同行业或同类型成功的信息系统。</a:t>
-            </a:r>
-          </a:p>
-          <a:p>
-            <a:pPr eaLnBrk="1" hangingPunct="1"/>
-            <a:r>
-              <a:rPr lang="zh-CN" altLang="en-US" dirty="0" smtClean="0"/>
-              <a:t>用户看到这些具体系统，将会对信息系统的功能、作用、外在效果、人机交互方式等产生直观印象，这样就会引导和启发用户，通过类比思维，提出自己信息系统的需求。</a:t>
-            </a:r>
-          </a:p>
-          <a:p>
-            <a:pPr eaLnBrk="1" hangingPunct="1"/>
-            <a:r>
-              <a:rPr lang="zh-CN" altLang="en-US" dirty="0" smtClean="0"/>
-              <a:t>可采用研究类似产品或解决方案来替代观摩。</a:t>
-            </a:r>
+            <a:endParaRPr lang="en-US" altLang="zh-CN"/>
           </a:p>
         </p:txBody>
       </p:sp>
     </p:spTree>
     <p:extLst>
       <p:ext uri="{BB962C8B-B14F-4D97-AF65-F5344CB8AC3E}">
-        <p14:creationId xmlns:p14="http://schemas.microsoft.com/office/powerpoint/2010/main" val="1490351569"/>
+        <p14:creationId xmlns:p14="http://schemas.microsoft.com/office/powerpoint/2010/main" val="1986022522"/>
       </p:ext>
     </p:extLst>
   </p:cSld>
   <p:clrMapOvr>
     <a:masterClrMapping/>
   </p:clrMapOvr>
-  <p:timing>
-    <p:tnLst>
-      <p:par>
-        <p:cTn id="1" dur="indefinite" restart="never" nodeType="tmRoot"/>
-      </p:par>
-    </p:tnLst>
-  </p:timing>
 </p:sld>
 </file>
 
@@ -12108,7 +11863,7 @@
       </p:grpSpPr>
       <p:sp>
         <p:nvSpPr>
-          <p:cNvPr id="25602" name="Rectangle 2"/>
+          <p:cNvPr id="26626" name="Rectangle 2"/>
           <p:cNvSpPr>
             <a:spLocks noGrp="1" noChangeArrowheads="1"/>
           </p:cNvSpPr>
@@ -12123,19 +11878,15 @@
           <a:p>
             <a:pPr eaLnBrk="1" hangingPunct="1"/>
             <a:r>
-              <a:rPr lang="en-US" altLang="zh-CN" smtClean="0"/>
-              <a:t>5.2.2 </a:t>
-            </a:r>
-            <a:r>
-              <a:rPr lang="zh-CN" altLang="en-US" smtClean="0"/>
-              <a:t>需求分析</a:t>
-            </a:r>
-          </a:p>
-        </p:txBody>
-      </p:sp>
-      <p:sp>
-        <p:nvSpPr>
-          <p:cNvPr id="25603" name="Rectangle 3"/>
+              <a:rPr lang="zh-CN" altLang="en-US"/>
+              <a:t>系统需求</a:t>
+            </a:r>
+          </a:p>
+        </p:txBody>
+      </p:sp>
+      <p:sp>
+        <p:nvSpPr>
+          <p:cNvPr id="26627" name="Rectangle 3"/>
           <p:cNvSpPr>
             <a:spLocks noGrp="1" noChangeArrowheads="1"/>
           </p:cNvSpPr>
@@ -12143,65 +11894,160 @@
             <p:ph type="body" idx="1"/>
           </p:nvPr>
         </p:nvSpPr>
-        <p:spPr/>
-        <p:txBody>
-          <a:bodyPr/>
+        <p:spPr>
+          <a:xfrm>
+            <a:off x="1115616" y="1628800"/>
+            <a:ext cx="7056784" cy="4680520"/>
+          </a:xfrm>
+        </p:spPr>
+        <p:txBody>
+          <a:bodyPr>
+            <a:noAutofit/>
+          </a:bodyPr>
           <a:lstStyle/>
           <a:p>
             <a:pPr eaLnBrk="1" hangingPunct="1">
-              <a:lnSpc>
-                <a:spcPct val="130000"/>
-              </a:lnSpc>
-            </a:pPr>
-            <a:r>
-              <a:rPr lang="zh-CN" altLang="en-US" smtClean="0">
-                <a:latin typeface="宋体" panose="02010600030101010101" pitchFamily="2" charset="-122"/>
-              </a:rPr>
-              <a:t>系统需求是新系统必须完成的功能或其局限性。</a:t>
+              <a:spcBef>
+                <a:spcPts val="0"/>
+              </a:spcBef>
+            </a:pPr>
+            <a:r>
+              <a:rPr lang="zh-CN" altLang="en-US" sz="2000" dirty="0"/>
+              <a:t>需求有两种类型：业务性需求和技术性需求</a:t>
             </a:r>
           </a:p>
           <a:p>
             <a:pPr eaLnBrk="1" hangingPunct="1">
-              <a:lnSpc>
-                <a:spcPct val="130000"/>
-              </a:lnSpc>
-            </a:pPr>
-            <a:r>
-              <a:rPr lang="zh-CN" altLang="en-US" smtClean="0"/>
-              <a:t>需求分析就是识别需求的过程。</a:t>
+              <a:spcBef>
+                <a:spcPts val="0"/>
+              </a:spcBef>
+            </a:pPr>
+            <a:r>
+              <a:rPr lang="zh-CN" altLang="en-US" sz="2000" dirty="0"/>
+              <a:t>功能性需求：</a:t>
+            </a:r>
+          </a:p>
+          <a:p>
+            <a:pPr lvl="1" eaLnBrk="1" hangingPunct="1">
+              <a:spcBef>
+                <a:spcPts val="0"/>
+              </a:spcBef>
+            </a:pPr>
+            <a:r>
+              <a:rPr lang="zh-CN" altLang="en-US" sz="2000" dirty="0">
+                <a:latin typeface="楷体" panose="02010609060101010101" pitchFamily="49" charset="-122"/>
+                <a:ea typeface="楷体" panose="02010609060101010101" pitchFamily="49" charset="-122"/>
+              </a:rPr>
+              <a:t>涉及商业应用，是系统必须完成的活动或过程，即系统功能以及相关数据。</a:t>
+            </a:r>
+          </a:p>
+          <a:p>
+            <a:pPr lvl="1" eaLnBrk="1" hangingPunct="1">
+              <a:spcBef>
+                <a:spcPts val="0"/>
+              </a:spcBef>
+            </a:pPr>
+            <a:r>
+              <a:rPr lang="zh-CN" altLang="en-US" sz="2000" dirty="0">
+                <a:latin typeface="楷体" panose="02010609060101010101" pitchFamily="49" charset="-122"/>
+                <a:ea typeface="楷体" panose="02010609060101010101" pitchFamily="49" charset="-122"/>
+              </a:rPr>
+              <a:t>功能性需求是根据业务过程和业务规则确定的，有些容易获取，有些则是隐含的，需要去发现。</a:t>
             </a:r>
           </a:p>
           <a:p>
             <a:pPr eaLnBrk="1" hangingPunct="1">
-              <a:lnSpc>
-                <a:spcPct val="130000"/>
-              </a:lnSpc>
-            </a:pPr>
-            <a:endParaRPr lang="zh-CN" altLang="en-US" smtClean="0"/>
-          </a:p>
-          <a:p>
-            <a:pPr eaLnBrk="1" hangingPunct="1"/>
-            <a:endParaRPr lang="en-US" altLang="zh-CN" smtClean="0"/>
+              <a:spcBef>
+                <a:spcPts val="0"/>
+              </a:spcBef>
+            </a:pPr>
+            <a:r>
+              <a:rPr lang="zh-CN" altLang="en-US" sz="2000" dirty="0"/>
+              <a:t>技术性需求：</a:t>
+            </a:r>
+          </a:p>
+          <a:p>
+            <a:pPr lvl="1" eaLnBrk="1" hangingPunct="1">
+              <a:spcBef>
+                <a:spcPts val="0"/>
+              </a:spcBef>
+            </a:pPr>
+            <a:r>
+              <a:rPr lang="zh-CN" altLang="en-US" sz="2000" dirty="0">
+                <a:latin typeface="楷体" panose="02010609060101010101" pitchFamily="49" charset="-122"/>
+                <a:ea typeface="楷体" panose="02010609060101010101" pitchFamily="49" charset="-122"/>
+              </a:rPr>
+              <a:t>技术性需求也称非功能性需求，是和公司的环境、硬件和软件有关的所有质量目标。</a:t>
+            </a:r>
+          </a:p>
+          <a:p>
+            <a:pPr lvl="1" eaLnBrk="1" hangingPunct="1">
+              <a:spcBef>
+                <a:spcPts val="0"/>
+              </a:spcBef>
+            </a:pPr>
+            <a:r>
+              <a:rPr lang="zh-CN" altLang="en-US" sz="2000" dirty="0">
+                <a:latin typeface="楷体" panose="02010609060101010101" pitchFamily="49" charset="-122"/>
+                <a:ea typeface="楷体" panose="02010609060101010101" pitchFamily="49" charset="-122"/>
+              </a:rPr>
+              <a:t>例如：系统必须能支持</a:t>
+            </a:r>
+            <a:r>
+              <a:rPr lang="en-US" altLang="zh-CN" sz="2000" dirty="0">
+                <a:latin typeface="楷体" panose="02010609060101010101" pitchFamily="49" charset="-122"/>
+                <a:ea typeface="楷体" panose="02010609060101010101" pitchFamily="49" charset="-122"/>
+              </a:rPr>
+              <a:t>100</a:t>
+            </a:r>
+            <a:r>
+              <a:rPr lang="zh-CN" altLang="en-US" sz="2000" dirty="0">
+                <a:latin typeface="楷体" panose="02010609060101010101" pitchFamily="49" charset="-122"/>
+                <a:ea typeface="楷体" panose="02010609060101010101" pitchFamily="49" charset="-122"/>
+              </a:rPr>
+              <a:t>个并发用户；保存订单的时间不能超过</a:t>
+            </a:r>
+            <a:r>
+              <a:rPr lang="en-US" altLang="zh-CN" sz="2000" dirty="0">
+                <a:latin typeface="楷体" panose="02010609060101010101" pitchFamily="49" charset="-122"/>
+                <a:ea typeface="楷体" panose="02010609060101010101" pitchFamily="49" charset="-122"/>
+              </a:rPr>
+              <a:t>0.5</a:t>
+            </a:r>
+            <a:r>
+              <a:rPr lang="zh-CN" altLang="en-US" sz="2000" dirty="0">
+                <a:latin typeface="楷体" panose="02010609060101010101" pitchFamily="49" charset="-122"/>
+                <a:ea typeface="楷体" panose="02010609060101010101" pitchFamily="49" charset="-122"/>
+              </a:rPr>
+              <a:t>秒等等，涉及系统性能、可靠性、安全性等质量特性。</a:t>
+            </a:r>
+          </a:p>
+          <a:p>
+            <a:pPr lvl="1" eaLnBrk="1" hangingPunct="1">
+              <a:spcBef>
+                <a:spcPts val="0"/>
+              </a:spcBef>
+            </a:pPr>
+            <a:r>
+              <a:rPr lang="zh-CN" altLang="en-US" sz="2000" dirty="0">
+                <a:latin typeface="楷体" panose="02010609060101010101" pitchFamily="49" charset="-122"/>
+                <a:ea typeface="楷体" panose="02010609060101010101" pitchFamily="49" charset="-122"/>
+              </a:rPr>
+              <a:t>通常是一些技术目标。</a:t>
+            </a:r>
           </a:p>
         </p:txBody>
       </p:sp>
     </p:spTree>
     <p:extLst>
       <p:ext uri="{BB962C8B-B14F-4D97-AF65-F5344CB8AC3E}">
-        <p14:creationId xmlns:p14="http://schemas.microsoft.com/office/powerpoint/2010/main" val="1986022522"/>
+        <p14:creationId xmlns:p14="http://schemas.microsoft.com/office/powerpoint/2010/main" val="3174474205"/>
       </p:ext>
     </p:extLst>
   </p:cSld>
   <p:clrMapOvr>
     <a:masterClrMapping/>
   </p:clrMapOvr>
-  <p:timing>
-    <p:tnLst>
-      <p:par>
-        <p:cTn id="1" dur="indefinite" restart="never" nodeType="tmRoot"/>
-      </p:par>
-    </p:tnLst>
-  </p:timing>
 </p:sld>
 </file>
 
@@ -12224,7 +12070,7 @@
       </p:grpSpPr>
       <p:sp>
         <p:nvSpPr>
-          <p:cNvPr id="26626" name="Rectangle 2"/>
+          <p:cNvPr id="27650" name="Rectangle 2"/>
           <p:cNvSpPr>
             <a:spLocks noGrp="1" noChangeArrowheads="1"/>
           </p:cNvSpPr>
@@ -12239,15 +12085,15 @@
           <a:p>
             <a:pPr eaLnBrk="1" hangingPunct="1"/>
             <a:r>
-              <a:rPr lang="zh-CN" altLang="en-US" smtClean="0"/>
-              <a:t>系统需求</a:t>
-            </a:r>
-          </a:p>
-        </p:txBody>
-      </p:sp>
-      <p:sp>
-        <p:nvSpPr>
-          <p:cNvPr id="26627" name="Rectangle 3"/>
+              <a:rPr lang="zh-CN" altLang="en-US"/>
+              <a:t>技术性需求</a:t>
+            </a:r>
+          </a:p>
+        </p:txBody>
+      </p:sp>
+      <p:sp>
+        <p:nvSpPr>
+          <p:cNvPr id="27651" name="Rectangle 3"/>
           <p:cNvSpPr>
             <a:spLocks noGrp="1" noChangeArrowheads="1"/>
           </p:cNvSpPr>
@@ -12255,146 +12101,59 @@
             <p:ph type="body" idx="1"/>
           </p:nvPr>
         </p:nvSpPr>
-        <p:spPr>
-          <a:xfrm>
-            <a:off x="1115616" y="1628800"/>
-            <a:ext cx="7056784" cy="4680520"/>
-          </a:xfrm>
-        </p:spPr>
-        <p:txBody>
-          <a:bodyPr>
-            <a:noAutofit/>
-          </a:bodyPr>
+        <p:spPr/>
+        <p:txBody>
+          <a:bodyPr/>
           <a:lstStyle/>
           <a:p>
-            <a:pPr eaLnBrk="1" hangingPunct="1">
-              <a:spcBef>
-                <a:spcPts val="0"/>
-              </a:spcBef>
-            </a:pPr>
-            <a:r>
-              <a:rPr lang="zh-CN" altLang="en-US" sz="2000" dirty="0" smtClean="0"/>
-              <a:t>需求有两种类型：业务性需求和技术性需求</a:t>
-            </a:r>
-          </a:p>
-          <a:p>
-            <a:pPr eaLnBrk="1" hangingPunct="1">
-              <a:spcBef>
-                <a:spcPts val="0"/>
-              </a:spcBef>
-            </a:pPr>
-            <a:r>
-              <a:rPr lang="zh-CN" altLang="en-US" sz="2000" dirty="0" smtClean="0"/>
-              <a:t>功能性需求：</a:t>
-            </a:r>
-          </a:p>
-          <a:p>
-            <a:pPr lvl="1" eaLnBrk="1" hangingPunct="1">
-              <a:spcBef>
-                <a:spcPts val="0"/>
-              </a:spcBef>
-            </a:pPr>
-            <a:r>
-              <a:rPr lang="zh-CN" altLang="en-US" sz="2000" dirty="0" smtClean="0">
-                <a:latin typeface="楷体" panose="02010609060101010101" pitchFamily="49" charset="-122"/>
-                <a:ea typeface="楷体" panose="02010609060101010101" pitchFamily="49" charset="-122"/>
-              </a:rPr>
-              <a:t>涉及商业应用，是系统必须完成的活动或过程，即系统功能以及相关数据。</a:t>
-            </a:r>
-          </a:p>
-          <a:p>
-            <a:pPr lvl="1" eaLnBrk="1" hangingPunct="1">
-              <a:spcBef>
-                <a:spcPts val="0"/>
-              </a:spcBef>
-            </a:pPr>
-            <a:r>
-              <a:rPr lang="zh-CN" altLang="en-US" sz="2000" dirty="0" smtClean="0">
-                <a:latin typeface="楷体" panose="02010609060101010101" pitchFamily="49" charset="-122"/>
-                <a:ea typeface="楷体" panose="02010609060101010101" pitchFamily="49" charset="-122"/>
-              </a:rPr>
-              <a:t>功能性需求是根据业务过程和业务规则确定的，有些容易获取，有些则是隐含的，需要去发现。</a:t>
-            </a:r>
-          </a:p>
-          <a:p>
-            <a:pPr eaLnBrk="1" hangingPunct="1">
-              <a:spcBef>
-                <a:spcPts val="0"/>
-              </a:spcBef>
-            </a:pPr>
-            <a:r>
-              <a:rPr lang="zh-CN" altLang="en-US" sz="2000" dirty="0" smtClean="0"/>
-              <a:t>技术性需求：</a:t>
-            </a:r>
-          </a:p>
-          <a:p>
-            <a:pPr lvl="1" eaLnBrk="1" hangingPunct="1">
-              <a:spcBef>
-                <a:spcPts val="0"/>
-              </a:spcBef>
-            </a:pPr>
-            <a:r>
-              <a:rPr lang="zh-CN" altLang="en-US" sz="2000" dirty="0" smtClean="0">
-                <a:latin typeface="楷体" panose="02010609060101010101" pitchFamily="49" charset="-122"/>
-                <a:ea typeface="楷体" panose="02010609060101010101" pitchFamily="49" charset="-122"/>
+            <a:pPr eaLnBrk="1" hangingPunct="1"/>
+            <a:r>
+              <a:rPr lang="zh-CN" altLang="en-US">
+                <a:latin typeface="宋体" panose="02010600030101010101" pitchFamily="2" charset="-122"/>
               </a:rPr>
               <a:t>技术性需求也称非功能性需求，是和公司的环境、硬件和软件有关的所有质量目标。</a:t>
             </a:r>
           </a:p>
           <a:p>
-            <a:pPr lvl="1" eaLnBrk="1" hangingPunct="1">
-              <a:spcBef>
-                <a:spcPts val="0"/>
-              </a:spcBef>
-            </a:pPr>
-            <a:r>
-              <a:rPr lang="zh-CN" altLang="en-US" sz="2000" dirty="0" smtClean="0">
-                <a:latin typeface="楷体" panose="02010609060101010101" pitchFamily="49" charset="-122"/>
-                <a:ea typeface="楷体" panose="02010609060101010101" pitchFamily="49" charset="-122"/>
+            <a:pPr eaLnBrk="1" hangingPunct="1"/>
+            <a:r>
+              <a:rPr lang="zh-CN" altLang="en-US">
+                <a:latin typeface="宋体" panose="02010600030101010101" pitchFamily="2" charset="-122"/>
               </a:rPr>
               <a:t>例如：系统必须能支持</a:t>
             </a:r>
             <a:r>
-              <a:rPr lang="en-US" altLang="zh-CN" sz="2000" dirty="0" smtClean="0">
-                <a:latin typeface="楷体" panose="02010609060101010101" pitchFamily="49" charset="-122"/>
-                <a:ea typeface="楷体" panose="02010609060101010101" pitchFamily="49" charset="-122"/>
+              <a:rPr lang="en-US" altLang="zh-CN">
+                <a:latin typeface="宋体" panose="02010600030101010101" pitchFamily="2" charset="-122"/>
               </a:rPr>
               <a:t>100</a:t>
             </a:r>
             <a:r>
-              <a:rPr lang="zh-CN" altLang="en-US" sz="2000" dirty="0" smtClean="0">
-                <a:latin typeface="楷体" panose="02010609060101010101" pitchFamily="49" charset="-122"/>
-                <a:ea typeface="楷体" panose="02010609060101010101" pitchFamily="49" charset="-122"/>
+              <a:rPr lang="zh-CN" altLang="en-US">
+                <a:latin typeface="宋体" panose="02010600030101010101" pitchFamily="2" charset="-122"/>
               </a:rPr>
               <a:t>个并发用户；保存订单的时间不能超过</a:t>
             </a:r>
             <a:r>
-              <a:rPr lang="en-US" altLang="zh-CN" sz="2000" dirty="0" smtClean="0">
-                <a:latin typeface="楷体" panose="02010609060101010101" pitchFamily="49" charset="-122"/>
-                <a:ea typeface="楷体" panose="02010609060101010101" pitchFamily="49" charset="-122"/>
+              <a:rPr lang="en-US" altLang="zh-CN">
+                <a:latin typeface="宋体" panose="02010600030101010101" pitchFamily="2" charset="-122"/>
               </a:rPr>
               <a:t>0.5</a:t>
             </a:r>
             <a:r>
-              <a:rPr lang="zh-CN" altLang="en-US" sz="2000" dirty="0" smtClean="0">
-                <a:latin typeface="楷体" panose="02010609060101010101" pitchFamily="49" charset="-122"/>
-                <a:ea typeface="楷体" panose="02010609060101010101" pitchFamily="49" charset="-122"/>
+              <a:rPr lang="zh-CN" altLang="en-US">
+                <a:latin typeface="宋体" panose="02010600030101010101" pitchFamily="2" charset="-122"/>
               </a:rPr>
               <a:t>秒等等，涉及系统性能、可靠性、安全性等质量特性。</a:t>
             </a:r>
           </a:p>
           <a:p>
-            <a:pPr lvl="1" eaLnBrk="1" hangingPunct="1">
-              <a:spcBef>
-                <a:spcPts val="0"/>
-              </a:spcBef>
-            </a:pPr>
-            <a:r>
-              <a:rPr lang="zh-CN" altLang="en-US" sz="2000" dirty="0" smtClean="0">
-                <a:latin typeface="楷体" panose="02010609060101010101" pitchFamily="49" charset="-122"/>
-                <a:ea typeface="楷体" panose="02010609060101010101" pitchFamily="49" charset="-122"/>
-              </a:rPr>
-              <a:t>通常是一些技术目标。</a:t>
+            <a:pPr eaLnBrk="1" hangingPunct="1"/>
+            <a:r>
+              <a:rPr lang="zh-CN" altLang="en-US">
+                <a:latin typeface="宋体" panose="02010600030101010101" pitchFamily="2" charset="-122"/>
+              </a:rPr>
+              <a:t>通常是一些技术目标</a:t>
             </a:r>
           </a:p>
         </p:txBody>
@@ -12402,20 +12161,16 @@
     </p:spTree>
     <p:extLst>
       <p:ext uri="{BB962C8B-B14F-4D97-AF65-F5344CB8AC3E}">
-        <p14:creationId xmlns:p14="http://schemas.microsoft.com/office/powerpoint/2010/main" val="3174474205"/>
+        <p14:creationId xmlns:p14="http://schemas.microsoft.com/office/powerpoint/2010/main" val="1305482618"/>
       </p:ext>
     </p:extLst>
   </p:cSld>
   <p:clrMapOvr>
     <a:masterClrMapping/>
   </p:clrMapOvr>
-  <p:timing>
-    <p:tnLst>
-      <p:par>
-        <p:cTn id="1" dur="indefinite" restart="never" nodeType="tmRoot"/>
-      </p:par>
-    </p:tnLst>
-  </p:timing>
+  <p:transition>
+    <p:blinds/>
+  </p:transition>
 </p:sld>
 </file>
 
@@ -12438,9 +12193,9 @@
       </p:grpSpPr>
       <p:sp>
         <p:nvSpPr>
-          <p:cNvPr id="27650" name="Rectangle 2"/>
-          <p:cNvSpPr>
-            <a:spLocks noGrp="1" noChangeArrowheads="1"/>
+          <p:cNvPr id="28674" name="标题 1"/>
+          <p:cNvSpPr>
+            <a:spLocks noGrp="1"/>
           </p:cNvSpPr>
           <p:nvPr>
             <p:ph type="title"/>
@@ -12451,138 +12206,8 @@
           <a:bodyPr/>
           <a:lstStyle/>
           <a:p>
-            <a:pPr eaLnBrk="1" hangingPunct="1"/>
-            <a:r>
-              <a:rPr lang="zh-CN" altLang="en-US" smtClean="0"/>
-              <a:t>技术性需求</a:t>
-            </a:r>
-          </a:p>
-        </p:txBody>
-      </p:sp>
-      <p:sp>
-        <p:nvSpPr>
-          <p:cNvPr id="27651" name="Rectangle 3"/>
-          <p:cNvSpPr>
-            <a:spLocks noGrp="1" noChangeArrowheads="1"/>
-          </p:cNvSpPr>
-          <p:nvPr>
-            <p:ph type="body" idx="1"/>
-          </p:nvPr>
-        </p:nvSpPr>
-        <p:spPr/>
-        <p:txBody>
-          <a:bodyPr/>
-          <a:lstStyle/>
-          <a:p>
-            <a:pPr eaLnBrk="1" hangingPunct="1"/>
-            <a:r>
-              <a:rPr lang="zh-CN" altLang="en-US" smtClean="0">
-                <a:latin typeface="宋体" panose="02010600030101010101" pitchFamily="2" charset="-122"/>
-              </a:rPr>
-              <a:t>技术性需求也称非功能性需求，是和公司的环境、硬件和软件有关的所有质量目标。</a:t>
-            </a:r>
-          </a:p>
-          <a:p>
-            <a:pPr eaLnBrk="1" hangingPunct="1"/>
-            <a:r>
-              <a:rPr lang="zh-CN" altLang="en-US" smtClean="0">
-                <a:latin typeface="宋体" panose="02010600030101010101" pitchFamily="2" charset="-122"/>
-              </a:rPr>
-              <a:t>例如：系统必须能支持</a:t>
-            </a:r>
-            <a:r>
-              <a:rPr lang="en-US" altLang="zh-CN" smtClean="0">
-                <a:latin typeface="宋体" panose="02010600030101010101" pitchFamily="2" charset="-122"/>
-              </a:rPr>
-              <a:t>100</a:t>
-            </a:r>
-            <a:r>
-              <a:rPr lang="zh-CN" altLang="en-US" smtClean="0">
-                <a:latin typeface="宋体" panose="02010600030101010101" pitchFamily="2" charset="-122"/>
-              </a:rPr>
-              <a:t>个并发用户；保存订单的时间不能超过</a:t>
-            </a:r>
-            <a:r>
-              <a:rPr lang="en-US" altLang="zh-CN" smtClean="0">
-                <a:latin typeface="宋体" panose="02010600030101010101" pitchFamily="2" charset="-122"/>
-              </a:rPr>
-              <a:t>0.5</a:t>
-            </a:r>
-            <a:r>
-              <a:rPr lang="zh-CN" altLang="en-US" smtClean="0">
-                <a:latin typeface="宋体" panose="02010600030101010101" pitchFamily="2" charset="-122"/>
-              </a:rPr>
-              <a:t>秒等等，涉及系统性能、可靠性、安全性等质量特性。</a:t>
-            </a:r>
-          </a:p>
-          <a:p>
-            <a:pPr eaLnBrk="1" hangingPunct="1"/>
-            <a:r>
-              <a:rPr lang="zh-CN" altLang="en-US" smtClean="0">
-                <a:latin typeface="宋体" panose="02010600030101010101" pitchFamily="2" charset="-122"/>
-              </a:rPr>
-              <a:t>通常是一些技术目标</a:t>
-            </a:r>
-          </a:p>
-        </p:txBody>
-      </p:sp>
-    </p:spTree>
-    <p:extLst>
-      <p:ext uri="{BB962C8B-B14F-4D97-AF65-F5344CB8AC3E}">
-        <p14:creationId xmlns:p14="http://schemas.microsoft.com/office/powerpoint/2010/main" val="1305482618"/>
-      </p:ext>
-    </p:extLst>
-  </p:cSld>
-  <p:clrMapOvr>
-    <a:masterClrMapping/>
-  </p:clrMapOvr>
-  <p:transition>
-    <p:blinds/>
-  </p:transition>
-  <p:timing>
-    <p:tnLst>
-      <p:par>
-        <p:cTn id="1" dur="indefinite" restart="never" nodeType="tmRoot"/>
-      </p:par>
-    </p:tnLst>
-  </p:timing>
-</p:sld>
-</file>
-
-<file path=ppt/slides/slide26.xml><?xml version="1.0" encoding="utf-8"?>
-<p:sld xmlns:a="http://schemas.openxmlformats.org/drawingml/2006/main" xmlns:r="http://schemas.openxmlformats.org/officeDocument/2006/relationships" xmlns:p="http://schemas.openxmlformats.org/presentationml/2006/main">
-  <p:cSld>
-    <p:spTree>
-      <p:nvGrpSpPr>
-        <p:cNvPr id="1" name=""/>
-        <p:cNvGrpSpPr/>
-        <p:nvPr/>
-      </p:nvGrpSpPr>
-      <p:grpSpPr>
-        <a:xfrm>
-          <a:off x="0" y="0"/>
-          <a:ext cx="0" cy="0"/>
-          <a:chOff x="0" y="0"/>
-          <a:chExt cx="0" cy="0"/>
-        </a:xfrm>
-      </p:grpSpPr>
-      <p:sp>
-        <p:nvSpPr>
-          <p:cNvPr id="28674" name="标题 1"/>
-          <p:cNvSpPr>
-            <a:spLocks noGrp="1"/>
-          </p:cNvSpPr>
-          <p:nvPr>
-            <p:ph type="title"/>
-          </p:nvPr>
-        </p:nvSpPr>
-        <p:spPr/>
-        <p:txBody>
-          <a:bodyPr/>
-          <a:lstStyle/>
-          <a:p>
-            <a:r>
-              <a:rPr lang="zh-CN" altLang="en-US" smtClean="0"/>
+            <a:r>
+              <a:rPr lang="zh-CN" altLang="en-US"/>
               <a:t>需要和需求</a:t>
             </a:r>
           </a:p>
@@ -12616,10 +12241,10 @@
               </a:spcBef>
             </a:pPr>
             <a:r>
-              <a:rPr lang="zh-CN" altLang="en-US" dirty="0" smtClean="0"/>
+              <a:rPr lang="zh-CN" altLang="en-US" dirty="0"/>
               <a:t>问题分析获得业务和用户的“需要”，可以采用自然语言表达，提出的是比较模糊和高层次的目标。</a:t>
             </a:r>
-            <a:endParaRPr lang="en-US" altLang="zh-CN" dirty="0" smtClean="0"/>
+            <a:endParaRPr lang="en-US" altLang="zh-CN" dirty="0"/>
           </a:p>
           <a:p>
             <a:pPr>
@@ -12628,7 +12253,7 @@
               </a:spcBef>
             </a:pPr>
             <a:r>
-              <a:rPr lang="zh-CN" altLang="en-US" dirty="0" smtClean="0"/>
+              <a:rPr lang="zh-CN" altLang="en-US" dirty="0"/>
               <a:t>需求分析则是对原业务进行抽象和升华，根据业务和用户需要确定计算机信息系统的“需求”。系统需求是精确和具体的。</a:t>
             </a:r>
           </a:p>
@@ -12943,6 +12568,149 @@
 </p:sld>
 </file>
 
+<file path=ppt/slides/slide26.xml><?xml version="1.0" encoding="utf-8"?>
+<p:sld xmlns:a="http://schemas.openxmlformats.org/drawingml/2006/main" xmlns:r="http://schemas.openxmlformats.org/officeDocument/2006/relationships" xmlns:p="http://schemas.openxmlformats.org/presentationml/2006/main">
+  <p:cSld>
+    <p:spTree>
+      <p:nvGrpSpPr>
+        <p:cNvPr id="1" name=""/>
+        <p:cNvGrpSpPr/>
+        <p:nvPr/>
+      </p:nvGrpSpPr>
+      <p:grpSpPr>
+        <a:xfrm>
+          <a:off x="0" y="0"/>
+          <a:ext cx="0" cy="0"/>
+          <a:chOff x="0" y="0"/>
+          <a:chExt cx="0" cy="0"/>
+        </a:xfrm>
+      </p:grpSpPr>
+      <p:sp>
+        <p:nvSpPr>
+          <p:cNvPr id="29698" name="Rectangle 2"/>
+          <p:cNvSpPr>
+            <a:spLocks noGrp="1" noChangeArrowheads="1"/>
+          </p:cNvSpPr>
+          <p:nvPr>
+            <p:ph type="title"/>
+          </p:nvPr>
+        </p:nvSpPr>
+        <p:spPr/>
+        <p:txBody>
+          <a:bodyPr/>
+          <a:lstStyle/>
+          <a:p>
+            <a:pPr eaLnBrk="1" hangingPunct="1"/>
+            <a:r>
+              <a:rPr lang="zh-CN" altLang="en-US"/>
+              <a:t>需求分析方法</a:t>
+            </a:r>
+          </a:p>
+        </p:txBody>
+      </p:sp>
+      <p:sp>
+        <p:nvSpPr>
+          <p:cNvPr id="29699" name="Rectangle 3"/>
+          <p:cNvSpPr>
+            <a:spLocks noGrp="1" noChangeArrowheads="1"/>
+          </p:cNvSpPr>
+          <p:nvPr>
+            <p:ph type="body" idx="1"/>
+          </p:nvPr>
+        </p:nvSpPr>
+        <p:spPr>
+          <a:xfrm>
+            <a:off x="755576" y="1772816"/>
+            <a:ext cx="7488832" cy="4681537"/>
+          </a:xfrm>
+        </p:spPr>
+        <p:txBody>
+          <a:bodyPr/>
+          <a:lstStyle/>
+          <a:p>
+            <a:pPr marL="533400" indent="-533400" eaLnBrk="1" hangingPunct="1"/>
+            <a:r>
+              <a:rPr lang="zh-CN" altLang="en-US" dirty="0"/>
+              <a:t>需求分析的传统方法：</a:t>
+            </a:r>
+          </a:p>
+          <a:p>
+            <a:pPr marL="914400" lvl="1" indent="-457200" eaLnBrk="1" hangingPunct="1"/>
+            <a:r>
+              <a:rPr lang="zh-CN" altLang="en-US" dirty="0">
+                <a:latin typeface="楷体" panose="02010609060101010101" pitchFamily="49" charset="-122"/>
+                <a:ea typeface="楷体" panose="02010609060101010101" pitchFamily="49" charset="-122"/>
+              </a:rPr>
+              <a:t>面向过程的结构化方法（自顶向下、逐层分解）</a:t>
+            </a:r>
+          </a:p>
+          <a:p>
+            <a:pPr marL="914400" lvl="1" indent="-457200" eaLnBrk="1" hangingPunct="1"/>
+            <a:r>
+              <a:rPr lang="zh-CN" altLang="en-US" dirty="0">
+                <a:latin typeface="楷体" panose="02010609060101010101" pitchFamily="49" charset="-122"/>
+                <a:ea typeface="楷体" panose="02010609060101010101" pitchFamily="49" charset="-122"/>
+              </a:rPr>
+              <a:t>面向数据的信息工程方法（数据驱动）</a:t>
+            </a:r>
+          </a:p>
+          <a:p>
+            <a:pPr marL="914400" lvl="1" indent="-457200" eaLnBrk="1" hangingPunct="1"/>
+            <a:r>
+              <a:rPr lang="zh-CN" altLang="en-US" dirty="0">
+                <a:latin typeface="楷体" panose="02010609060101010101" pitchFamily="49" charset="-122"/>
+                <a:ea typeface="楷体" panose="02010609060101010101" pitchFamily="49" charset="-122"/>
+              </a:rPr>
+              <a:t>面向对象方法（对象驱动、</a:t>
+            </a:r>
+            <a:r>
+              <a:rPr lang="en-US" altLang="zh-CN" dirty="0">
+                <a:latin typeface="楷体" panose="02010609060101010101" pitchFamily="49" charset="-122"/>
+                <a:ea typeface="楷体" panose="02010609060101010101" pitchFamily="49" charset="-122"/>
+              </a:rPr>
+              <a:t>UML</a:t>
+            </a:r>
+            <a:r>
+              <a:rPr lang="zh-CN" altLang="en-US" dirty="0">
+                <a:latin typeface="楷体" panose="02010609060101010101" pitchFamily="49" charset="-122"/>
+                <a:ea typeface="楷体" panose="02010609060101010101" pitchFamily="49" charset="-122"/>
+              </a:rPr>
+              <a:t>）</a:t>
+            </a:r>
+          </a:p>
+          <a:p>
+            <a:pPr marL="533400" indent="-533400" eaLnBrk="1" hangingPunct="1"/>
+            <a:r>
+              <a:rPr lang="zh-CN" altLang="en-US" dirty="0"/>
+              <a:t>目前系统分析的一般做法是综合运用以上方法，最后统一采用</a:t>
+            </a:r>
+            <a:r>
+              <a:rPr lang="en-US" altLang="zh-CN" dirty="0"/>
+              <a:t>UML</a:t>
+            </a:r>
+            <a:r>
+              <a:rPr lang="zh-CN" altLang="en-US" dirty="0"/>
+              <a:t>来建立系统逻辑模型。</a:t>
+            </a:r>
+          </a:p>
+        </p:txBody>
+      </p:sp>
+    </p:spTree>
+    <p:extLst>
+      <p:ext uri="{BB962C8B-B14F-4D97-AF65-F5344CB8AC3E}">
+        <p14:creationId xmlns:p14="http://schemas.microsoft.com/office/powerpoint/2010/main" val="2272372086"/>
+      </p:ext>
+    </p:extLst>
+  </p:cSld>
+  <p:clrMapOvr>
+    <a:masterClrMapping/>
+  </p:clrMapOvr>
+  <p:transition>
+    <p:blinds/>
+  </p:transition>
+</p:sld>
+</file>
+
 <file path=ppt/slides/slide27.xml><?xml version="1.0" encoding="utf-8"?>
 <p:sld xmlns:a="http://schemas.openxmlformats.org/drawingml/2006/main" xmlns:r="http://schemas.openxmlformats.org/officeDocument/2006/relationships" xmlns:p="http://schemas.openxmlformats.org/presentationml/2006/main">
   <p:cSld>
@@ -12962,7 +12730,7 @@
       </p:grpSpPr>
       <p:sp>
         <p:nvSpPr>
-          <p:cNvPr id="29698" name="Rectangle 2"/>
+          <p:cNvPr id="31746" name="Rectangle 2"/>
           <p:cNvSpPr>
             <a:spLocks noGrp="1" noChangeArrowheads="1"/>
           </p:cNvSpPr>
@@ -12977,15 +12745,15 @@
           <a:p>
             <a:pPr eaLnBrk="1" hangingPunct="1"/>
             <a:r>
-              <a:rPr lang="zh-CN" altLang="en-US" smtClean="0"/>
-              <a:t>需求分析方法</a:t>
-            </a:r>
-          </a:p>
-        </p:txBody>
-      </p:sp>
-      <p:sp>
-        <p:nvSpPr>
-          <p:cNvPr id="29699" name="Rectangle 3"/>
+              <a:rPr lang="zh-CN" altLang="en-US"/>
+              <a:t>系统分析建模内容</a:t>
+            </a:r>
+          </a:p>
+        </p:txBody>
+      </p:sp>
+      <p:sp>
+        <p:nvSpPr>
+          <p:cNvPr id="31747" name="Rectangle 3"/>
           <p:cNvSpPr>
             <a:spLocks noGrp="1" noChangeArrowheads="1"/>
           </p:cNvSpPr>
@@ -12993,79 +12761,134 @@
             <p:ph type="body" idx="1"/>
           </p:nvPr>
         </p:nvSpPr>
-        <p:spPr>
-          <a:xfrm>
-            <a:off x="755576" y="1772816"/>
-            <a:ext cx="7488832" cy="4681537"/>
-          </a:xfrm>
-        </p:spPr>
-        <p:txBody>
-          <a:bodyPr/>
+        <p:spPr/>
+        <p:txBody>
+          <a:bodyPr>
+            <a:normAutofit fontScale="92500" lnSpcReduction="10000"/>
+          </a:bodyPr>
           <a:lstStyle/>
           <a:p>
-            <a:pPr marL="533400" indent="-533400" eaLnBrk="1" hangingPunct="1"/>
-            <a:r>
-              <a:rPr lang="zh-CN" altLang="en-US" dirty="0" smtClean="0"/>
-              <a:t>需求分析的传统方法：</a:t>
-            </a:r>
-          </a:p>
-          <a:p>
-            <a:pPr marL="914400" lvl="1" indent="-457200" eaLnBrk="1" hangingPunct="1"/>
-            <a:r>
-              <a:rPr lang="zh-CN" altLang="en-US" dirty="0" smtClean="0">
-                <a:latin typeface="楷体" panose="02010609060101010101" pitchFamily="49" charset="-122"/>
-                <a:ea typeface="楷体" panose="02010609060101010101" pitchFamily="49" charset="-122"/>
-              </a:rPr>
-              <a:t>面向过程的结构化方法（自顶向下、逐层分解）</a:t>
-            </a:r>
-          </a:p>
-          <a:p>
-            <a:pPr marL="914400" lvl="1" indent="-457200" eaLnBrk="1" hangingPunct="1"/>
-            <a:r>
-              <a:rPr lang="zh-CN" altLang="en-US" dirty="0" smtClean="0">
-                <a:latin typeface="楷体" panose="02010609060101010101" pitchFamily="49" charset="-122"/>
-                <a:ea typeface="楷体" panose="02010609060101010101" pitchFamily="49" charset="-122"/>
-              </a:rPr>
-              <a:t>面向数据的信息工程方法（数据驱动）</a:t>
-            </a:r>
-          </a:p>
-          <a:p>
-            <a:pPr marL="914400" lvl="1" indent="-457200" eaLnBrk="1" hangingPunct="1"/>
-            <a:r>
-              <a:rPr lang="zh-CN" altLang="en-US" dirty="0" smtClean="0">
-                <a:latin typeface="楷体" panose="02010609060101010101" pitchFamily="49" charset="-122"/>
-                <a:ea typeface="楷体" panose="02010609060101010101" pitchFamily="49" charset="-122"/>
-              </a:rPr>
-              <a:t>面向对象方法（对象驱动、</a:t>
-            </a:r>
-            <a:r>
-              <a:rPr lang="en-US" altLang="zh-CN" dirty="0" smtClean="0">
-                <a:latin typeface="楷体" panose="02010609060101010101" pitchFamily="49" charset="-122"/>
-                <a:ea typeface="楷体" panose="02010609060101010101" pitchFamily="49" charset="-122"/>
-              </a:rPr>
+            <a:pPr eaLnBrk="1" hangingPunct="1"/>
+            <a:r>
+              <a:rPr lang="zh-CN" altLang="en-US"/>
+              <a:t>流程建模</a:t>
+            </a:r>
+          </a:p>
+          <a:p>
+            <a:pPr lvl="1" eaLnBrk="1" hangingPunct="1"/>
+            <a:r>
+              <a:rPr lang="zh-CN" altLang="en-US"/>
+              <a:t>业务流程（业务流程图</a:t>
+            </a:r>
+            <a:r>
+              <a:rPr lang="en-US" altLang="zh-CN"/>
+              <a:t>/UML</a:t>
+            </a:r>
+            <a:r>
+              <a:rPr lang="zh-CN" altLang="en-US"/>
+              <a:t>活动图）</a:t>
+            </a:r>
+          </a:p>
+          <a:p>
+            <a:pPr lvl="1" eaLnBrk="1" hangingPunct="1"/>
+            <a:r>
+              <a:rPr lang="zh-CN" altLang="en-US"/>
+              <a:t>数据处理流程（数据流图）</a:t>
+            </a:r>
+          </a:p>
+          <a:p>
+            <a:pPr eaLnBrk="1" hangingPunct="1"/>
+            <a:r>
+              <a:rPr lang="zh-CN" altLang="en-US"/>
+              <a:t>用例建模</a:t>
+            </a:r>
+          </a:p>
+          <a:p>
+            <a:pPr lvl="1" eaLnBrk="1" hangingPunct="1"/>
+            <a:r>
+              <a:rPr lang="zh-CN" altLang="en-US"/>
+              <a:t>信息系统功能模型（</a:t>
+            </a:r>
+            <a:r>
+              <a:rPr lang="en-US" altLang="zh-CN"/>
               <a:t>UML</a:t>
             </a:r>
             <a:r>
-              <a:rPr lang="zh-CN" altLang="en-US" dirty="0" smtClean="0">
-                <a:latin typeface="楷体" panose="02010609060101010101" pitchFamily="49" charset="-122"/>
-                <a:ea typeface="楷体" panose="02010609060101010101" pitchFamily="49" charset="-122"/>
-              </a:rPr>
-              <a:t>）</a:t>
-            </a:r>
-          </a:p>
-          <a:p>
-            <a:pPr marL="533400" indent="-533400" eaLnBrk="1" hangingPunct="1"/>
-            <a:r>
-              <a:rPr lang="zh-CN" altLang="en-US" dirty="0" smtClean="0"/>
-              <a:t>目前系统分析的一般做法是综合运用以上方法，最后统一采用</a:t>
-            </a:r>
-            <a:r>
-              <a:rPr lang="en-US" altLang="zh-CN" dirty="0" smtClean="0"/>
+              <a:rPr lang="zh-CN" altLang="en-US"/>
+              <a:t>用例图）</a:t>
+            </a:r>
+          </a:p>
+          <a:p>
+            <a:pPr eaLnBrk="1" hangingPunct="1"/>
+            <a:r>
+              <a:rPr lang="zh-CN" altLang="en-US"/>
+              <a:t>领域对象建模</a:t>
+            </a:r>
+          </a:p>
+          <a:p>
+            <a:pPr lvl="1" eaLnBrk="1" hangingPunct="1"/>
+            <a:r>
+              <a:rPr lang="zh-CN" altLang="en-US"/>
+              <a:t>领域对象模型（</a:t>
+            </a:r>
+            <a:r>
+              <a:rPr lang="en-US" altLang="zh-CN"/>
               <a:t>UML</a:t>
             </a:r>
             <a:r>
-              <a:rPr lang="zh-CN" altLang="en-US" dirty="0" smtClean="0"/>
-              <a:t>来建立系统逻辑模型。</a:t>
+              <a:rPr lang="zh-CN" altLang="en-US"/>
+              <a:t>类图、</a:t>
+            </a:r>
+            <a:r>
+              <a:rPr lang="en-US" altLang="zh-CN"/>
+              <a:t>UML</a:t>
+            </a:r>
+            <a:r>
+              <a:rPr lang="zh-CN" altLang="en-US"/>
+              <a:t>状态图）</a:t>
+            </a:r>
+          </a:p>
+          <a:p>
+            <a:pPr lvl="1" eaLnBrk="1" hangingPunct="1"/>
+            <a:r>
+              <a:rPr lang="zh-CN" altLang="en-US" i="1">
+                <a:solidFill>
+                  <a:schemeClr val="bg2"/>
+                </a:solidFill>
+              </a:rPr>
+              <a:t>由</a:t>
+            </a:r>
+            <a:r>
+              <a:rPr lang="en-US" altLang="zh-CN" i="1">
+                <a:solidFill>
+                  <a:schemeClr val="bg2"/>
+                </a:solidFill>
+              </a:rPr>
+              <a:t>UML</a:t>
+            </a:r>
+            <a:r>
+              <a:rPr lang="zh-CN" altLang="en-US" i="1">
+                <a:solidFill>
+                  <a:schemeClr val="bg2"/>
+                </a:solidFill>
+              </a:rPr>
+              <a:t>类图可以替代</a:t>
+            </a:r>
+            <a:r>
+              <a:rPr lang="en-US" altLang="zh-CN" i="1">
+                <a:solidFill>
+                  <a:schemeClr val="bg2"/>
+                </a:solidFill>
+              </a:rPr>
+              <a:t>ER</a:t>
+            </a:r>
+            <a:r>
+              <a:rPr lang="zh-CN" altLang="en-US" i="1">
+                <a:solidFill>
+                  <a:schemeClr val="bg2"/>
+                </a:solidFill>
+              </a:rPr>
+              <a:t>数据模型</a:t>
             </a:r>
           </a:p>
         </p:txBody>
@@ -13073,23 +12896,13 @@
     </p:spTree>
     <p:extLst>
       <p:ext uri="{BB962C8B-B14F-4D97-AF65-F5344CB8AC3E}">
-        <p14:creationId xmlns:p14="http://schemas.microsoft.com/office/powerpoint/2010/main" val="2272372086"/>
+        <p14:creationId xmlns:p14="http://schemas.microsoft.com/office/powerpoint/2010/main" val="2101736895"/>
       </p:ext>
     </p:extLst>
   </p:cSld>
   <p:clrMapOvr>
     <a:masterClrMapping/>
   </p:clrMapOvr>
-  <p:transition>
-    <p:blinds/>
-  </p:transition>
-  <p:timing>
-    <p:tnLst>
-      <p:par>
-        <p:cTn id="1" dur="indefinite" restart="never" nodeType="tmRoot"/>
-      </p:par>
-    </p:tnLst>
-  </p:timing>
 </p:sld>
 </file>
 
@@ -13112,7 +12925,7 @@
       </p:grpSpPr>
       <p:sp>
         <p:nvSpPr>
-          <p:cNvPr id="31746" name="Rectangle 2"/>
+          <p:cNvPr id="30722" name="Rectangle 2"/>
           <p:cNvSpPr>
             <a:spLocks noGrp="1" noChangeArrowheads="1"/>
           </p:cNvSpPr>
@@ -13127,15 +12940,19 @@
           <a:p>
             <a:pPr eaLnBrk="1" hangingPunct="1"/>
             <a:r>
-              <a:rPr lang="zh-CN" altLang="en-US" smtClean="0"/>
-              <a:t>系统分析建模内容</a:t>
-            </a:r>
-          </a:p>
-        </p:txBody>
-      </p:sp>
-      <p:sp>
-        <p:nvSpPr>
-          <p:cNvPr id="31747" name="Rectangle 3"/>
+              <a:rPr lang="en-US" altLang="zh-CN"/>
+              <a:t>5.2.3 </a:t>
+            </a:r>
+            <a:r>
+              <a:rPr lang="zh-CN" altLang="en-US"/>
+              <a:t>需求定义</a:t>
+            </a:r>
+          </a:p>
+        </p:txBody>
+      </p:sp>
+      <p:sp>
+        <p:nvSpPr>
+          <p:cNvPr id="30723" name="Rectangle 3"/>
           <p:cNvSpPr>
             <a:spLocks noGrp="1" noChangeArrowheads="1"/>
           </p:cNvSpPr>
@@ -13145,153 +12962,39 @@
         </p:nvSpPr>
         <p:spPr/>
         <p:txBody>
-          <a:bodyPr>
-            <a:normAutofit fontScale="92500" lnSpcReduction="10000"/>
-          </a:bodyPr>
+          <a:bodyPr/>
           <a:lstStyle/>
           <a:p>
             <a:pPr eaLnBrk="1" hangingPunct="1"/>
             <a:r>
-              <a:rPr lang="zh-CN" altLang="en-US" smtClean="0"/>
-              <a:t>流程建模</a:t>
-            </a:r>
-          </a:p>
-          <a:p>
-            <a:pPr lvl="1" eaLnBrk="1" hangingPunct="1"/>
-            <a:r>
-              <a:rPr lang="zh-CN" altLang="en-US" smtClean="0"/>
-              <a:t>业务流程（业务流程图</a:t>
-            </a:r>
-            <a:r>
-              <a:rPr lang="en-US" altLang="zh-CN" smtClean="0"/>
-              <a:t>/UML</a:t>
-            </a:r>
-            <a:r>
-              <a:rPr lang="zh-CN" altLang="en-US" smtClean="0"/>
-              <a:t>活动图）</a:t>
-            </a:r>
-          </a:p>
-          <a:p>
-            <a:pPr lvl="1" eaLnBrk="1" hangingPunct="1"/>
-            <a:r>
-              <a:rPr lang="zh-CN" altLang="en-US" smtClean="0"/>
-              <a:t>数据处理流程（数据流图）</a:t>
-            </a:r>
+              <a:rPr lang="zh-CN" altLang="en-US"/>
+              <a:t>需求分析是分析人员与用户反复沟通和谈判的过程。</a:t>
+            </a:r>
+            <a:endParaRPr lang="en-US" altLang="zh-CN"/>
           </a:p>
           <a:p>
             <a:pPr eaLnBrk="1" hangingPunct="1"/>
             <a:r>
-              <a:rPr lang="zh-CN" altLang="en-US" smtClean="0"/>
-              <a:t>用例建模</a:t>
-            </a:r>
-          </a:p>
-          <a:p>
-            <a:pPr lvl="1" eaLnBrk="1" hangingPunct="1"/>
-            <a:r>
-              <a:rPr lang="zh-CN" altLang="en-US" smtClean="0"/>
-              <a:t>信息系统功能模型（</a:t>
-            </a:r>
-            <a:r>
-              <a:rPr lang="en-US" altLang="zh-CN" smtClean="0"/>
-              <a:t>UML</a:t>
-            </a:r>
-            <a:r>
-              <a:rPr lang="zh-CN" altLang="en-US" smtClean="0"/>
-              <a:t>用例图）</a:t>
-            </a:r>
-          </a:p>
-          <a:p>
-            <a:pPr eaLnBrk="1" hangingPunct="1"/>
-            <a:r>
-              <a:rPr lang="zh-CN" altLang="en-US" smtClean="0"/>
-              <a:t>领域对象建模</a:t>
-            </a:r>
-          </a:p>
-          <a:p>
-            <a:pPr lvl="1" eaLnBrk="1" hangingPunct="1"/>
-            <a:r>
-              <a:rPr lang="zh-CN" altLang="en-US" smtClean="0"/>
-              <a:t>领域对象模型（</a:t>
-            </a:r>
-            <a:r>
-              <a:rPr lang="en-US" altLang="zh-CN" smtClean="0"/>
-              <a:t>UML</a:t>
-            </a:r>
-            <a:r>
-              <a:rPr lang="zh-CN" altLang="en-US" smtClean="0"/>
-              <a:t>类图、</a:t>
-            </a:r>
-            <a:r>
-              <a:rPr lang="en-US" altLang="zh-CN" smtClean="0"/>
-              <a:t>UML</a:t>
-            </a:r>
-            <a:r>
-              <a:rPr lang="zh-CN" altLang="en-US" smtClean="0"/>
-              <a:t>状态图）</a:t>
-            </a:r>
-          </a:p>
-          <a:p>
-            <a:pPr lvl="1" eaLnBrk="1" hangingPunct="1"/>
-            <a:r>
-              <a:rPr lang="zh-CN" altLang="en-US" i="1" smtClean="0">
-                <a:solidFill>
-                  <a:schemeClr val="bg2"/>
-                </a:solidFill>
-              </a:rPr>
-              <a:t>由</a:t>
-            </a:r>
-            <a:r>
-              <a:rPr lang="en-US" altLang="zh-CN" i="1" smtClean="0">
-                <a:solidFill>
-                  <a:schemeClr val="bg2"/>
-                </a:solidFill>
-              </a:rPr>
-              <a:t>UML</a:t>
-            </a:r>
-            <a:r>
-              <a:rPr lang="zh-CN" altLang="en-US" i="1" smtClean="0">
-                <a:solidFill>
-                  <a:schemeClr val="bg2"/>
-                </a:solidFill>
-              </a:rPr>
-              <a:t>类图可以替代</a:t>
-            </a:r>
-            <a:r>
-              <a:rPr lang="en-US" altLang="zh-CN" i="1" smtClean="0">
-                <a:solidFill>
-                  <a:schemeClr val="bg2"/>
-                </a:solidFill>
-              </a:rPr>
-              <a:t>ER</a:t>
-            </a:r>
-            <a:r>
-              <a:rPr lang="zh-CN" altLang="en-US" i="1" smtClean="0">
-                <a:solidFill>
-                  <a:schemeClr val="bg2"/>
-                </a:solidFill>
-              </a:rPr>
-              <a:t>数据模型</a:t>
-            </a:r>
+              <a:rPr lang="zh-CN" altLang="en-US"/>
+              <a:t>需求定义就是在各方就系统需求达成一致意见后，整理并建立最终的需求模型，详细定义和描述每项需求，确认约束条件及限制，编写需求规格说明。</a:t>
+            </a:r>
+            <a:endParaRPr lang="en-US" altLang="zh-CN"/>
           </a:p>
         </p:txBody>
       </p:sp>
     </p:spTree>
     <p:extLst>
       <p:ext uri="{BB962C8B-B14F-4D97-AF65-F5344CB8AC3E}">
-        <p14:creationId xmlns:p14="http://schemas.microsoft.com/office/powerpoint/2010/main" val="2101736895"/>
+        <p14:creationId xmlns:p14="http://schemas.microsoft.com/office/powerpoint/2010/main" val="4290059228"/>
       </p:ext>
     </p:extLst>
   </p:cSld>
   <p:clrMapOvr>
     <a:masterClrMapping/>
   </p:clrMapOvr>
-  <p:timing>
-    <p:tnLst>
-      <p:par>
-        <p:cTn id="1" dur="indefinite" restart="never" nodeType="tmRoot"/>
-      </p:par>
-    </p:tnLst>
-  </p:timing>
+  <p:transition>
+    <p:blinds/>
+  </p:transition>
 </p:sld>
 </file>
 
@@ -13314,7 +13017,7 @@
       </p:grpSpPr>
       <p:sp>
         <p:nvSpPr>
-          <p:cNvPr id="30722" name="Rectangle 2"/>
+          <p:cNvPr id="32770" name="Rectangle 2"/>
           <p:cNvSpPr>
             <a:spLocks noGrp="1" noChangeArrowheads="1"/>
           </p:cNvSpPr>
@@ -13329,19 +13032,19 @@
           <a:p>
             <a:pPr eaLnBrk="1" hangingPunct="1"/>
             <a:r>
-              <a:rPr lang="en-US" altLang="zh-CN" smtClean="0"/>
-              <a:t>5.2.3 </a:t>
-            </a:r>
-            <a:r>
-              <a:rPr lang="zh-CN" altLang="en-US" smtClean="0"/>
-              <a:t>需求定义</a:t>
-            </a:r>
-          </a:p>
-        </p:txBody>
-      </p:sp>
-      <p:sp>
-        <p:nvSpPr>
-          <p:cNvPr id="30723" name="Rectangle 3"/>
+              <a:rPr lang="en-US" altLang="zh-CN"/>
+              <a:t>5.3 </a:t>
+            </a:r>
+            <a:r>
+              <a:rPr lang="zh-CN" altLang="en-US"/>
+              <a:t>系统说明书</a:t>
+            </a:r>
+          </a:p>
+        </p:txBody>
+      </p:sp>
+      <p:sp>
+        <p:nvSpPr>
+          <p:cNvPr id="32771" name="Rectangle 3"/>
           <p:cNvSpPr>
             <a:spLocks noGrp="1" noChangeArrowheads="1"/>
           </p:cNvSpPr>
@@ -13356,41 +13059,69 @@
           <a:p>
             <a:pPr eaLnBrk="1" hangingPunct="1"/>
             <a:r>
-              <a:rPr lang="zh-CN" altLang="en-US" smtClean="0"/>
-              <a:t>需求分析是分析人员与用户反复沟通和谈判的过程。</a:t>
-            </a:r>
-            <a:endParaRPr lang="en-US" altLang="zh-CN" smtClean="0"/>
+              <a:rPr lang="en-US" altLang="zh-CN" dirty="0"/>
+              <a:t>《</a:t>
+            </a:r>
+            <a:r>
+              <a:rPr lang="zh-CN" altLang="en-US" dirty="0"/>
+              <a:t>系统说明书</a:t>
+            </a:r>
+            <a:r>
+              <a:rPr lang="en-US" altLang="zh-CN" dirty="0"/>
+              <a:t>》</a:t>
+            </a:r>
+            <a:r>
+              <a:rPr lang="zh-CN" altLang="en-US" dirty="0"/>
+              <a:t>是系统分析阶段的成果。</a:t>
+            </a:r>
           </a:p>
           <a:p>
             <a:pPr eaLnBrk="1" hangingPunct="1"/>
-            <a:r>
-              <a:rPr lang="zh-CN" altLang="en-US" smtClean="0"/>
-              <a:t>需求定义就是在各方就系统需求达成一致意见后，整理并建立最终的需求模型，详细定义和描述每项需求，确认约束条件及限制，编写需求规格说明。</a:t>
-            </a:r>
-            <a:endParaRPr lang="en-US" altLang="zh-CN" smtClean="0"/>
+            <a:endParaRPr lang="zh-CN" altLang="en-US" dirty="0"/>
+          </a:p>
+          <a:p>
+            <a:pPr eaLnBrk="1" hangingPunct="1"/>
+            <a:r>
+              <a:rPr lang="zh-CN" altLang="en-US" dirty="0"/>
+              <a:t>该文档主要描述了系统的需求，在软件工程领域也称作</a:t>
+            </a:r>
+            <a:r>
+              <a:rPr lang="en-US" altLang="zh-CN" dirty="0"/>
+              <a:t>《</a:t>
+            </a:r>
+            <a:r>
+              <a:rPr lang="zh-CN" altLang="en-US" dirty="0"/>
+              <a:t>需求规格说明书</a:t>
+            </a:r>
+            <a:r>
+              <a:rPr lang="en-US" altLang="zh-CN" dirty="0"/>
+              <a:t>》</a:t>
+            </a:r>
+            <a:r>
+              <a:rPr lang="zh-CN" altLang="en-US" dirty="0"/>
+              <a:t>（</a:t>
+            </a:r>
+            <a:r>
+              <a:rPr lang="en-US" altLang="zh-CN" dirty="0"/>
+              <a:t>requirement specification</a:t>
+            </a:r>
+            <a:r>
+              <a:rPr lang="zh-CN" altLang="en-US" dirty="0"/>
+              <a:t>）。</a:t>
+            </a:r>
           </a:p>
         </p:txBody>
       </p:sp>
     </p:spTree>
     <p:extLst>
       <p:ext uri="{BB962C8B-B14F-4D97-AF65-F5344CB8AC3E}">
-        <p14:creationId xmlns:p14="http://schemas.microsoft.com/office/powerpoint/2010/main" val="4290059228"/>
+        <p14:creationId xmlns:p14="http://schemas.microsoft.com/office/powerpoint/2010/main" val="3543009356"/>
       </p:ext>
     </p:extLst>
   </p:cSld>
   <p:clrMapOvr>
     <a:masterClrMapping/>
   </p:clrMapOvr>
-  <p:transition>
-    <p:blinds/>
-  </p:transition>
-  <p:timing>
-    <p:tnLst>
-      <p:par>
-        <p:cTn id="1" dur="indefinite" restart="never" nodeType="tmRoot"/>
-      </p:par>
-    </p:tnLst>
-  </p:timing>
 </p:sld>
 </file>
 
@@ -13440,7 +13171,6 @@
               <a:rPr lang="zh-CN" altLang="en-US" dirty="0"/>
               <a:t>系统分析的任务</a:t>
             </a:r>
-            <a:endParaRPr lang="zh-CN" altLang="en-US" dirty="0"/>
           </a:p>
         </p:txBody>
       </p:sp>
@@ -13540,20 +13270,12 @@
               </a:lnSpc>
             </a:pPr>
             <a:r>
-              <a:rPr lang="zh-CN" altLang="en-US" sz="2400" dirty="0" smtClean="0">
+              <a:rPr lang="zh-CN" altLang="en-US" sz="2400" dirty="0">
                 <a:solidFill>
                   <a:schemeClr val="tx1"/>
                 </a:solidFill>
               </a:rPr>
-              <a:t>分析</a:t>
-            </a:r>
-            <a:r>
-              <a:rPr lang="zh-CN" altLang="en-US" sz="2400" dirty="0">
-                <a:solidFill>
-                  <a:schemeClr val="tx1"/>
-                </a:solidFill>
-              </a:rPr>
-              <a:t>的本质就是理解和发现。</a:t>
+              <a:t>分析的本质就是理解和发现。</a:t>
             </a:r>
           </a:p>
           <a:p>
@@ -13573,7 +13295,7 @@
               <a:t>观察、访谈 </a:t>
             </a:r>
             <a:r>
-              <a:rPr lang="en-US" altLang="zh-CN" sz="2400" dirty="0" smtClean="0">
+              <a:rPr lang="en-US" altLang="zh-CN" sz="2400" dirty="0">
                 <a:solidFill>
                   <a:schemeClr val="tx1"/>
                 </a:solidFill>
@@ -13584,24 +13306,14 @@
               <a:t></a:t>
             </a:r>
             <a:r>
-              <a:rPr lang="zh-CN" altLang="en-US" sz="2400" dirty="0" smtClean="0">
+              <a:rPr lang="zh-CN" altLang="en-US" sz="2400" dirty="0">
                 <a:solidFill>
                   <a:schemeClr val="tx1"/>
                 </a:solidFill>
                 <a:latin typeface="楷体" panose="02010609060101010101" pitchFamily="49" charset="-122"/>
                 <a:ea typeface="楷体" panose="02010609060101010101" pitchFamily="49" charset="-122"/>
               </a:rPr>
-              <a:t> </a:t>
-            </a:r>
-            <a:r>
-              <a:rPr lang="zh-CN" altLang="en-US" sz="2400" dirty="0">
-                <a:solidFill>
-                  <a:schemeClr val="tx1"/>
-                </a:solidFill>
-                <a:latin typeface="楷体" panose="02010609060101010101" pitchFamily="49" charset="-122"/>
-                <a:ea typeface="楷体" panose="02010609060101010101" pitchFamily="49" charset="-122"/>
-              </a:rPr>
-              <a:t>理解 </a:t>
+              <a:t> 理解 </a:t>
             </a:r>
             <a:r>
               <a:rPr lang="en-US" altLang="zh-CN" sz="2400" dirty="0">
@@ -13615,7 +13327,7 @@
               <a:t></a:t>
             </a:r>
             <a:r>
-              <a:rPr lang="zh-CN" altLang="en-US" sz="2400" dirty="0" smtClean="0">
+              <a:rPr lang="zh-CN" altLang="en-US" sz="2400" dirty="0">
                 <a:solidFill>
                   <a:schemeClr val="tx1"/>
                 </a:solidFill>
@@ -13624,13 +13336,6 @@
               </a:rPr>
               <a:t>表述</a:t>
             </a:r>
-            <a:endParaRPr lang="zh-CN" altLang="en-US" sz="2400" dirty="0">
-              <a:solidFill>
-                <a:schemeClr val="tx1"/>
-              </a:solidFill>
-              <a:latin typeface="楷体" panose="02010609060101010101" pitchFamily="49" charset="-122"/>
-              <a:ea typeface="楷体" panose="02010609060101010101" pitchFamily="49" charset="-122"/>
-            </a:endParaRPr>
           </a:p>
           <a:p>
             <a:pPr lvl="1">
@@ -13700,9 +13405,9 @@
       </p:grpSpPr>
       <p:sp>
         <p:nvSpPr>
-          <p:cNvPr id="32770" name="Rectangle 2"/>
-          <p:cNvSpPr>
-            <a:spLocks noGrp="1" noChangeArrowheads="1"/>
+          <p:cNvPr id="33794" name="标题 1"/>
+          <p:cNvSpPr>
+            <a:spLocks noGrp="1"/>
           </p:cNvSpPr>
           <p:nvPr>
             <p:ph type="title"/>
@@ -13713,105 +13418,226 @@
           <a:bodyPr/>
           <a:lstStyle/>
           <a:p>
-            <a:pPr eaLnBrk="1" hangingPunct="1"/>
-            <a:r>
-              <a:rPr lang="en-US" altLang="zh-CN" smtClean="0"/>
-              <a:t>5.3 </a:t>
-            </a:r>
-            <a:r>
-              <a:rPr lang="zh-CN" altLang="en-US" smtClean="0"/>
-              <a:t>系统说明书</a:t>
-            </a:r>
-          </a:p>
-        </p:txBody>
-      </p:sp>
-      <p:sp>
-        <p:nvSpPr>
-          <p:cNvPr id="32771" name="Rectangle 3"/>
-          <p:cNvSpPr>
-            <a:spLocks noGrp="1" noChangeArrowheads="1"/>
-          </p:cNvSpPr>
-          <p:nvPr>
-            <p:ph type="body" idx="1"/>
-          </p:nvPr>
-        </p:nvSpPr>
-        <p:spPr/>
-        <p:txBody>
-          <a:bodyPr/>
+            <a:r>
+              <a:rPr lang="zh-CN" altLang="en-US"/>
+              <a:t>系统说明书的内容</a:t>
+            </a:r>
+          </a:p>
+        </p:txBody>
+      </p:sp>
+      <p:sp>
+        <p:nvSpPr>
+          <p:cNvPr id="33795" name="内容占位符 2"/>
+          <p:cNvSpPr>
+            <a:spLocks noGrp="1"/>
+          </p:cNvSpPr>
+          <p:nvPr>
+            <p:ph idx="1"/>
+          </p:nvPr>
+        </p:nvSpPr>
+        <p:spPr>
+          <a:xfrm>
+            <a:off x="1195750" y="1763667"/>
+            <a:ext cx="6798736" cy="4617661"/>
+          </a:xfrm>
+        </p:spPr>
+        <p:txBody>
+          <a:bodyPr>
+            <a:noAutofit/>
+          </a:bodyPr>
           <a:lstStyle/>
           <a:p>
-            <a:pPr eaLnBrk="1" hangingPunct="1"/>
-            <a:r>
-              <a:rPr lang="en-US" altLang="zh-CN" dirty="0" smtClean="0"/>
-              <a:t>《</a:t>
-            </a:r>
-            <a:r>
-              <a:rPr lang="zh-CN" altLang="en-US" dirty="0" smtClean="0"/>
-              <a:t>系统说明书</a:t>
-            </a:r>
-            <a:r>
-              <a:rPr lang="en-US" altLang="zh-CN" dirty="0" smtClean="0"/>
-              <a:t>》</a:t>
-            </a:r>
-            <a:r>
-              <a:rPr lang="zh-CN" altLang="en-US" dirty="0" smtClean="0"/>
-              <a:t>是系统分析阶段的成果。</a:t>
-            </a:r>
-          </a:p>
-          <a:p>
-            <a:pPr eaLnBrk="1" hangingPunct="1"/>
-            <a:endParaRPr lang="zh-CN" altLang="en-US" dirty="0" smtClean="0"/>
-          </a:p>
-          <a:p>
-            <a:pPr eaLnBrk="1" hangingPunct="1"/>
-            <a:r>
-              <a:rPr lang="zh-CN" altLang="en-US" dirty="0" smtClean="0"/>
-              <a:t>该文档主要描述了系统的需求，在软件工程领域也称作</a:t>
-            </a:r>
-            <a:r>
-              <a:rPr lang="en-US" altLang="zh-CN" dirty="0" smtClean="0"/>
-              <a:t>《</a:t>
-            </a:r>
-            <a:r>
-              <a:rPr lang="zh-CN" altLang="en-US" dirty="0" smtClean="0"/>
-              <a:t>需求规格说明书</a:t>
-            </a:r>
-            <a:r>
-              <a:rPr lang="en-US" altLang="zh-CN" dirty="0" smtClean="0"/>
-              <a:t>》</a:t>
-            </a:r>
-            <a:r>
-              <a:rPr lang="zh-CN" altLang="en-US" dirty="0" smtClean="0"/>
-              <a:t>（</a:t>
-            </a:r>
-            <a:r>
-              <a:rPr lang="en-US" altLang="zh-CN" dirty="0" smtClean="0"/>
-              <a:t>requirement specification</a:t>
-            </a:r>
-            <a:r>
-              <a:rPr lang="zh-CN" altLang="en-US" dirty="0" smtClean="0"/>
-              <a:t>）。</a:t>
-            </a:r>
+            <a:pPr>
+              <a:spcBef>
+                <a:spcPts val="0"/>
+              </a:spcBef>
+            </a:pPr>
+            <a:r>
+              <a:rPr lang="zh-CN" altLang="en-US" sz="2000" dirty="0"/>
+              <a:t>引言</a:t>
+            </a:r>
+            <a:endParaRPr lang="en-US" altLang="zh-CN" sz="2000" dirty="0"/>
+          </a:p>
+          <a:p>
+            <a:pPr lvl="1">
+              <a:spcBef>
+                <a:spcPts val="0"/>
+              </a:spcBef>
+            </a:pPr>
+            <a:r>
+              <a:rPr lang="zh-CN" altLang="en-US" sz="2000" dirty="0">
+                <a:latin typeface="楷体" panose="02010609060101010101" pitchFamily="49" charset="-122"/>
+                <a:ea typeface="楷体" panose="02010609060101010101" pitchFamily="49" charset="-122"/>
+              </a:rPr>
+              <a:t>项目名称、目标、背景、引用资料、术语说明等</a:t>
+            </a:r>
+          </a:p>
+          <a:p>
+            <a:pPr>
+              <a:spcBef>
+                <a:spcPts val="0"/>
+              </a:spcBef>
+            </a:pPr>
+            <a:r>
+              <a:rPr lang="zh-CN" altLang="en-US" sz="2000" dirty="0"/>
+              <a:t>项目描述</a:t>
+            </a:r>
+          </a:p>
+          <a:p>
+            <a:pPr lvl="1">
+              <a:spcBef>
+                <a:spcPts val="0"/>
+              </a:spcBef>
+            </a:pPr>
+            <a:r>
+              <a:rPr lang="zh-CN" altLang="en-US" sz="2000" dirty="0">
+                <a:latin typeface="楷体" panose="02010609060101010101" pitchFamily="49" charset="-122"/>
+                <a:ea typeface="楷体" panose="02010609060101010101" pitchFamily="49" charset="-122"/>
+              </a:rPr>
+              <a:t>项目的主要工作内容</a:t>
+            </a:r>
+          </a:p>
+          <a:p>
+            <a:pPr lvl="1">
+              <a:spcBef>
+                <a:spcPts val="0"/>
+              </a:spcBef>
+            </a:pPr>
+            <a:r>
+              <a:rPr lang="zh-CN" altLang="en-US" sz="2000" dirty="0">
+                <a:latin typeface="楷体" panose="02010609060101010101" pitchFamily="49" charset="-122"/>
+                <a:ea typeface="楷体" panose="02010609060101010101" pitchFamily="49" charset="-122"/>
+              </a:rPr>
+              <a:t>现行系统的调查情况</a:t>
+            </a:r>
+          </a:p>
+          <a:p>
+            <a:pPr lvl="1">
+              <a:spcBef>
+                <a:spcPts val="0"/>
+              </a:spcBef>
+            </a:pPr>
+            <a:r>
+              <a:rPr lang="zh-CN" altLang="en-US" sz="2000" dirty="0">
+                <a:latin typeface="楷体" panose="02010609060101010101" pitchFamily="49" charset="-122"/>
+                <a:ea typeface="楷体" panose="02010609060101010101" pitchFamily="49" charset="-122"/>
+              </a:rPr>
+              <a:t>功能需求</a:t>
+            </a:r>
+            <a:endParaRPr lang="en-US" altLang="zh-CN" sz="2000" dirty="0">
+              <a:latin typeface="楷体" panose="02010609060101010101" pitchFamily="49" charset="-122"/>
+              <a:ea typeface="楷体" panose="02010609060101010101" pitchFamily="49" charset="-122"/>
+            </a:endParaRPr>
+          </a:p>
+          <a:p>
+            <a:pPr lvl="1">
+              <a:spcBef>
+                <a:spcPts val="0"/>
+              </a:spcBef>
+            </a:pPr>
+            <a:r>
+              <a:rPr lang="zh-CN" altLang="en-US" sz="2000" dirty="0">
+                <a:latin typeface="楷体" panose="02010609060101010101" pitchFamily="49" charset="-122"/>
+                <a:ea typeface="楷体" panose="02010609060101010101" pitchFamily="49" charset="-122"/>
+              </a:rPr>
+              <a:t>数据需求</a:t>
+            </a:r>
+            <a:endParaRPr lang="en-US" altLang="zh-CN" sz="2000" dirty="0">
+              <a:latin typeface="楷体" panose="02010609060101010101" pitchFamily="49" charset="-122"/>
+              <a:ea typeface="楷体" panose="02010609060101010101" pitchFamily="49" charset="-122"/>
+            </a:endParaRPr>
+          </a:p>
+          <a:p>
+            <a:pPr lvl="1">
+              <a:spcBef>
+                <a:spcPts val="0"/>
+              </a:spcBef>
+            </a:pPr>
+            <a:r>
+              <a:rPr lang="zh-CN" altLang="en-US" sz="2000" dirty="0">
+                <a:latin typeface="楷体" panose="02010609060101010101" pitchFamily="49" charset="-122"/>
+                <a:ea typeface="楷体" panose="02010609060101010101" pitchFamily="49" charset="-122"/>
+              </a:rPr>
+              <a:t>其他需求	</a:t>
+            </a:r>
+            <a:endParaRPr lang="en-US" altLang="zh-CN" sz="2000" dirty="0">
+              <a:latin typeface="楷体" panose="02010609060101010101" pitchFamily="49" charset="-122"/>
+              <a:ea typeface="楷体" panose="02010609060101010101" pitchFamily="49" charset="-122"/>
+            </a:endParaRPr>
+          </a:p>
+          <a:p>
+            <a:pPr>
+              <a:spcBef>
+                <a:spcPts val="0"/>
+              </a:spcBef>
+            </a:pPr>
+            <a:r>
+              <a:rPr lang="zh-CN" altLang="en-US" sz="2000" dirty="0"/>
+              <a:t>实施计划</a:t>
+            </a:r>
+          </a:p>
+          <a:p>
+            <a:pPr lvl="1">
+              <a:spcBef>
+                <a:spcPts val="0"/>
+              </a:spcBef>
+            </a:pPr>
+            <a:r>
+              <a:rPr lang="zh-CN" altLang="en-US" sz="2000" dirty="0">
+                <a:latin typeface="楷体" panose="02010609060101010101" pitchFamily="49" charset="-122"/>
+                <a:ea typeface="楷体" panose="02010609060101010101" pitchFamily="49" charset="-122"/>
+              </a:rPr>
+              <a:t>工作任务的分解</a:t>
+            </a:r>
+          </a:p>
+          <a:p>
+            <a:pPr lvl="1">
+              <a:spcBef>
+                <a:spcPts val="0"/>
+              </a:spcBef>
+            </a:pPr>
+            <a:r>
+              <a:rPr lang="zh-CN" altLang="en-US" sz="2000" dirty="0">
+                <a:latin typeface="楷体" panose="02010609060101010101" pitchFamily="49" charset="-122"/>
+                <a:ea typeface="楷体" panose="02010609060101010101" pitchFamily="49" charset="-122"/>
+              </a:rPr>
+              <a:t>进度</a:t>
+            </a:r>
+          </a:p>
+          <a:p>
+            <a:pPr lvl="1">
+              <a:spcBef>
+                <a:spcPts val="0"/>
+              </a:spcBef>
+            </a:pPr>
+            <a:r>
+              <a:rPr lang="zh-CN" altLang="en-US" sz="2000" dirty="0">
+                <a:latin typeface="楷体" panose="02010609060101010101" pitchFamily="49" charset="-122"/>
+                <a:ea typeface="楷体" panose="02010609060101010101" pitchFamily="49" charset="-122"/>
+              </a:rPr>
+              <a:t>预算</a:t>
+            </a:r>
+          </a:p>
+          <a:p>
+            <a:pPr>
+              <a:spcBef>
+                <a:spcPts val="0"/>
+              </a:spcBef>
+            </a:pPr>
+            <a:endParaRPr lang="zh-CN" altLang="en-US" sz="2000" dirty="0"/>
           </a:p>
         </p:txBody>
       </p:sp>
     </p:spTree>
     <p:extLst>
       <p:ext uri="{BB962C8B-B14F-4D97-AF65-F5344CB8AC3E}">
-        <p14:creationId xmlns:p14="http://schemas.microsoft.com/office/powerpoint/2010/main" val="3543009356"/>
+        <p14:creationId xmlns:p14="http://schemas.microsoft.com/office/powerpoint/2010/main" val="2668517331"/>
       </p:ext>
     </p:extLst>
   </p:cSld>
   <p:clrMapOvr>
     <a:masterClrMapping/>
   </p:clrMapOvr>
-  <p:timing>
-    <p:tnLst>
-      <p:par>
-        <p:cTn id="1" dur="indefinite" restart="never" nodeType="tmRoot"/>
-      </p:par>
-    </p:tnLst>
-  </p:timing>
 </p:sld>
 </file>
 
@@ -13834,9 +13660,9 @@
       </p:grpSpPr>
       <p:sp>
         <p:nvSpPr>
-          <p:cNvPr id="33794" name="标题 1"/>
-          <p:cNvSpPr>
-            <a:spLocks noGrp="1"/>
+          <p:cNvPr id="34818" name="Rectangle 2"/>
+          <p:cNvSpPr>
+            <a:spLocks noGrp="1" noChangeArrowheads="1"/>
           </p:cNvSpPr>
           <p:nvPr>
             <p:ph type="title"/>
@@ -13847,271 +13673,9 @@
           <a:bodyPr/>
           <a:lstStyle/>
           <a:p>
-            <a:r>
-              <a:rPr lang="zh-CN" altLang="en-US" smtClean="0"/>
-              <a:t>系统说明书的内容</a:t>
-            </a:r>
-          </a:p>
-        </p:txBody>
-      </p:sp>
-      <p:sp>
-        <p:nvSpPr>
-          <p:cNvPr id="33795" name="内容占位符 2"/>
-          <p:cNvSpPr>
-            <a:spLocks noGrp="1"/>
-          </p:cNvSpPr>
-          <p:nvPr>
-            <p:ph idx="1"/>
-          </p:nvPr>
-        </p:nvSpPr>
-        <p:spPr>
-          <a:xfrm>
-            <a:off x="1195750" y="1763667"/>
-            <a:ext cx="6798736" cy="4617661"/>
-          </a:xfrm>
-        </p:spPr>
-        <p:txBody>
-          <a:bodyPr>
-            <a:noAutofit/>
-          </a:bodyPr>
-          <a:lstStyle/>
-          <a:p>
-            <a:pPr>
-              <a:spcBef>
-                <a:spcPts val="0"/>
-              </a:spcBef>
-            </a:pPr>
-            <a:r>
-              <a:rPr lang="zh-CN" altLang="en-US" sz="2000" dirty="0" smtClean="0"/>
-              <a:t>引言</a:t>
-            </a:r>
-            <a:endParaRPr lang="en-US" altLang="zh-CN" sz="2000" dirty="0" smtClean="0"/>
-          </a:p>
-          <a:p>
-            <a:pPr lvl="1">
-              <a:spcBef>
-                <a:spcPts val="0"/>
-              </a:spcBef>
-            </a:pPr>
-            <a:r>
-              <a:rPr lang="zh-CN" altLang="en-US" sz="2000" dirty="0" smtClean="0">
-                <a:latin typeface="楷体" panose="02010609060101010101" pitchFamily="49" charset="-122"/>
-                <a:ea typeface="楷体" panose="02010609060101010101" pitchFamily="49" charset="-122"/>
-              </a:rPr>
-              <a:t>项目名称、目标、背景、引用资料、术语说明等</a:t>
-            </a:r>
-          </a:p>
-          <a:p>
-            <a:pPr>
-              <a:spcBef>
-                <a:spcPts val="0"/>
-              </a:spcBef>
-            </a:pPr>
-            <a:r>
-              <a:rPr lang="zh-CN" altLang="en-US" sz="2000" dirty="0" smtClean="0"/>
-              <a:t>项目描述</a:t>
-            </a:r>
-          </a:p>
-          <a:p>
-            <a:pPr lvl="1">
-              <a:spcBef>
-                <a:spcPts val="0"/>
-              </a:spcBef>
-            </a:pPr>
-            <a:r>
-              <a:rPr lang="zh-CN" altLang="en-US" sz="2000" dirty="0" smtClean="0">
-                <a:latin typeface="楷体" panose="02010609060101010101" pitchFamily="49" charset="-122"/>
-                <a:ea typeface="楷体" panose="02010609060101010101" pitchFamily="49" charset="-122"/>
-              </a:rPr>
-              <a:t>项目的主要工作内容</a:t>
-            </a:r>
-          </a:p>
-          <a:p>
-            <a:pPr lvl="1">
-              <a:spcBef>
-                <a:spcPts val="0"/>
-              </a:spcBef>
-            </a:pPr>
-            <a:r>
-              <a:rPr lang="zh-CN" altLang="en-US" sz="2000" dirty="0" smtClean="0">
-                <a:latin typeface="楷体" panose="02010609060101010101" pitchFamily="49" charset="-122"/>
-                <a:ea typeface="楷体" panose="02010609060101010101" pitchFamily="49" charset="-122"/>
-              </a:rPr>
-              <a:t>现行系统的调查情况</a:t>
-            </a:r>
-          </a:p>
-          <a:p>
-            <a:pPr lvl="1">
-              <a:spcBef>
-                <a:spcPts val="0"/>
-              </a:spcBef>
-            </a:pPr>
-            <a:r>
-              <a:rPr lang="zh-CN" altLang="en-US" sz="2000" dirty="0" smtClean="0">
-                <a:latin typeface="楷体" panose="02010609060101010101" pitchFamily="49" charset="-122"/>
-                <a:ea typeface="楷体" panose="02010609060101010101" pitchFamily="49" charset="-122"/>
-              </a:rPr>
-              <a:t>功能需求</a:t>
-            </a:r>
-            <a:endParaRPr lang="en-US" altLang="zh-CN" sz="2000" dirty="0" smtClean="0">
-              <a:latin typeface="楷体" panose="02010609060101010101" pitchFamily="49" charset="-122"/>
-              <a:ea typeface="楷体" panose="02010609060101010101" pitchFamily="49" charset="-122"/>
-            </a:endParaRPr>
-          </a:p>
-          <a:p>
-            <a:pPr lvl="1">
-              <a:spcBef>
-                <a:spcPts val="0"/>
-              </a:spcBef>
-            </a:pPr>
-            <a:r>
-              <a:rPr lang="zh-CN" altLang="en-US" sz="2000" dirty="0" smtClean="0">
-                <a:latin typeface="楷体" panose="02010609060101010101" pitchFamily="49" charset="-122"/>
-                <a:ea typeface="楷体" panose="02010609060101010101" pitchFamily="49" charset="-122"/>
-              </a:rPr>
-              <a:t>数据需求</a:t>
-            </a:r>
-            <a:endParaRPr lang="en-US" altLang="zh-CN" sz="2000" dirty="0" smtClean="0">
-              <a:latin typeface="楷体" panose="02010609060101010101" pitchFamily="49" charset="-122"/>
-              <a:ea typeface="楷体" panose="02010609060101010101" pitchFamily="49" charset="-122"/>
-            </a:endParaRPr>
-          </a:p>
-          <a:p>
-            <a:pPr lvl="1">
-              <a:spcBef>
-                <a:spcPts val="0"/>
-              </a:spcBef>
-            </a:pPr>
-            <a:r>
-              <a:rPr lang="zh-CN" altLang="en-US" sz="2000" dirty="0" smtClean="0">
-                <a:latin typeface="楷体" panose="02010609060101010101" pitchFamily="49" charset="-122"/>
-                <a:ea typeface="楷体" panose="02010609060101010101" pitchFamily="49" charset="-122"/>
-              </a:rPr>
-              <a:t>其他需求	</a:t>
-            </a:r>
-            <a:endParaRPr lang="en-US" altLang="zh-CN" sz="2000" dirty="0" smtClean="0">
-              <a:latin typeface="楷体" panose="02010609060101010101" pitchFamily="49" charset="-122"/>
-              <a:ea typeface="楷体" panose="02010609060101010101" pitchFamily="49" charset="-122"/>
-            </a:endParaRPr>
-          </a:p>
-          <a:p>
-            <a:pPr>
-              <a:spcBef>
-                <a:spcPts val="0"/>
-              </a:spcBef>
-            </a:pPr>
-            <a:r>
-              <a:rPr lang="zh-CN" altLang="en-US" sz="2000" dirty="0" smtClean="0"/>
-              <a:t>实施计划</a:t>
-            </a:r>
-          </a:p>
-          <a:p>
-            <a:pPr lvl="1">
-              <a:spcBef>
-                <a:spcPts val="0"/>
-              </a:spcBef>
-            </a:pPr>
-            <a:r>
-              <a:rPr lang="zh-CN" altLang="en-US" sz="2000" dirty="0" smtClean="0">
-                <a:latin typeface="楷体" panose="02010609060101010101" pitchFamily="49" charset="-122"/>
-                <a:ea typeface="楷体" panose="02010609060101010101" pitchFamily="49" charset="-122"/>
-              </a:rPr>
-              <a:t>工作任务的分解</a:t>
-            </a:r>
-          </a:p>
-          <a:p>
-            <a:pPr lvl="1">
-              <a:spcBef>
-                <a:spcPts val="0"/>
-              </a:spcBef>
-            </a:pPr>
-            <a:r>
-              <a:rPr lang="zh-CN" altLang="en-US" sz="2000" dirty="0" smtClean="0">
-                <a:latin typeface="楷体" panose="02010609060101010101" pitchFamily="49" charset="-122"/>
-                <a:ea typeface="楷体" panose="02010609060101010101" pitchFamily="49" charset="-122"/>
-              </a:rPr>
-              <a:t>进度</a:t>
-            </a:r>
-          </a:p>
-          <a:p>
-            <a:pPr lvl="1">
-              <a:spcBef>
-                <a:spcPts val="0"/>
-              </a:spcBef>
-            </a:pPr>
-            <a:r>
-              <a:rPr lang="zh-CN" altLang="en-US" sz="2000" dirty="0" smtClean="0">
-                <a:latin typeface="楷体" panose="02010609060101010101" pitchFamily="49" charset="-122"/>
-                <a:ea typeface="楷体" panose="02010609060101010101" pitchFamily="49" charset="-122"/>
-              </a:rPr>
-              <a:t>预算</a:t>
-            </a:r>
-          </a:p>
-          <a:p>
-            <a:pPr>
-              <a:spcBef>
-                <a:spcPts val="0"/>
-              </a:spcBef>
-            </a:pPr>
-            <a:endParaRPr lang="zh-CN" altLang="en-US" sz="2000" dirty="0" smtClean="0"/>
-          </a:p>
-        </p:txBody>
-      </p:sp>
-    </p:spTree>
-    <p:extLst>
-      <p:ext uri="{BB962C8B-B14F-4D97-AF65-F5344CB8AC3E}">
-        <p14:creationId xmlns:p14="http://schemas.microsoft.com/office/powerpoint/2010/main" val="2668517331"/>
-      </p:ext>
-    </p:extLst>
-  </p:cSld>
-  <p:clrMapOvr>
-    <a:masterClrMapping/>
-  </p:clrMapOvr>
-  <p:timing>
-    <p:tnLst>
-      <p:par>
-        <p:cTn id="1" dur="indefinite" restart="never" nodeType="tmRoot"/>
-      </p:par>
-    </p:tnLst>
-  </p:timing>
-</p:sld>
-</file>
-
-<file path=ppt/slides/slide32.xml><?xml version="1.0" encoding="utf-8"?>
-<p:sld xmlns:a="http://schemas.openxmlformats.org/drawingml/2006/main" xmlns:r="http://schemas.openxmlformats.org/officeDocument/2006/relationships" xmlns:p="http://schemas.openxmlformats.org/presentationml/2006/main">
-  <p:cSld>
-    <p:spTree>
-      <p:nvGrpSpPr>
-        <p:cNvPr id="1" name=""/>
-        <p:cNvGrpSpPr/>
-        <p:nvPr/>
-      </p:nvGrpSpPr>
-      <p:grpSpPr>
-        <a:xfrm>
-          <a:off x="0" y="0"/>
-          <a:ext cx="0" cy="0"/>
-          <a:chOff x="0" y="0"/>
-          <a:chExt cx="0" cy="0"/>
-        </a:xfrm>
-      </p:grpSpPr>
-      <p:sp>
-        <p:nvSpPr>
-          <p:cNvPr id="34818" name="Rectangle 2"/>
-          <p:cNvSpPr>
-            <a:spLocks noGrp="1" noChangeArrowheads="1"/>
-          </p:cNvSpPr>
-          <p:nvPr>
-            <p:ph type="title"/>
-          </p:nvPr>
-        </p:nvSpPr>
-        <p:spPr/>
-        <p:txBody>
-          <a:bodyPr/>
-          <a:lstStyle/>
-          <a:p>
             <a:pPr eaLnBrk="1" hangingPunct="1"/>
             <a:r>
-              <a:rPr lang="zh-CN" altLang="en-US" smtClean="0"/>
+              <a:rPr lang="zh-CN" altLang="en-US"/>
               <a:t>系统说明书的审议</a:t>
             </a:r>
           </a:p>
@@ -14141,23 +13705,23 @@
           <a:p>
             <a:pPr eaLnBrk="1" hangingPunct="1"/>
             <a:r>
-              <a:rPr lang="zh-CN" altLang="en-US" dirty="0" smtClean="0"/>
+              <a:rPr lang="zh-CN" altLang="en-US" dirty="0"/>
               <a:t>系统说明书经过审议后，成为下一阶段工作的依据。</a:t>
             </a:r>
-            <a:endParaRPr lang="en-US" altLang="zh-CN" dirty="0" smtClean="0"/>
+            <a:endParaRPr lang="en-US" altLang="zh-CN" dirty="0"/>
           </a:p>
           <a:p>
             <a:pPr eaLnBrk="1" hangingPunct="1"/>
             <a:r>
-              <a:rPr lang="zh-CN" altLang="en-US" dirty="0" smtClean="0"/>
+              <a:rPr lang="zh-CN" altLang="en-US" dirty="0"/>
               <a:t>系统说明书应该具备以下品质：</a:t>
             </a:r>
-            <a:endParaRPr lang="en-US" altLang="zh-CN" dirty="0" smtClean="0"/>
+            <a:endParaRPr lang="en-US" altLang="zh-CN" dirty="0"/>
           </a:p>
           <a:p>
             <a:pPr lvl="1" eaLnBrk="1" hangingPunct="1"/>
             <a:r>
-              <a:rPr lang="zh-CN" altLang="en-US" dirty="0" smtClean="0">
+              <a:rPr lang="zh-CN" altLang="en-US" dirty="0">
                 <a:latin typeface="楷体" panose="02010609060101010101" pitchFamily="49" charset="-122"/>
                 <a:ea typeface="楷体" panose="02010609060101010101" pitchFamily="49" charset="-122"/>
               </a:rPr>
@@ -14167,13 +13731,13 @@
           <a:p>
             <a:pPr lvl="1" eaLnBrk="1" hangingPunct="1"/>
             <a:r>
-              <a:rPr lang="zh-CN" altLang="en-US" dirty="0" smtClean="0">
+              <a:rPr lang="zh-CN" altLang="en-US" dirty="0">
                 <a:latin typeface="楷体" panose="02010609060101010101" pitchFamily="49" charset="-122"/>
                 <a:ea typeface="楷体" panose="02010609060101010101" pitchFamily="49" charset="-122"/>
               </a:rPr>
               <a:t>完整性</a:t>
             </a:r>
-            <a:endParaRPr lang="en-US" altLang="zh-CN" dirty="0" smtClean="0">
+            <a:endParaRPr lang="en-US" altLang="zh-CN" dirty="0">
               <a:latin typeface="楷体" panose="02010609060101010101" pitchFamily="49" charset="-122"/>
               <a:ea typeface="楷体" panose="02010609060101010101" pitchFamily="49" charset="-122"/>
             </a:endParaRPr>
@@ -14181,13 +13745,13 @@
           <a:p>
             <a:pPr lvl="1" eaLnBrk="1" hangingPunct="1"/>
             <a:r>
-              <a:rPr lang="zh-CN" altLang="en-US" dirty="0" smtClean="0">
+              <a:rPr lang="zh-CN" altLang="en-US" dirty="0">
                 <a:latin typeface="楷体" panose="02010609060101010101" pitchFamily="49" charset="-122"/>
                 <a:ea typeface="楷体" panose="02010609060101010101" pitchFamily="49" charset="-122"/>
               </a:rPr>
               <a:t>一致性</a:t>
             </a:r>
-            <a:endParaRPr lang="en-US" altLang="zh-CN" dirty="0" smtClean="0">
+            <a:endParaRPr lang="en-US" altLang="zh-CN" dirty="0">
               <a:latin typeface="楷体" panose="02010609060101010101" pitchFamily="49" charset="-122"/>
               <a:ea typeface="楷体" panose="02010609060101010101" pitchFamily="49" charset="-122"/>
             </a:endParaRPr>
@@ -14195,13 +13759,13 @@
           <a:p>
             <a:pPr lvl="1" eaLnBrk="1" hangingPunct="1"/>
             <a:r>
-              <a:rPr lang="zh-CN" altLang="en-US" dirty="0" smtClean="0">
+              <a:rPr lang="zh-CN" altLang="en-US" dirty="0">
                 <a:latin typeface="楷体" panose="02010609060101010101" pitchFamily="49" charset="-122"/>
                 <a:ea typeface="楷体" panose="02010609060101010101" pitchFamily="49" charset="-122"/>
               </a:rPr>
               <a:t>无二义性</a:t>
             </a:r>
-            <a:endParaRPr lang="en-US" altLang="zh-CN" dirty="0" smtClean="0">
+            <a:endParaRPr lang="en-US" altLang="zh-CN" dirty="0">
               <a:latin typeface="楷体" panose="02010609060101010101" pitchFamily="49" charset="-122"/>
               <a:ea typeface="楷体" panose="02010609060101010101" pitchFamily="49" charset="-122"/>
             </a:endParaRPr>
@@ -14209,13 +13773,13 @@
           <a:p>
             <a:pPr lvl="1" eaLnBrk="1" hangingPunct="1"/>
             <a:r>
-              <a:rPr lang="zh-CN" altLang="en-US" dirty="0" smtClean="0">
+              <a:rPr lang="zh-CN" altLang="en-US" dirty="0">
                 <a:latin typeface="楷体" panose="02010609060101010101" pitchFamily="49" charset="-122"/>
                 <a:ea typeface="楷体" panose="02010609060101010101" pitchFamily="49" charset="-122"/>
               </a:rPr>
               <a:t>可修改性</a:t>
             </a:r>
-            <a:endParaRPr lang="en-US" altLang="zh-CN" dirty="0" smtClean="0">
+            <a:endParaRPr lang="en-US" altLang="zh-CN" dirty="0">
               <a:latin typeface="楷体" panose="02010609060101010101" pitchFamily="49" charset="-122"/>
               <a:ea typeface="楷体" panose="02010609060101010101" pitchFamily="49" charset="-122"/>
             </a:endParaRPr>
@@ -14223,13 +13787,13 @@
           <a:p>
             <a:pPr lvl="1" eaLnBrk="1" hangingPunct="1"/>
             <a:r>
-              <a:rPr lang="zh-CN" altLang="en-US" dirty="0" smtClean="0">
+              <a:rPr lang="zh-CN" altLang="en-US" dirty="0">
                 <a:latin typeface="楷体" panose="02010609060101010101" pitchFamily="49" charset="-122"/>
                 <a:ea typeface="楷体" panose="02010609060101010101" pitchFamily="49" charset="-122"/>
               </a:rPr>
               <a:t>可跟踪性</a:t>
             </a:r>
-            <a:endParaRPr lang="en-US" altLang="zh-CN" dirty="0" smtClean="0">
+            <a:endParaRPr lang="en-US" altLang="zh-CN" dirty="0">
               <a:latin typeface="楷体" panose="02010609060101010101" pitchFamily="49" charset="-122"/>
               <a:ea typeface="楷体" panose="02010609060101010101" pitchFamily="49" charset="-122"/>
             </a:endParaRPr>
@@ -14237,7 +13801,7 @@
           <a:p>
             <a:pPr eaLnBrk="1" hangingPunct="1"/>
             <a:r>
-              <a:rPr lang="zh-CN" altLang="en-US" dirty="0" smtClean="0"/>
+              <a:rPr lang="zh-CN" altLang="en-US" dirty="0"/>
               <a:t>审议由项目技术人员、企业管理人员、专家等共同完成。</a:t>
             </a:r>
           </a:p>
@@ -14253,13 +13817,6 @@
   <p:clrMapOvr>
     <a:masterClrMapping/>
   </p:clrMapOvr>
-  <p:timing>
-    <p:tnLst>
-      <p:par>
-        <p:cTn id="1" dur="indefinite" restart="never" nodeType="tmRoot"/>
-      </p:par>
-    </p:tnLst>
-  </p:timing>
 </p:sld>
 </file>
 
@@ -14309,7 +13866,6 @@
               <a:rPr lang="zh-CN" altLang="en-US" dirty="0"/>
               <a:t>、系统分析的困难</a:t>
             </a:r>
-            <a:endParaRPr lang="zh-CN" altLang="en-US" dirty="0"/>
           </a:p>
         </p:txBody>
       </p:sp>
@@ -14421,34 +13977,14 @@
               </a:lnSpc>
             </a:pPr>
             <a:r>
-              <a:rPr lang="zh-CN" altLang="en-US" sz="2400" dirty="0" smtClean="0">
+              <a:rPr lang="zh-CN" altLang="en-US" sz="2400" dirty="0">
                 <a:solidFill>
                   <a:schemeClr val="tx1"/>
                 </a:solidFill>
                 <a:latin typeface="楷体" panose="02010609060101010101" pitchFamily="49" charset="-122"/>
                 <a:ea typeface="楷体" panose="02010609060101010101" pitchFamily="49" charset="-122"/>
               </a:rPr>
-              <a:t>问题</a:t>
-            </a:r>
-            <a:r>
-              <a:rPr lang="zh-CN" altLang="en-US" sz="2400" dirty="0">
-                <a:solidFill>
-                  <a:schemeClr val="tx1"/>
-                </a:solidFill>
-                <a:latin typeface="楷体" panose="02010609060101010101" pitchFamily="49" charset="-122"/>
-                <a:ea typeface="楷体" panose="02010609060101010101" pitchFamily="49" charset="-122"/>
-              </a:rPr>
-              <a:t>领域</a:t>
-            </a:r>
-            <a:r>
-              <a:rPr lang="zh-CN" altLang="en-US" sz="2400" dirty="0" smtClean="0">
-                <a:solidFill>
-                  <a:schemeClr val="tx1"/>
-                </a:solidFill>
-                <a:latin typeface="楷体" panose="02010609060101010101" pitchFamily="49" charset="-122"/>
-                <a:ea typeface="楷体" panose="02010609060101010101" pitchFamily="49" charset="-122"/>
-              </a:rPr>
-              <a:t>（</a:t>
+              <a:t>问题领域（</a:t>
             </a:r>
             <a:r>
               <a:rPr lang="en-US" altLang="zh-CN" sz="2400" dirty="0">
@@ -14485,19 +14021,9 @@
                 <a:latin typeface="楷体" panose="02010609060101010101" pitchFamily="49" charset="-122"/>
                 <a:ea typeface="楷体" panose="02010609060101010101" pitchFamily="49" charset="-122"/>
               </a:rPr>
-              <a:t>人与人之间</a:t>
-            </a:r>
-            <a:r>
-              <a:rPr lang="zh-CN" altLang="en-US" sz="2400" dirty="0" smtClean="0">
-                <a:solidFill>
-                  <a:schemeClr val="tx1"/>
-                </a:solidFill>
-                <a:latin typeface="楷体" panose="02010609060101010101" pitchFamily="49" charset="-122"/>
-                <a:ea typeface="楷体" panose="02010609060101010101" pitchFamily="49" charset="-122"/>
-              </a:rPr>
-              <a:t>的沟通</a:t>
-            </a:r>
-            <a:endParaRPr lang="en-US" altLang="zh-CN" sz="2400" dirty="0" smtClean="0">
+              <a:t>人与人之间的沟通</a:t>
+            </a:r>
+            <a:endParaRPr lang="en-US" altLang="zh-CN" sz="2400" dirty="0">
               <a:solidFill>
                 <a:schemeClr val="tx1"/>
               </a:solidFill>
@@ -14512,24 +14038,14 @@
               </a:lnSpc>
             </a:pPr>
             <a:r>
-              <a:rPr lang="zh-CN" altLang="en-US" sz="2400" dirty="0" smtClean="0">
+              <a:rPr lang="zh-CN" altLang="en-US" sz="2400" dirty="0">
                 <a:solidFill>
                   <a:schemeClr val="tx1"/>
                 </a:solidFill>
                 <a:latin typeface="楷体" panose="02010609060101010101" pitchFamily="49" charset="-122"/>
                 <a:ea typeface="楷体" panose="02010609060101010101" pitchFamily="49" charset="-122"/>
               </a:rPr>
-              <a:t>环境</a:t>
-            </a:r>
-            <a:r>
-              <a:rPr lang="zh-CN" altLang="en-US" sz="2400" dirty="0">
-                <a:solidFill>
-                  <a:schemeClr val="tx1"/>
-                </a:solidFill>
-                <a:latin typeface="楷体" panose="02010609060101010101" pitchFamily="49" charset="-122"/>
-                <a:ea typeface="楷体" panose="02010609060101010101" pitchFamily="49" charset="-122"/>
-              </a:rPr>
-              <a:t>的不断变化</a:t>
+              <a:t>环境的不断变化</a:t>
             </a:r>
           </a:p>
           <a:p>
@@ -14605,7 +14121,6 @@
               <a:rPr lang="zh-CN" altLang="en-US" dirty="0"/>
               <a:t>、系统分析师</a:t>
             </a:r>
-            <a:endParaRPr lang="zh-CN" altLang="en-US" dirty="0"/>
           </a:p>
         </p:txBody>
       </p:sp>
@@ -14662,20 +14177,12 @@
               <a:t>SA</a:t>
             </a:r>
             <a:r>
-              <a:rPr lang="zh-CN" altLang="en-US" sz="2000" dirty="0" smtClean="0">
+              <a:rPr lang="zh-CN" altLang="en-US" sz="2000" dirty="0">
                 <a:solidFill>
                   <a:schemeClr val="tx1"/>
                 </a:solidFill>
               </a:rPr>
-              <a:t>。任务</a:t>
-            </a:r>
-            <a:r>
-              <a:rPr lang="zh-CN" altLang="en-US" sz="2000" dirty="0">
-                <a:solidFill>
-                  <a:schemeClr val="tx1"/>
-                </a:solidFill>
-              </a:rPr>
-              <a:t>包括：</a:t>
+              <a:t>。任务包括：</a:t>
             </a:r>
           </a:p>
           <a:p>
@@ -14747,17 +14254,7 @@
                 <a:latin typeface="楷体" panose="02010609060101010101" pitchFamily="49" charset="-122"/>
                 <a:ea typeface="楷体" panose="02010609060101010101" pitchFamily="49" charset="-122"/>
               </a:rPr>
-              <a:t>根据企业目标和技术发展动向，结合业务模型建立完善的</a:t>
-            </a:r>
-            <a:r>
-              <a:rPr lang="zh-CN" altLang="en-US" sz="2000" dirty="0">
-                <a:solidFill>
-                  <a:schemeClr val="tx1"/>
-                </a:solidFill>
-                <a:latin typeface="楷体" panose="02010609060101010101" pitchFamily="49" charset="-122"/>
-                <a:ea typeface="楷体" panose="02010609060101010101" pitchFamily="49" charset="-122"/>
-              </a:rPr>
-              <a:t>信息系统逻辑模型。</a:t>
+              <a:t>根据企业目标和技术发展动向，结合业务模型建立完善的信息系统逻辑模型。</a:t>
             </a:r>
           </a:p>
           <a:p>
@@ -14838,14 +14335,9 @@
           <a:lstStyle/>
           <a:p>
             <a:r>
-              <a:rPr lang="zh-CN" altLang="en-US" dirty="0" smtClean="0"/>
-              <a:t>系统分析</a:t>
-            </a:r>
-            <a:r>
               <a:rPr lang="zh-CN" altLang="en-US" dirty="0"/>
-              <a:t>师</a:t>
-            </a:r>
-            <a:endParaRPr lang="zh-CN" altLang="en-US" dirty="0"/>
+              <a:t>系统分析师</a:t>
+            </a:r>
           </a:p>
         </p:txBody>
       </p:sp>
@@ -14883,23 +14375,7 @@
                   <a:schemeClr val="tx1"/>
                 </a:solidFill>
               </a:rPr>
-              <a:t>应</a:t>
-            </a:r>
-            <a:r>
-              <a:rPr lang="zh-CN" altLang="en-US" sz="2400" dirty="0" smtClean="0">
-                <a:solidFill>
-                  <a:schemeClr val="tx1"/>
-                </a:solidFill>
-              </a:rPr>
-              <a:t>具备</a:t>
-            </a:r>
-            <a:r>
-              <a:rPr lang="zh-CN" altLang="en-US" sz="2400" dirty="0">
-                <a:solidFill>
-                  <a:schemeClr val="tx1"/>
-                </a:solidFill>
-              </a:rPr>
-              <a:t>的素质：</a:t>
+              <a:t>应具备的素质：</a:t>
             </a:r>
           </a:p>
           <a:p>
@@ -15008,14 +14484,9 @@
           <a:lstStyle/>
           <a:p>
             <a:r>
-              <a:rPr lang="zh-CN" altLang="en-US" dirty="0" smtClean="0"/>
-              <a:t>系统分析</a:t>
-            </a:r>
-            <a:r>
               <a:rPr lang="zh-CN" altLang="en-US" dirty="0"/>
-              <a:t>师</a:t>
-            </a:r>
-            <a:endParaRPr lang="zh-CN" altLang="en-US" dirty="0"/>
+              <a:t>系统分析师要成为业务专家</a:t>
+            </a:r>
           </a:p>
         </p:txBody>
       </p:sp>
@@ -15053,83 +14524,45 @@
                   <a:schemeClr val="tx1"/>
                 </a:solidFill>
               </a:rPr>
-              <a:t>应</a:t>
-            </a:r>
-            <a:r>
-              <a:rPr lang="zh-CN" altLang="en-US" sz="2400" dirty="0" smtClean="0">
+              <a:t>才能与用户交流顺畅，充分理解用户的要求。</a:t>
+            </a:r>
+          </a:p>
+          <a:p>
+            <a:r>
+              <a:rPr lang="zh-CN" altLang="en-US" sz="2400" dirty="0">
                 <a:solidFill>
                   <a:schemeClr val="tx1"/>
                 </a:solidFill>
               </a:rPr>
-              <a:t>具备</a:t>
-            </a:r>
+              <a:t>才能确保系统满足了业务需求，甚至用更好的方法来解决业务需求。</a:t>
+            </a:r>
+          </a:p>
+          <a:p>
             <a:r>
               <a:rPr lang="zh-CN" altLang="en-US" sz="2400" dirty="0">
                 <a:solidFill>
                   <a:schemeClr val="tx1"/>
                 </a:solidFill>
               </a:rPr>
-              <a:t>的素质：</a:t>
-            </a:r>
-          </a:p>
-          <a:p>
-            <a:pPr lvl="1"/>
-            <a:r>
-              <a:rPr lang="zh-CN" altLang="en-US" sz="2400" dirty="0">
-                <a:solidFill>
-                  <a:schemeClr val="tx1"/>
-                </a:solidFill>
-                <a:latin typeface="楷体" panose="02010609060101010101" pitchFamily="49" charset="-122"/>
-                <a:ea typeface="楷体" panose="02010609060101010101" pitchFamily="49" charset="-122"/>
-              </a:rPr>
-              <a:t>具备坚实的信息系统知识，了解信息技术的发展，懂得管理科学的知识</a:t>
-            </a:r>
-          </a:p>
-          <a:p>
-            <a:pPr lvl="1"/>
-            <a:r>
-              <a:rPr lang="zh-CN" altLang="en-US" sz="2400" dirty="0">
-                <a:solidFill>
-                  <a:schemeClr val="tx1"/>
-                </a:solidFill>
-                <a:latin typeface="楷体" panose="02010609060101010101" pitchFamily="49" charset="-122"/>
-                <a:ea typeface="楷体" panose="02010609060101010101" pitchFamily="49" charset="-122"/>
-              </a:rPr>
-              <a:t>应有较强的系统观点和较好的逻辑分析能力，能够透过现象看到问题本质，从复杂的事物中抽象出系统模型。</a:t>
-            </a:r>
-          </a:p>
-          <a:p>
-            <a:pPr lvl="1"/>
-            <a:r>
-              <a:rPr lang="zh-CN" altLang="en-US" sz="2400" dirty="0">
-                <a:solidFill>
-                  <a:schemeClr val="tx1"/>
-                </a:solidFill>
-                <a:latin typeface="楷体" panose="02010609060101010101" pitchFamily="49" charset="-122"/>
-                <a:ea typeface="楷体" panose="02010609060101010101" pitchFamily="49" charset="-122"/>
-              </a:rPr>
-              <a:t>具有突出的批判性思维和创新思维，善于接受新鲜事物，从经验积累中进行改革和创新。</a:t>
-            </a:r>
-          </a:p>
-          <a:p>
-            <a:pPr lvl="1"/>
-            <a:r>
-              <a:rPr lang="zh-CN" altLang="en-US" sz="2400" dirty="0">
-                <a:solidFill>
-                  <a:schemeClr val="tx1"/>
-                </a:solidFill>
-                <a:latin typeface="楷体" panose="02010609060101010101" pitchFamily="49" charset="-122"/>
-                <a:ea typeface="楷体" panose="02010609060101010101" pitchFamily="49" charset="-122"/>
-              </a:rPr>
-              <a:t>还应具备较好的口头和书面表达能力，谈判和协商的能力，较强的组织能力，善于与人共事。 </a:t>
-            </a:r>
+              <a:t>在用户中建立可信度，用户才可能接受你的建议。</a:t>
+            </a:r>
+          </a:p>
+          <a:p>
+            <a:pPr marL="0" indent="0">
+              <a:buNone/>
+            </a:pPr>
+            <a:endParaRPr lang="zh-CN" altLang="en-US" sz="2400" dirty="0">
+              <a:solidFill>
+                <a:schemeClr val="tx1"/>
+              </a:solidFill>
+            </a:endParaRPr>
           </a:p>
         </p:txBody>
       </p:sp>
     </p:spTree>
     <p:extLst>
       <p:ext uri="{BB962C8B-B14F-4D97-AF65-F5344CB8AC3E}">
-        <p14:creationId xmlns:p14="http://schemas.microsoft.com/office/powerpoint/2010/main" val="2925911396"/>
+        <p14:creationId xmlns:p14="http://schemas.microsoft.com/office/powerpoint/2010/main" val="3841835442"/>
       </p:ext>
     </p:extLst>
   </p:cSld>
@@ -15178,10 +14611,13 @@
           <a:lstStyle/>
           <a:p>
             <a:r>
+              <a:rPr lang="en-US" altLang="zh-CN" dirty="0"/>
+              <a:t>3</a:t>
+            </a:r>
+            <a:r>
               <a:rPr lang="zh-CN" altLang="en-US" dirty="0"/>
-              <a:t>系统分析师要成为业务专家</a:t>
-            </a:r>
-            <a:endParaRPr lang="zh-CN" altLang="en-US" dirty="0"/>
+              <a:t>、系统分析的内容</a:t>
+            </a:r>
           </a:p>
         </p:txBody>
       </p:sp>
@@ -15213,51 +14649,204 @@
           </a:bodyPr>
           <a:lstStyle/>
           <a:p>
+            <a:pPr>
+              <a:spcBef>
+                <a:spcPts val="0"/>
+              </a:spcBef>
+            </a:pPr>
             <a:r>
               <a:rPr lang="zh-CN" altLang="en-US" sz="2400" dirty="0">
                 <a:solidFill>
                   <a:schemeClr val="tx1"/>
                 </a:solidFill>
               </a:rPr>
-              <a:t>才能与用户交流顺畅，充分理解用户的要求。</a:t>
-            </a:r>
-          </a:p>
-          <a:p>
+              <a:t>识别利用</a:t>
+            </a:r>
+            <a:r>
+              <a:rPr lang="en-US" altLang="zh-CN" sz="2400" dirty="0">
+                <a:solidFill>
+                  <a:schemeClr val="tx1"/>
+                </a:solidFill>
+              </a:rPr>
+              <a:t>IT</a:t>
+            </a:r>
             <a:r>
               <a:rPr lang="zh-CN" altLang="en-US" sz="2400" dirty="0">
                 <a:solidFill>
                   <a:schemeClr val="tx1"/>
                 </a:solidFill>
               </a:rPr>
-              <a:t>才能确保系统满足了业务需求，甚至用更好的方法来解决业务需求。</a:t>
-            </a:r>
-          </a:p>
-          <a:p>
+              <a:t>实现组织变革的机会</a:t>
+            </a:r>
+          </a:p>
+          <a:p>
+            <a:pPr>
+              <a:spcBef>
+                <a:spcPts val="0"/>
+              </a:spcBef>
+            </a:pPr>
             <a:r>
               <a:rPr lang="zh-CN" altLang="en-US" sz="2400" dirty="0">
                 <a:solidFill>
                   <a:schemeClr val="tx1"/>
                 </a:solidFill>
               </a:rPr>
-              <a:t>在用户中建立可信度，用户才可能接受你的建议。</a:t>
-            </a:r>
-          </a:p>
-          <a:p>
-            <a:pPr marL="0" indent="0">
-              <a:buNone/>
-            </a:pPr>
-            <a:endParaRPr lang="zh-CN" altLang="en-US" sz="2400" dirty="0">
-              <a:solidFill>
-                <a:schemeClr val="tx1"/>
-              </a:solidFill>
-            </a:endParaRPr>
+              <a:t>企业流程管理，业务流程改善</a:t>
+            </a:r>
+          </a:p>
+          <a:p>
+            <a:pPr>
+              <a:spcBef>
+                <a:spcPts val="0"/>
+              </a:spcBef>
+            </a:pPr>
+            <a:r>
+              <a:rPr lang="zh-CN" altLang="en-US" sz="2400" dirty="0">
+                <a:solidFill>
+                  <a:schemeClr val="tx1"/>
+                </a:solidFill>
+              </a:rPr>
+              <a:t>企业需求分析</a:t>
+            </a:r>
+          </a:p>
+          <a:p>
+            <a:pPr lvl="1">
+              <a:spcBef>
+                <a:spcPts val="0"/>
+              </a:spcBef>
+            </a:pPr>
+            <a:r>
+              <a:rPr lang="zh-CN" altLang="en-US" sz="2400" dirty="0">
+                <a:solidFill>
+                  <a:schemeClr val="tx1"/>
+                </a:solidFill>
+                <a:latin typeface="楷体" panose="02010609060101010101" pitchFamily="49" charset="-122"/>
+                <a:ea typeface="楷体" panose="02010609060101010101" pitchFamily="49" charset="-122"/>
+              </a:rPr>
+              <a:t>企业管理模型</a:t>
+            </a:r>
+          </a:p>
+          <a:p>
+            <a:pPr lvl="1">
+              <a:spcBef>
+                <a:spcPts val="0"/>
+              </a:spcBef>
+            </a:pPr>
+            <a:r>
+              <a:rPr lang="zh-CN" altLang="en-US" sz="2400" dirty="0">
+                <a:solidFill>
+                  <a:schemeClr val="tx1"/>
+                </a:solidFill>
+                <a:latin typeface="楷体" panose="02010609060101010101" pitchFamily="49" charset="-122"/>
+                <a:ea typeface="楷体" panose="02010609060101010101" pitchFamily="49" charset="-122"/>
+              </a:rPr>
+              <a:t>信息需求</a:t>
+            </a:r>
+          </a:p>
+          <a:p>
+            <a:pPr>
+              <a:spcBef>
+                <a:spcPts val="0"/>
+              </a:spcBef>
+            </a:pPr>
+            <a:r>
+              <a:rPr lang="zh-CN" altLang="en-US" sz="2400" dirty="0">
+                <a:solidFill>
+                  <a:schemeClr val="tx1"/>
+                </a:solidFill>
+              </a:rPr>
+              <a:t>信息系统需求分析和规格说明</a:t>
+            </a:r>
+          </a:p>
+          <a:p>
+            <a:pPr lvl="1">
+              <a:spcBef>
+                <a:spcPts val="0"/>
+              </a:spcBef>
+            </a:pPr>
+            <a:r>
+              <a:rPr lang="zh-CN" altLang="en-US" sz="2400" dirty="0">
+                <a:solidFill>
+                  <a:schemeClr val="tx1"/>
+                </a:solidFill>
+                <a:latin typeface="楷体" panose="02010609060101010101" pitchFamily="49" charset="-122"/>
+                <a:ea typeface="楷体" panose="02010609060101010101" pitchFamily="49" charset="-122"/>
+              </a:rPr>
+              <a:t>需求采集、需求识别、需求表示、需求沟通</a:t>
+            </a:r>
+          </a:p>
+          <a:p>
+            <a:pPr lvl="1">
+              <a:spcBef>
+                <a:spcPts val="0"/>
+              </a:spcBef>
+            </a:pPr>
+            <a:r>
+              <a:rPr lang="zh-CN" altLang="en-US" sz="2400" dirty="0">
+                <a:solidFill>
+                  <a:schemeClr val="tx1"/>
+                </a:solidFill>
+                <a:latin typeface="楷体" panose="02010609060101010101" pitchFamily="49" charset="-122"/>
+                <a:ea typeface="楷体" panose="02010609060101010101" pitchFamily="49" charset="-122"/>
+              </a:rPr>
+              <a:t>系统数据需求、用户体验分析、用户界面需求</a:t>
+            </a:r>
+          </a:p>
+          <a:p>
+            <a:pPr lvl="1">
+              <a:spcBef>
+                <a:spcPts val="0"/>
+              </a:spcBef>
+            </a:pPr>
+            <a:r>
+              <a:rPr lang="zh-CN" altLang="en-US" sz="2400" dirty="0">
+                <a:solidFill>
+                  <a:schemeClr val="tx1"/>
+                </a:solidFill>
+                <a:latin typeface="楷体" panose="02010609060101010101" pitchFamily="49" charset="-122"/>
+                <a:ea typeface="楷体" panose="02010609060101010101" pitchFamily="49" charset="-122"/>
+              </a:rPr>
+              <a:t>影响安全性的因素、对伦理道德的考虑</a:t>
+            </a:r>
+          </a:p>
+          <a:p>
+            <a:pPr lvl="1">
+              <a:spcBef>
+                <a:spcPts val="0"/>
+              </a:spcBef>
+            </a:pPr>
+            <a:r>
+              <a:rPr lang="zh-CN" altLang="en-US" sz="2400" b="1" dirty="0">
+                <a:solidFill>
+                  <a:srgbClr val="FF0000"/>
+                </a:solidFill>
+                <a:latin typeface="楷体" panose="02010609060101010101" pitchFamily="49" charset="-122"/>
+                <a:ea typeface="楷体" panose="02010609060101010101" pitchFamily="49" charset="-122"/>
+              </a:rPr>
+              <a:t>需求规格说明书</a:t>
+            </a:r>
+          </a:p>
+          <a:p>
+            <a:pPr>
+              <a:spcBef>
+                <a:spcPts val="0"/>
+              </a:spcBef>
+            </a:pPr>
+            <a:r>
+              <a:rPr lang="zh-CN" altLang="en-US" sz="2400" dirty="0">
+                <a:solidFill>
+                  <a:schemeClr val="tx1"/>
+                </a:solidFill>
+              </a:rPr>
+              <a:t>信息系统开发方式的抉择</a:t>
+            </a:r>
           </a:p>
         </p:txBody>
       </p:sp>
     </p:spTree>
     <p:extLst>
       <p:ext uri="{BB962C8B-B14F-4D97-AF65-F5344CB8AC3E}">
-        <p14:creationId xmlns:p14="http://schemas.microsoft.com/office/powerpoint/2010/main" val="3841835442"/>
+        <p14:creationId xmlns:p14="http://schemas.microsoft.com/office/powerpoint/2010/main" val="3615093804"/>
       </p:ext>
     </p:extLst>
   </p:cSld>
@@ -15307,13 +14896,12 @@
           <a:p>
             <a:r>
               <a:rPr lang="en-US" altLang="zh-CN" dirty="0"/>
-              <a:t>3</a:t>
+              <a:t>5.2 </a:t>
             </a:r>
             <a:r>
               <a:rPr lang="zh-CN" altLang="en-US" dirty="0"/>
-              <a:t>、系统分析的内容</a:t>
-            </a:r>
-            <a:endParaRPr lang="zh-CN" altLang="en-US" dirty="0"/>
+              <a:t>系统分析的过程和方法</a:t>
+            </a:r>
           </a:p>
         </p:txBody>
       </p:sp>
@@ -15351,28 +14939,12 @@
               </a:spcBef>
             </a:pPr>
             <a:r>
-              <a:rPr lang="zh-CN" altLang="en-US" sz="2400" dirty="0">
+              <a:rPr lang="zh-CN" altLang="en-US" dirty="0">
                 <a:solidFill>
                   <a:schemeClr val="tx1"/>
                 </a:solidFill>
               </a:rPr>
-              <a:t>识别利用</a:t>
-            </a:r>
-            <a:r>
-              <a:rPr lang="en-US" altLang="zh-CN" sz="2400" dirty="0">
-                <a:solidFill>
-                  <a:schemeClr val="tx1"/>
-                </a:solidFill>
-              </a:rPr>
-              <a:t>IT</a:t>
-            </a:r>
-            <a:r>
-              <a:rPr lang="zh-CN" altLang="en-US" sz="2400" dirty="0">
-                <a:solidFill>
-                  <a:schemeClr val="tx1"/>
-                </a:solidFill>
-              </a:rPr>
-              <a:t>实现组织变革的机会</a:t>
+              <a:t>分析的重要任务是识别和表达需求，建立系统的逻辑模型。</a:t>
             </a:r>
           </a:p>
           <a:p>
@@ -15382,27 +14954,12 @@
               </a:spcBef>
             </a:pPr>
             <a:r>
-              <a:rPr lang="zh-CN" altLang="en-US" sz="2400" dirty="0">
+              <a:rPr lang="zh-CN" altLang="en-US" dirty="0">
                 <a:solidFill>
                   <a:schemeClr val="tx1"/>
                 </a:solidFill>
               </a:rPr>
-              <a:t>企业流程管理，业务流程改善</a:t>
-            </a:r>
-          </a:p>
-          <a:p>
-            <a:pPr>
-              <a:spcBef>
-                <a:spcPts val="0"/>
-              </a:spcBef>
-            </a:pPr>
-            <a:r>
-              <a:rPr lang="zh-CN" altLang="en-US" sz="2400" dirty="0">
-                <a:solidFill>
-                  <a:schemeClr val="tx1"/>
-                </a:solidFill>
-              </a:rPr>
-              <a:t>企业需求分析</a:t>
+              <a:t>要解决以下问题：</a:t>
             </a:r>
           </a:p>
           <a:p>
@@ -15412,14 +14969,14 @@
               </a:spcBef>
             </a:pPr>
             <a:r>
-              <a:rPr lang="zh-CN" altLang="en-US" sz="2400" dirty="0">
+              <a:rPr lang="zh-CN" altLang="en-US" dirty="0">
                 <a:solidFill>
                   <a:schemeClr val="tx1"/>
                 </a:solidFill>
                 <a:latin typeface="楷体" panose="02010609060101010101" pitchFamily="49" charset="-122"/>
                 <a:ea typeface="楷体" panose="02010609060101010101" pitchFamily="49" charset="-122"/>
               </a:rPr>
-              <a:t>企业管理模型</a:t>
+              <a:t>如何采集信息、理解和分析问题？</a:t>
             </a:r>
           </a:p>
           <a:p>
@@ -15429,29 +14986,14 @@
               </a:spcBef>
             </a:pPr>
             <a:r>
-              <a:rPr lang="zh-CN" altLang="en-US" sz="2400" dirty="0">
+              <a:rPr lang="zh-CN" altLang="en-US" dirty="0">
                 <a:solidFill>
                   <a:schemeClr val="tx1"/>
                 </a:solidFill>
                 <a:latin typeface="楷体" panose="02010609060101010101" pitchFamily="49" charset="-122"/>
                 <a:ea typeface="楷体" panose="02010609060101010101" pitchFamily="49" charset="-122"/>
               </a:rPr>
-              <a:t>信息需求</a:t>
-            </a:r>
-          </a:p>
-          <a:p>
-            <a:pPr>
-              <a:spcBef>
-                <a:spcPts val="0"/>
-              </a:spcBef>
-            </a:pPr>
-            <a:r>
-              <a:rPr lang="zh-CN" altLang="en-US" sz="2400" dirty="0">
-                <a:solidFill>
-                  <a:schemeClr val="tx1"/>
-                </a:solidFill>
-              </a:rPr>
-              <a:t>信息系统需求分析和规格说明</a:t>
+              <a:t>如何进行需求分析、确定需求？</a:t>
             </a:r>
           </a:p>
           <a:p>
@@ -15461,80 +15003,14 @@
               </a:spcBef>
             </a:pPr>
             <a:r>
-              <a:rPr lang="zh-CN" altLang="en-US" sz="2400" dirty="0">
+              <a:rPr lang="zh-CN" altLang="en-US" dirty="0">
                 <a:solidFill>
                   <a:schemeClr val="tx1"/>
                 </a:solidFill>
                 <a:latin typeface="楷体" panose="02010609060101010101" pitchFamily="49" charset="-122"/>
                 <a:ea typeface="楷体" panose="02010609060101010101" pitchFamily="49" charset="-122"/>
               </a:rPr>
-              <a:t>需求采集、需求识别、需求表示、需求沟通</a:t>
-            </a:r>
-          </a:p>
-          <a:p>
-            <a:pPr lvl="1">
-              <a:spcBef>
-                <a:spcPts val="0"/>
-              </a:spcBef>
-            </a:pPr>
-            <a:r>
-              <a:rPr lang="zh-CN" altLang="en-US" sz="2400" dirty="0">
-                <a:solidFill>
-                  <a:schemeClr val="tx1"/>
-                </a:solidFill>
-                <a:latin typeface="楷体" panose="02010609060101010101" pitchFamily="49" charset="-122"/>
-                <a:ea typeface="楷体" panose="02010609060101010101" pitchFamily="49" charset="-122"/>
-              </a:rPr>
-              <a:t>系统数据需求、用户体验分析、用户界面需求</a:t>
-            </a:r>
-          </a:p>
-          <a:p>
-            <a:pPr lvl="1">
-              <a:spcBef>
-                <a:spcPts val="0"/>
-              </a:spcBef>
-            </a:pPr>
-            <a:r>
-              <a:rPr lang="zh-CN" altLang="en-US" sz="2400" dirty="0">
-                <a:solidFill>
-                  <a:schemeClr val="tx1"/>
-                </a:solidFill>
-                <a:latin typeface="楷体" panose="02010609060101010101" pitchFamily="49" charset="-122"/>
-                <a:ea typeface="楷体" panose="02010609060101010101" pitchFamily="49" charset="-122"/>
-              </a:rPr>
-              <a:t>影响安全性的因素、对伦理道德的考虑</a:t>
-            </a:r>
-          </a:p>
-          <a:p>
-            <a:pPr lvl="1">
-              <a:spcBef>
-                <a:spcPts val="0"/>
-              </a:spcBef>
-            </a:pPr>
-            <a:r>
-              <a:rPr lang="zh-CN" altLang="en-US" sz="2400" b="1" dirty="0">
-                <a:solidFill>
-                  <a:srgbClr val="FF0000"/>
-                </a:solidFill>
-                <a:latin typeface="楷体" panose="02010609060101010101" pitchFamily="49" charset="-122"/>
-                <a:ea typeface="楷体" panose="02010609060101010101" pitchFamily="49" charset="-122"/>
-              </a:rPr>
-              <a:t>需求规格说明书</a:t>
-            </a:r>
-          </a:p>
-          <a:p>
-            <a:pPr>
-              <a:spcBef>
-                <a:spcPts val="0"/>
-              </a:spcBef>
-            </a:pPr>
-            <a:r>
-              <a:rPr lang="zh-CN" altLang="en-US" sz="2400" dirty="0">
-                <a:solidFill>
-                  <a:schemeClr val="tx1"/>
-                </a:solidFill>
-              </a:rPr>
-              <a:t>信息系统开发方式的抉择</a:t>
+              <a:t>如何表述需求？</a:t>
             </a:r>
           </a:p>
         </p:txBody>
@@ -15542,7 +15018,7 @@
     </p:spTree>
     <p:extLst>
       <p:ext uri="{BB962C8B-B14F-4D97-AF65-F5344CB8AC3E}">
-        <p14:creationId xmlns:p14="http://schemas.microsoft.com/office/powerpoint/2010/main" val="3615093804"/>
+        <p14:creationId xmlns:p14="http://schemas.microsoft.com/office/powerpoint/2010/main" val="4258049671"/>
       </p:ext>
     </p:extLst>
   </p:cSld>
